--- a/M04_Archivos_IO/01 Presentacion/M04-PPT_Archivos_IO.pptx
+++ b/M04_Archivos_IO/01 Presentacion/M04-PPT_Archivos_IO.pptx
@@ -21,38 +21,39 @@
     <p:sldId id="324" r:id="rId15"/>
     <p:sldId id="351" r:id="rId16"/>
     <p:sldId id="354" r:id="rId17"/>
-    <p:sldId id="263" r:id="rId18"/>
-    <p:sldId id="325" r:id="rId19"/>
-    <p:sldId id="290" r:id="rId20"/>
-    <p:sldId id="352" r:id="rId21"/>
-    <p:sldId id="291" r:id="rId22"/>
-    <p:sldId id="355" r:id="rId23"/>
-    <p:sldId id="264" r:id="rId24"/>
-    <p:sldId id="353" r:id="rId25"/>
-    <p:sldId id="356" r:id="rId26"/>
-    <p:sldId id="265" r:id="rId27"/>
-    <p:sldId id="326" r:id="rId28"/>
-    <p:sldId id="292" r:id="rId29"/>
-    <p:sldId id="293" r:id="rId30"/>
-    <p:sldId id="357" r:id="rId31"/>
-    <p:sldId id="268" r:id="rId32"/>
-    <p:sldId id="267" r:id="rId33"/>
-    <p:sldId id="294" r:id="rId34"/>
-    <p:sldId id="317" r:id="rId35"/>
-    <p:sldId id="318" r:id="rId36"/>
-    <p:sldId id="327" r:id="rId37"/>
-    <p:sldId id="329" r:id="rId38"/>
-    <p:sldId id="330" r:id="rId39"/>
-    <p:sldId id="331" r:id="rId40"/>
-    <p:sldId id="332" r:id="rId41"/>
-    <p:sldId id="333" r:id="rId42"/>
-    <p:sldId id="334" r:id="rId43"/>
-    <p:sldId id="335" r:id="rId44"/>
-    <p:sldId id="336" r:id="rId45"/>
-    <p:sldId id="337" r:id="rId46"/>
-    <p:sldId id="338" r:id="rId47"/>
+    <p:sldId id="358" r:id="rId18"/>
+    <p:sldId id="263" r:id="rId19"/>
+    <p:sldId id="325" r:id="rId20"/>
+    <p:sldId id="290" r:id="rId21"/>
+    <p:sldId id="352" r:id="rId22"/>
+    <p:sldId id="291" r:id="rId23"/>
+    <p:sldId id="355" r:id="rId24"/>
+    <p:sldId id="264" r:id="rId25"/>
+    <p:sldId id="353" r:id="rId26"/>
+    <p:sldId id="356" r:id="rId27"/>
+    <p:sldId id="265" r:id="rId28"/>
+    <p:sldId id="326" r:id="rId29"/>
+    <p:sldId id="292" r:id="rId30"/>
+    <p:sldId id="293" r:id="rId31"/>
+    <p:sldId id="357" r:id="rId32"/>
+    <p:sldId id="268" r:id="rId33"/>
+    <p:sldId id="267" r:id="rId34"/>
+    <p:sldId id="294" r:id="rId35"/>
+    <p:sldId id="317" r:id="rId36"/>
+    <p:sldId id="318" r:id="rId37"/>
+    <p:sldId id="327" r:id="rId38"/>
+    <p:sldId id="329" r:id="rId39"/>
+    <p:sldId id="330" r:id="rId40"/>
+    <p:sldId id="331" r:id="rId41"/>
+    <p:sldId id="332" r:id="rId42"/>
+    <p:sldId id="333" r:id="rId43"/>
+    <p:sldId id="334" r:id="rId44"/>
+    <p:sldId id="335" r:id="rId45"/>
+    <p:sldId id="336" r:id="rId46"/>
+    <p:sldId id="337" r:id="rId47"/>
+    <p:sldId id="338" r:id="rId48"/>
   </p:sldIdLst>
-  <p:sldSz cx="9144000" cy="6858000" type="screen4x3"/>
+  <p:sldSz cx="12192000" cy="6858000"/>
   <p:notesSz cx="6858000" cy="9144000"/>
   <p:defaultTextStyle>
     <a:defPPr>
@@ -189,6 +190,10 @@
             <p14:sldId id="260"/>
             <p14:sldId id="339"/>
             <p14:sldId id="340"/>
+          </p14:sldIdLst>
+        </p14:section>
+        <p14:section name="Unicode" id="{1892B4ED-5F57-4F37-9C40-8FF6CC16D1D6}">
+          <p14:sldIdLst>
             <p14:sldId id="348"/>
             <p14:sldId id="344"/>
             <p14:sldId id="345"/>
@@ -203,6 +208,7 @@
         <p14:section name="Nuevo Archivo" id="{DE15F83C-940C-40E0-B003-974EFC7AEB54}">
           <p14:sldIdLst>
             <p14:sldId id="354"/>
+            <p14:sldId id="358"/>
             <p14:sldId id="263"/>
             <p14:sldId id="325"/>
             <p14:sldId id="290"/>
@@ -227,6 +233,10 @@
             <p14:sldId id="317"/>
             <p14:sldId id="318"/>
             <p14:sldId id="327"/>
+          </p14:sldIdLst>
+        </p14:section>
+        <p14:section name="Archivos binarios" id="{9C8D5E30-9A74-4619-9541-2EE65AE4CABD}">
+          <p14:sldIdLst>
             <p14:sldId id="329"/>
             <p14:sldId id="330"/>
             <p14:sldId id="331"/>
@@ -243,12 +253,12 @@
     </p:ext>
     <p:ext uri="{EFAFB233-063F-42B5-8137-9DF3F51BA10A}">
       <p15:sldGuideLst xmlns:p15="http://schemas.microsoft.com/office/powerpoint/2012/main">
-        <p15:guide id="1" orient="horz" pos="2160">
+        <p15:guide id="1" orient="horz" pos="2160" userDrawn="1">
           <p15:clr>
             <a:srgbClr val="A4A3A4"/>
           </p15:clr>
         </p15:guide>
-        <p15:guide id="2" pos="2880">
+        <p15:guide id="2" pos="3840" userDrawn="1">
           <p15:clr>
             <a:srgbClr val="A4A3A4"/>
           </p15:clr>
@@ -1028,35 +1038,59 @@
         <a:lstStyle/>
         <a:p>
           <a:r>
-            <a:rPr lang="en-US" dirty="0" err="1"/>
+            <a:rPr lang="en-US" dirty="0" err="1">
+              <a:latin typeface="72" panose="020B0503030000000003" pitchFamily="34" charset="0"/>
+              <a:cs typeface="72" panose="020B0503030000000003" pitchFamily="34" charset="0"/>
+            </a:rPr>
             <a:t>Permite</a:t>
           </a:r>
           <a:r>
-            <a:rPr lang="en-US" dirty="0"/>
+            <a:rPr lang="en-US" dirty="0">
+              <a:latin typeface="72" panose="020B0503030000000003" pitchFamily="34" charset="0"/>
+              <a:cs typeface="72" panose="020B0503030000000003" pitchFamily="34" charset="0"/>
+            </a:rPr>
             <a:t> </a:t>
           </a:r>
           <a:r>
-            <a:rPr lang="en-US" dirty="0" err="1"/>
+            <a:rPr lang="en-US" dirty="0" err="1">
+              <a:latin typeface="72" panose="020B0503030000000003" pitchFamily="34" charset="0"/>
+              <a:cs typeface="72" panose="020B0503030000000003" pitchFamily="34" charset="0"/>
+            </a:rPr>
             <a:t>almacenar</a:t>
           </a:r>
           <a:r>
-            <a:rPr lang="en-US" dirty="0"/>
+            <a:rPr lang="en-US" dirty="0">
+              <a:latin typeface="72" panose="020B0503030000000003" pitchFamily="34" charset="0"/>
+              <a:cs typeface="72" panose="020B0503030000000003" pitchFamily="34" charset="0"/>
+            </a:rPr>
             <a:t> </a:t>
           </a:r>
           <a:r>
-            <a:rPr lang="en-US" dirty="0" err="1"/>
+            <a:rPr lang="en-US" dirty="0" err="1">
+              <a:latin typeface="72" panose="020B0503030000000003" pitchFamily="34" charset="0"/>
+              <a:cs typeface="72" panose="020B0503030000000003" pitchFamily="34" charset="0"/>
+            </a:rPr>
             <a:t>información</a:t>
           </a:r>
           <a:r>
-            <a:rPr lang="en-US" dirty="0"/>
+            <a:rPr lang="en-US" dirty="0">
+              <a:latin typeface="72" panose="020B0503030000000003" pitchFamily="34" charset="0"/>
+              <a:cs typeface="72" panose="020B0503030000000003" pitchFamily="34" charset="0"/>
+            </a:rPr>
             <a:t> </a:t>
           </a:r>
           <a:r>
-            <a:rPr lang="en-US" dirty="0" err="1"/>
+            <a:rPr lang="en-US" dirty="0" err="1">
+              <a:latin typeface="72" panose="020B0503030000000003" pitchFamily="34" charset="0"/>
+              <a:cs typeface="72" panose="020B0503030000000003" pitchFamily="34" charset="0"/>
+            </a:rPr>
             <a:t>permanentemente</a:t>
           </a:r>
           <a:r>
-            <a:rPr lang="en-US" dirty="0"/>
+            <a:rPr lang="en-US" dirty="0">
+              <a:latin typeface="72" panose="020B0503030000000003" pitchFamily="34" charset="0"/>
+              <a:cs typeface="72" panose="020B0503030000000003" pitchFamily="34" charset="0"/>
+            </a:rPr>
             <a:t>.</a:t>
           </a:r>
         </a:p>
@@ -1092,59 +1126,101 @@
         <a:lstStyle/>
         <a:p>
           <a:r>
-            <a:rPr lang="en-US" dirty="0" err="1"/>
+            <a:rPr lang="en-US" dirty="0" err="1">
+              <a:latin typeface="72" panose="020B0503030000000003" pitchFamily="34" charset="0"/>
+              <a:cs typeface="72" panose="020B0503030000000003" pitchFamily="34" charset="0"/>
+            </a:rPr>
             <a:t>Reutilizar</a:t>
           </a:r>
           <a:r>
-            <a:rPr lang="en-US" dirty="0"/>
+            <a:rPr lang="en-US" dirty="0">
+              <a:latin typeface="72" panose="020B0503030000000003" pitchFamily="34" charset="0"/>
+              <a:cs typeface="72" panose="020B0503030000000003" pitchFamily="34" charset="0"/>
+            </a:rPr>
             <a:t> la </a:t>
           </a:r>
           <a:r>
-            <a:rPr lang="en-US" dirty="0" err="1"/>
+            <a:rPr lang="en-US" dirty="0" err="1">
+              <a:latin typeface="72" panose="020B0503030000000003" pitchFamily="34" charset="0"/>
+              <a:cs typeface="72" panose="020B0503030000000003" pitchFamily="34" charset="0"/>
+            </a:rPr>
             <a:t>misma</a:t>
           </a:r>
           <a:r>
-            <a:rPr lang="en-US" dirty="0"/>
+            <a:rPr lang="en-US" dirty="0">
+              <a:latin typeface="72" panose="020B0503030000000003" pitchFamily="34" charset="0"/>
+              <a:cs typeface="72" panose="020B0503030000000003" pitchFamily="34" charset="0"/>
+            </a:rPr>
             <a:t> </a:t>
           </a:r>
           <a:r>
-            <a:rPr lang="en-US" dirty="0" err="1"/>
+            <a:rPr lang="en-US" dirty="0" err="1">
+              <a:latin typeface="72" panose="020B0503030000000003" pitchFamily="34" charset="0"/>
+              <a:cs typeface="72" panose="020B0503030000000003" pitchFamily="34" charset="0"/>
+            </a:rPr>
             <a:t>información</a:t>
           </a:r>
           <a:r>
-            <a:rPr lang="en-US" dirty="0"/>
+            <a:rPr lang="en-US" dirty="0">
+              <a:latin typeface="72" panose="020B0503030000000003" pitchFamily="34" charset="0"/>
+              <a:cs typeface="72" panose="020B0503030000000003" pitchFamily="34" charset="0"/>
+            </a:rPr>
             <a:t> </a:t>
           </a:r>
           <a:r>
-            <a:rPr lang="en-US" dirty="0" err="1"/>
+            <a:rPr lang="en-US" dirty="0" err="1">
+              <a:latin typeface="72" panose="020B0503030000000003" pitchFamily="34" charset="0"/>
+              <a:cs typeface="72" panose="020B0503030000000003" pitchFamily="34" charset="0"/>
+            </a:rPr>
             <a:t>en</a:t>
           </a:r>
           <a:r>
-            <a:rPr lang="en-US" dirty="0"/>
+            <a:rPr lang="en-US" dirty="0">
+              <a:latin typeface="72" panose="020B0503030000000003" pitchFamily="34" charset="0"/>
+              <a:cs typeface="72" panose="020B0503030000000003" pitchFamily="34" charset="0"/>
+            </a:rPr>
             <a:t> </a:t>
           </a:r>
           <a:r>
-            <a:rPr lang="en-US" dirty="0" err="1"/>
+            <a:rPr lang="en-US" dirty="0" err="1">
+              <a:latin typeface="72" panose="020B0503030000000003" pitchFamily="34" charset="0"/>
+              <a:cs typeface="72" panose="020B0503030000000003" pitchFamily="34" charset="0"/>
+            </a:rPr>
             <a:t>distintas</a:t>
           </a:r>
           <a:r>
-            <a:rPr lang="en-US" dirty="0"/>
+            <a:rPr lang="en-US" dirty="0">
+              <a:latin typeface="72" panose="020B0503030000000003" pitchFamily="34" charset="0"/>
+              <a:cs typeface="72" panose="020B0503030000000003" pitchFamily="34" charset="0"/>
+            </a:rPr>
             <a:t> </a:t>
           </a:r>
           <a:r>
-            <a:rPr lang="en-US" dirty="0" err="1"/>
+            <a:rPr lang="en-US" dirty="0" err="1">
+              <a:latin typeface="72" panose="020B0503030000000003" pitchFamily="34" charset="0"/>
+              <a:cs typeface="72" panose="020B0503030000000003" pitchFamily="34" charset="0"/>
+            </a:rPr>
             <a:t>computadoras</a:t>
           </a:r>
           <a:r>
-            <a:rPr lang="en-US" dirty="0"/>
+            <a:rPr lang="en-US" dirty="0">
+              <a:latin typeface="72" panose="020B0503030000000003" pitchFamily="34" charset="0"/>
+              <a:cs typeface="72" panose="020B0503030000000003" pitchFamily="34" charset="0"/>
+            </a:rPr>
             <a:t> o </a:t>
           </a:r>
           <a:r>
-            <a:rPr lang="en-US" dirty="0" err="1"/>
+            <a:rPr lang="en-US" dirty="0" err="1">
+              <a:latin typeface="72" panose="020B0503030000000003" pitchFamily="34" charset="0"/>
+              <a:cs typeface="72" panose="020B0503030000000003" pitchFamily="34" charset="0"/>
+            </a:rPr>
             <a:t>programas</a:t>
           </a:r>
           <a:r>
-            <a:rPr lang="en-US" dirty="0"/>
+            <a:rPr lang="en-US" dirty="0">
+              <a:latin typeface="72" panose="020B0503030000000003" pitchFamily="34" charset="0"/>
+              <a:cs typeface="72" panose="020B0503030000000003" pitchFamily="34" charset="0"/>
+            </a:rPr>
             <a:t>.</a:t>
           </a:r>
         </a:p>
@@ -1180,51 +1256,87 @@
         <a:lstStyle/>
         <a:p>
           <a:r>
-            <a:rPr lang="en-US" dirty="0" err="1"/>
+            <a:rPr lang="en-US" dirty="0" err="1">
+              <a:latin typeface="72" panose="020B0503030000000003" pitchFamily="34" charset="0"/>
+              <a:cs typeface="72" panose="020B0503030000000003" pitchFamily="34" charset="0"/>
+            </a:rPr>
             <a:t>Permite</a:t>
           </a:r>
           <a:r>
-            <a:rPr lang="en-US" dirty="0"/>
+            <a:rPr lang="en-US" dirty="0">
+              <a:latin typeface="72" panose="020B0503030000000003" pitchFamily="34" charset="0"/>
+              <a:cs typeface="72" panose="020B0503030000000003" pitchFamily="34" charset="0"/>
+            </a:rPr>
             <a:t> </a:t>
           </a:r>
           <a:r>
-            <a:rPr lang="en-US" dirty="0" err="1"/>
+            <a:rPr lang="en-US" dirty="0" err="1">
+              <a:latin typeface="72" panose="020B0503030000000003" pitchFamily="34" charset="0"/>
+              <a:cs typeface="72" panose="020B0503030000000003" pitchFamily="34" charset="0"/>
+            </a:rPr>
             <a:t>trabajar</a:t>
           </a:r>
           <a:r>
-            <a:rPr lang="en-US" dirty="0"/>
+            <a:rPr lang="en-US" dirty="0">
+              <a:latin typeface="72" panose="020B0503030000000003" pitchFamily="34" charset="0"/>
+              <a:cs typeface="72" panose="020B0503030000000003" pitchFamily="34" charset="0"/>
+            </a:rPr>
             <a:t> con </a:t>
           </a:r>
           <a:r>
-            <a:rPr lang="en-US" dirty="0" err="1"/>
+            <a:rPr lang="en-US" dirty="0" err="1">
+              <a:latin typeface="72" panose="020B0503030000000003" pitchFamily="34" charset="0"/>
+              <a:cs typeface="72" panose="020B0503030000000003" pitchFamily="34" charset="0"/>
+            </a:rPr>
             <a:t>grandes</a:t>
           </a:r>
           <a:r>
-            <a:rPr lang="en-US" dirty="0"/>
+            <a:rPr lang="en-US" dirty="0">
+              <a:latin typeface="72" panose="020B0503030000000003" pitchFamily="34" charset="0"/>
+              <a:cs typeface="72" panose="020B0503030000000003" pitchFamily="34" charset="0"/>
+            </a:rPr>
             <a:t> </a:t>
           </a:r>
           <a:r>
-            <a:rPr lang="en-US" dirty="0" err="1"/>
+            <a:rPr lang="en-US" dirty="0" err="1">
+              <a:latin typeface="72" panose="020B0503030000000003" pitchFamily="34" charset="0"/>
+              <a:cs typeface="72" panose="020B0503030000000003" pitchFamily="34" charset="0"/>
+            </a:rPr>
             <a:t>cantidades</a:t>
           </a:r>
           <a:r>
-            <a:rPr lang="en-US" dirty="0"/>
+            <a:rPr lang="en-US" dirty="0">
+              <a:latin typeface="72" panose="020B0503030000000003" pitchFamily="34" charset="0"/>
+              <a:cs typeface="72" panose="020B0503030000000003" pitchFamily="34" charset="0"/>
+            </a:rPr>
             <a:t> de </a:t>
           </a:r>
           <a:r>
-            <a:rPr lang="en-US" dirty="0" err="1"/>
+            <a:rPr lang="en-US" dirty="0" err="1">
+              <a:latin typeface="72" panose="020B0503030000000003" pitchFamily="34" charset="0"/>
+              <a:cs typeface="72" panose="020B0503030000000003" pitchFamily="34" charset="0"/>
+            </a:rPr>
             <a:t>información</a:t>
           </a:r>
           <a:r>
-            <a:rPr lang="en-US" dirty="0"/>
+            <a:rPr lang="en-US" dirty="0">
+              <a:latin typeface="72" panose="020B0503030000000003" pitchFamily="34" charset="0"/>
+              <a:cs typeface="72" panose="020B0503030000000003" pitchFamily="34" charset="0"/>
+            </a:rPr>
             <a:t> </a:t>
           </a:r>
           <a:r>
-            <a:rPr lang="en-US" dirty="0" err="1"/>
+            <a:rPr lang="en-US" dirty="0" err="1">
+              <a:latin typeface="72" panose="020B0503030000000003" pitchFamily="34" charset="0"/>
+              <a:cs typeface="72" panose="020B0503030000000003" pitchFamily="34" charset="0"/>
+            </a:rPr>
             <a:t>convenientemente</a:t>
           </a:r>
           <a:r>
-            <a:rPr lang="en-US" dirty="0"/>
+            <a:rPr lang="en-US" dirty="0">
+              <a:latin typeface="72" panose="020B0503030000000003" pitchFamily="34" charset="0"/>
+              <a:cs typeface="72" panose="020B0503030000000003" pitchFamily="34" charset="0"/>
+            </a:rPr>
             <a:t>.</a:t>
           </a:r>
         </a:p>
@@ -1260,9 +1372,44 @@
         <a:lstStyle/>
         <a:p>
           <a:r>
-            <a:rPr lang="en-US"/>
-            <a:t>Facilita la transferencia de información</a:t>
+            <a:rPr lang="en-US" dirty="0" err="1">
+              <a:latin typeface="72" panose="020B0503030000000003" pitchFamily="34" charset="0"/>
+              <a:cs typeface="72" panose="020B0503030000000003" pitchFamily="34" charset="0"/>
+            </a:rPr>
+            <a:t>Facilita</a:t>
           </a:r>
+          <a:r>
+            <a:rPr lang="en-US" dirty="0">
+              <a:latin typeface="72" panose="020B0503030000000003" pitchFamily="34" charset="0"/>
+              <a:cs typeface="72" panose="020B0503030000000003" pitchFamily="34" charset="0"/>
+            </a:rPr>
+            <a:t> la </a:t>
+          </a:r>
+          <a:r>
+            <a:rPr lang="en-US" dirty="0" err="1">
+              <a:latin typeface="72" panose="020B0503030000000003" pitchFamily="34" charset="0"/>
+              <a:cs typeface="72" panose="020B0503030000000003" pitchFamily="34" charset="0"/>
+            </a:rPr>
+            <a:t>transferencia</a:t>
+          </a:r>
+          <a:r>
+            <a:rPr lang="en-US" dirty="0">
+              <a:latin typeface="72" panose="020B0503030000000003" pitchFamily="34" charset="0"/>
+              <a:cs typeface="72" panose="020B0503030000000003" pitchFamily="34" charset="0"/>
+            </a:rPr>
+            <a:t> de </a:t>
+          </a:r>
+          <a:r>
+            <a:rPr lang="en-US" dirty="0" err="1">
+              <a:latin typeface="72" panose="020B0503030000000003" pitchFamily="34" charset="0"/>
+              <a:cs typeface="72" panose="020B0503030000000003" pitchFamily="34" charset="0"/>
+            </a:rPr>
+            <a:t>información</a:t>
+          </a:r>
+          <a:endParaRPr lang="en-US" dirty="0">
+            <a:latin typeface="72" panose="020B0503030000000003" pitchFamily="34" charset="0"/>
+            <a:cs typeface="72" panose="020B0503030000000003" pitchFamily="34" charset="0"/>
+          </a:endParaRPr>
         </a:p>
       </dgm:t>
     </dgm:pt>
@@ -1416,7 +1563,7 @@
       <dsp:spPr>
         <a:xfrm>
           <a:off x="0" y="0"/>
-          <a:ext cx="8229600" cy="0"/>
+          <a:ext cx="11405568" cy="0"/>
         </a:xfrm>
         <a:prstGeom prst="line">
           <a:avLst/>
@@ -1465,7 +1612,7 @@
       <dsp:spPr>
         <a:xfrm>
           <a:off x="0" y="0"/>
-          <a:ext cx="8229600" cy="1361289"/>
+          <a:ext cx="11405568" cy="1363690"/>
         </a:xfrm>
         <a:prstGeom prst="rect">
           <a:avLst/>
@@ -1489,12 +1636,12 @@
         <a:fontRef idx="minor"/>
       </dsp:style>
       <dsp:txBody>
-        <a:bodyPr spcFirstLastPara="0" vert="horz" wrap="square" lIns="129540" tIns="129540" rIns="129540" bIns="129540" numCol="1" spcCol="1270" anchor="t" anchorCtr="0">
+        <a:bodyPr spcFirstLastPara="0" vert="horz" wrap="square" lIns="152400" tIns="152400" rIns="152400" bIns="152400" numCol="1" spcCol="1270" anchor="t" anchorCtr="0">
           <a:noAutofit/>
         </a:bodyPr>
         <a:lstStyle/>
         <a:p>
-          <a:pPr marL="0" lvl="0" indent="0" algn="l" defTabSz="1511300">
+          <a:pPr marL="0" lvl="0" indent="0" algn="l" defTabSz="1778000">
             <a:lnSpc>
               <a:spcPct val="90000"/>
             </a:lnSpc>
@@ -1507,42 +1654,66 @@
             <a:buNone/>
           </a:pPr>
           <a:r>
-            <a:rPr lang="en-US" sz="3400" kern="1200" dirty="0" err="1"/>
+            <a:rPr lang="en-US" sz="4000" kern="1200" dirty="0" err="1">
+              <a:latin typeface="72" panose="020B0503030000000003" pitchFamily="34" charset="0"/>
+              <a:cs typeface="72" panose="020B0503030000000003" pitchFamily="34" charset="0"/>
+            </a:rPr>
             <a:t>Permite</a:t>
           </a:r>
           <a:r>
-            <a:rPr lang="en-US" sz="3400" kern="1200" dirty="0"/>
+            <a:rPr lang="en-US" sz="4000" kern="1200" dirty="0">
+              <a:latin typeface="72" panose="020B0503030000000003" pitchFamily="34" charset="0"/>
+              <a:cs typeface="72" panose="020B0503030000000003" pitchFamily="34" charset="0"/>
+            </a:rPr>
             <a:t> </a:t>
           </a:r>
           <a:r>
-            <a:rPr lang="en-US" sz="3400" kern="1200" dirty="0" err="1"/>
+            <a:rPr lang="en-US" sz="4000" kern="1200" dirty="0" err="1">
+              <a:latin typeface="72" panose="020B0503030000000003" pitchFamily="34" charset="0"/>
+              <a:cs typeface="72" panose="020B0503030000000003" pitchFamily="34" charset="0"/>
+            </a:rPr>
             <a:t>almacenar</a:t>
           </a:r>
           <a:r>
-            <a:rPr lang="en-US" sz="3400" kern="1200" dirty="0"/>
+            <a:rPr lang="en-US" sz="4000" kern="1200" dirty="0">
+              <a:latin typeface="72" panose="020B0503030000000003" pitchFamily="34" charset="0"/>
+              <a:cs typeface="72" panose="020B0503030000000003" pitchFamily="34" charset="0"/>
+            </a:rPr>
             <a:t> </a:t>
           </a:r>
           <a:r>
-            <a:rPr lang="en-US" sz="3400" kern="1200" dirty="0" err="1"/>
+            <a:rPr lang="en-US" sz="4000" kern="1200" dirty="0" err="1">
+              <a:latin typeface="72" panose="020B0503030000000003" pitchFamily="34" charset="0"/>
+              <a:cs typeface="72" panose="020B0503030000000003" pitchFamily="34" charset="0"/>
+            </a:rPr>
             <a:t>información</a:t>
           </a:r>
           <a:r>
-            <a:rPr lang="en-US" sz="3400" kern="1200" dirty="0"/>
+            <a:rPr lang="en-US" sz="4000" kern="1200" dirty="0">
+              <a:latin typeface="72" panose="020B0503030000000003" pitchFamily="34" charset="0"/>
+              <a:cs typeface="72" panose="020B0503030000000003" pitchFamily="34" charset="0"/>
+            </a:rPr>
             <a:t> </a:t>
           </a:r>
           <a:r>
-            <a:rPr lang="en-US" sz="3400" kern="1200" dirty="0" err="1"/>
+            <a:rPr lang="en-US" sz="4000" kern="1200" dirty="0" err="1">
+              <a:latin typeface="72" panose="020B0503030000000003" pitchFamily="34" charset="0"/>
+              <a:cs typeface="72" panose="020B0503030000000003" pitchFamily="34" charset="0"/>
+            </a:rPr>
             <a:t>permanentemente</a:t>
           </a:r>
           <a:r>
-            <a:rPr lang="en-US" sz="3400" kern="1200" dirty="0"/>
+            <a:rPr lang="en-US" sz="4000" kern="1200" dirty="0">
+              <a:latin typeface="72" panose="020B0503030000000003" pitchFamily="34" charset="0"/>
+              <a:cs typeface="72" panose="020B0503030000000003" pitchFamily="34" charset="0"/>
+            </a:rPr>
             <a:t>.</a:t>
           </a:r>
         </a:p>
       </dsp:txBody>
       <dsp:txXfrm>
         <a:off x="0" y="0"/>
-        <a:ext cx="8229600" cy="1361289"/>
+        <a:ext cx="11405568" cy="1363690"/>
       </dsp:txXfrm>
     </dsp:sp>
     <dsp:sp modelId="{C8672928-34F6-4937-8BAF-A0B8472F6086}">
@@ -1552,8 +1723,8 @@
       </dsp:nvSpPr>
       <dsp:spPr>
         <a:xfrm>
-          <a:off x="0" y="1361289"/>
-          <a:ext cx="8229600" cy="0"/>
+          <a:off x="0" y="1363690"/>
+          <a:ext cx="11405568" cy="0"/>
         </a:xfrm>
         <a:prstGeom prst="line">
           <a:avLst/>
@@ -1601,8 +1772,8 @@
       </dsp:nvSpPr>
       <dsp:spPr>
         <a:xfrm>
-          <a:off x="0" y="1361289"/>
-          <a:ext cx="8229600" cy="1361289"/>
+          <a:off x="0" y="1363690"/>
+          <a:ext cx="11405568" cy="1363690"/>
         </a:xfrm>
         <a:prstGeom prst="rect">
           <a:avLst/>
@@ -1626,12 +1797,12 @@
         <a:fontRef idx="minor"/>
       </dsp:style>
       <dsp:txBody>
-        <a:bodyPr spcFirstLastPara="0" vert="horz" wrap="square" lIns="129540" tIns="129540" rIns="129540" bIns="129540" numCol="1" spcCol="1270" anchor="t" anchorCtr="0">
+        <a:bodyPr spcFirstLastPara="0" vert="horz" wrap="square" lIns="152400" tIns="152400" rIns="152400" bIns="152400" numCol="1" spcCol="1270" anchor="t" anchorCtr="0">
           <a:noAutofit/>
         </a:bodyPr>
         <a:lstStyle/>
         <a:p>
-          <a:pPr marL="0" lvl="0" indent="0" algn="l" defTabSz="1511300">
+          <a:pPr marL="0" lvl="0" indent="0" algn="l" defTabSz="1778000">
             <a:lnSpc>
               <a:spcPct val="90000"/>
             </a:lnSpc>
@@ -1644,66 +1815,108 @@
             <a:buNone/>
           </a:pPr>
           <a:r>
-            <a:rPr lang="en-US" sz="3400" kern="1200" dirty="0" err="1"/>
+            <a:rPr lang="en-US" sz="4000" kern="1200" dirty="0" err="1">
+              <a:latin typeface="72" panose="020B0503030000000003" pitchFamily="34" charset="0"/>
+              <a:cs typeface="72" panose="020B0503030000000003" pitchFamily="34" charset="0"/>
+            </a:rPr>
             <a:t>Reutilizar</a:t>
           </a:r>
           <a:r>
-            <a:rPr lang="en-US" sz="3400" kern="1200" dirty="0"/>
+            <a:rPr lang="en-US" sz="4000" kern="1200" dirty="0">
+              <a:latin typeface="72" panose="020B0503030000000003" pitchFamily="34" charset="0"/>
+              <a:cs typeface="72" panose="020B0503030000000003" pitchFamily="34" charset="0"/>
+            </a:rPr>
             <a:t> la </a:t>
           </a:r>
           <a:r>
-            <a:rPr lang="en-US" sz="3400" kern="1200" dirty="0" err="1"/>
+            <a:rPr lang="en-US" sz="4000" kern="1200" dirty="0" err="1">
+              <a:latin typeface="72" panose="020B0503030000000003" pitchFamily="34" charset="0"/>
+              <a:cs typeface="72" panose="020B0503030000000003" pitchFamily="34" charset="0"/>
+            </a:rPr>
             <a:t>misma</a:t>
           </a:r>
           <a:r>
-            <a:rPr lang="en-US" sz="3400" kern="1200" dirty="0"/>
+            <a:rPr lang="en-US" sz="4000" kern="1200" dirty="0">
+              <a:latin typeface="72" panose="020B0503030000000003" pitchFamily="34" charset="0"/>
+              <a:cs typeface="72" panose="020B0503030000000003" pitchFamily="34" charset="0"/>
+            </a:rPr>
             <a:t> </a:t>
           </a:r>
           <a:r>
-            <a:rPr lang="en-US" sz="3400" kern="1200" dirty="0" err="1"/>
+            <a:rPr lang="en-US" sz="4000" kern="1200" dirty="0" err="1">
+              <a:latin typeface="72" panose="020B0503030000000003" pitchFamily="34" charset="0"/>
+              <a:cs typeface="72" panose="020B0503030000000003" pitchFamily="34" charset="0"/>
+            </a:rPr>
             <a:t>información</a:t>
           </a:r>
           <a:r>
-            <a:rPr lang="en-US" sz="3400" kern="1200" dirty="0"/>
+            <a:rPr lang="en-US" sz="4000" kern="1200" dirty="0">
+              <a:latin typeface="72" panose="020B0503030000000003" pitchFamily="34" charset="0"/>
+              <a:cs typeface="72" panose="020B0503030000000003" pitchFamily="34" charset="0"/>
+            </a:rPr>
             <a:t> </a:t>
           </a:r>
           <a:r>
-            <a:rPr lang="en-US" sz="3400" kern="1200" dirty="0" err="1"/>
+            <a:rPr lang="en-US" sz="4000" kern="1200" dirty="0" err="1">
+              <a:latin typeface="72" panose="020B0503030000000003" pitchFamily="34" charset="0"/>
+              <a:cs typeface="72" panose="020B0503030000000003" pitchFamily="34" charset="0"/>
+            </a:rPr>
             <a:t>en</a:t>
           </a:r>
           <a:r>
-            <a:rPr lang="en-US" sz="3400" kern="1200" dirty="0"/>
+            <a:rPr lang="en-US" sz="4000" kern="1200" dirty="0">
+              <a:latin typeface="72" panose="020B0503030000000003" pitchFamily="34" charset="0"/>
+              <a:cs typeface="72" panose="020B0503030000000003" pitchFamily="34" charset="0"/>
+            </a:rPr>
             <a:t> </a:t>
           </a:r>
           <a:r>
-            <a:rPr lang="en-US" sz="3400" kern="1200" dirty="0" err="1"/>
+            <a:rPr lang="en-US" sz="4000" kern="1200" dirty="0" err="1">
+              <a:latin typeface="72" panose="020B0503030000000003" pitchFamily="34" charset="0"/>
+              <a:cs typeface="72" panose="020B0503030000000003" pitchFamily="34" charset="0"/>
+            </a:rPr>
             <a:t>distintas</a:t>
           </a:r>
           <a:r>
-            <a:rPr lang="en-US" sz="3400" kern="1200" dirty="0"/>
+            <a:rPr lang="en-US" sz="4000" kern="1200" dirty="0">
+              <a:latin typeface="72" panose="020B0503030000000003" pitchFamily="34" charset="0"/>
+              <a:cs typeface="72" panose="020B0503030000000003" pitchFamily="34" charset="0"/>
+            </a:rPr>
             <a:t> </a:t>
           </a:r>
           <a:r>
-            <a:rPr lang="en-US" sz="3400" kern="1200" dirty="0" err="1"/>
+            <a:rPr lang="en-US" sz="4000" kern="1200" dirty="0" err="1">
+              <a:latin typeface="72" panose="020B0503030000000003" pitchFamily="34" charset="0"/>
+              <a:cs typeface="72" panose="020B0503030000000003" pitchFamily="34" charset="0"/>
+            </a:rPr>
             <a:t>computadoras</a:t>
           </a:r>
           <a:r>
-            <a:rPr lang="en-US" sz="3400" kern="1200" dirty="0"/>
+            <a:rPr lang="en-US" sz="4000" kern="1200" dirty="0">
+              <a:latin typeface="72" panose="020B0503030000000003" pitchFamily="34" charset="0"/>
+              <a:cs typeface="72" panose="020B0503030000000003" pitchFamily="34" charset="0"/>
+            </a:rPr>
             <a:t> o </a:t>
           </a:r>
           <a:r>
-            <a:rPr lang="en-US" sz="3400" kern="1200" dirty="0" err="1"/>
+            <a:rPr lang="en-US" sz="4000" kern="1200" dirty="0" err="1">
+              <a:latin typeface="72" panose="020B0503030000000003" pitchFamily="34" charset="0"/>
+              <a:cs typeface="72" panose="020B0503030000000003" pitchFamily="34" charset="0"/>
+            </a:rPr>
             <a:t>programas</a:t>
           </a:r>
           <a:r>
-            <a:rPr lang="en-US" sz="3400" kern="1200" dirty="0"/>
+            <a:rPr lang="en-US" sz="4000" kern="1200" dirty="0">
+              <a:latin typeface="72" panose="020B0503030000000003" pitchFamily="34" charset="0"/>
+              <a:cs typeface="72" panose="020B0503030000000003" pitchFamily="34" charset="0"/>
+            </a:rPr>
             <a:t>.</a:t>
           </a:r>
         </a:p>
       </dsp:txBody>
       <dsp:txXfrm>
-        <a:off x="0" y="1361289"/>
-        <a:ext cx="8229600" cy="1361289"/>
+        <a:off x="0" y="1363690"/>
+        <a:ext cx="11405568" cy="1363690"/>
       </dsp:txXfrm>
     </dsp:sp>
     <dsp:sp modelId="{F912A99B-9286-4F2A-A10D-291F371E0DC8}">
@@ -1713,8 +1926,8 @@
       </dsp:nvSpPr>
       <dsp:spPr>
         <a:xfrm>
-          <a:off x="0" y="2722578"/>
-          <a:ext cx="8229600" cy="0"/>
+          <a:off x="0" y="2727381"/>
+          <a:ext cx="11405568" cy="0"/>
         </a:xfrm>
         <a:prstGeom prst="line">
           <a:avLst/>
@@ -1762,8 +1975,8 @@
       </dsp:nvSpPr>
       <dsp:spPr>
         <a:xfrm>
-          <a:off x="0" y="2722578"/>
-          <a:ext cx="8229600" cy="1361289"/>
+          <a:off x="0" y="2727381"/>
+          <a:ext cx="11405568" cy="1363690"/>
         </a:xfrm>
         <a:prstGeom prst="rect">
           <a:avLst/>
@@ -1787,12 +2000,12 @@
         <a:fontRef idx="minor"/>
       </dsp:style>
       <dsp:txBody>
-        <a:bodyPr spcFirstLastPara="0" vert="horz" wrap="square" lIns="129540" tIns="129540" rIns="129540" bIns="129540" numCol="1" spcCol="1270" anchor="t" anchorCtr="0">
+        <a:bodyPr spcFirstLastPara="0" vert="horz" wrap="square" lIns="152400" tIns="152400" rIns="152400" bIns="152400" numCol="1" spcCol="1270" anchor="t" anchorCtr="0">
           <a:noAutofit/>
         </a:bodyPr>
         <a:lstStyle/>
         <a:p>
-          <a:pPr marL="0" lvl="0" indent="0" algn="l" defTabSz="1511300">
+          <a:pPr marL="0" lvl="0" indent="0" algn="l" defTabSz="1778000">
             <a:lnSpc>
               <a:spcPct val="90000"/>
             </a:lnSpc>
@@ -1805,58 +2018,94 @@
             <a:buNone/>
           </a:pPr>
           <a:r>
-            <a:rPr lang="en-US" sz="3400" kern="1200" dirty="0" err="1"/>
+            <a:rPr lang="en-US" sz="4000" kern="1200" dirty="0" err="1">
+              <a:latin typeface="72" panose="020B0503030000000003" pitchFamily="34" charset="0"/>
+              <a:cs typeface="72" panose="020B0503030000000003" pitchFamily="34" charset="0"/>
+            </a:rPr>
             <a:t>Permite</a:t>
           </a:r>
           <a:r>
-            <a:rPr lang="en-US" sz="3400" kern="1200" dirty="0"/>
+            <a:rPr lang="en-US" sz="4000" kern="1200" dirty="0">
+              <a:latin typeface="72" panose="020B0503030000000003" pitchFamily="34" charset="0"/>
+              <a:cs typeface="72" panose="020B0503030000000003" pitchFamily="34" charset="0"/>
+            </a:rPr>
             <a:t> </a:t>
           </a:r>
           <a:r>
-            <a:rPr lang="en-US" sz="3400" kern="1200" dirty="0" err="1"/>
+            <a:rPr lang="en-US" sz="4000" kern="1200" dirty="0" err="1">
+              <a:latin typeface="72" panose="020B0503030000000003" pitchFamily="34" charset="0"/>
+              <a:cs typeface="72" panose="020B0503030000000003" pitchFamily="34" charset="0"/>
+            </a:rPr>
             <a:t>trabajar</a:t>
           </a:r>
           <a:r>
-            <a:rPr lang="en-US" sz="3400" kern="1200" dirty="0"/>
+            <a:rPr lang="en-US" sz="4000" kern="1200" dirty="0">
+              <a:latin typeface="72" panose="020B0503030000000003" pitchFamily="34" charset="0"/>
+              <a:cs typeface="72" panose="020B0503030000000003" pitchFamily="34" charset="0"/>
+            </a:rPr>
             <a:t> con </a:t>
           </a:r>
           <a:r>
-            <a:rPr lang="en-US" sz="3400" kern="1200" dirty="0" err="1"/>
+            <a:rPr lang="en-US" sz="4000" kern="1200" dirty="0" err="1">
+              <a:latin typeface="72" panose="020B0503030000000003" pitchFamily="34" charset="0"/>
+              <a:cs typeface="72" panose="020B0503030000000003" pitchFamily="34" charset="0"/>
+            </a:rPr>
             <a:t>grandes</a:t>
           </a:r>
           <a:r>
-            <a:rPr lang="en-US" sz="3400" kern="1200" dirty="0"/>
+            <a:rPr lang="en-US" sz="4000" kern="1200" dirty="0">
+              <a:latin typeface="72" panose="020B0503030000000003" pitchFamily="34" charset="0"/>
+              <a:cs typeface="72" panose="020B0503030000000003" pitchFamily="34" charset="0"/>
+            </a:rPr>
             <a:t> </a:t>
           </a:r>
           <a:r>
-            <a:rPr lang="en-US" sz="3400" kern="1200" dirty="0" err="1"/>
+            <a:rPr lang="en-US" sz="4000" kern="1200" dirty="0" err="1">
+              <a:latin typeface="72" panose="020B0503030000000003" pitchFamily="34" charset="0"/>
+              <a:cs typeface="72" panose="020B0503030000000003" pitchFamily="34" charset="0"/>
+            </a:rPr>
             <a:t>cantidades</a:t>
           </a:r>
           <a:r>
-            <a:rPr lang="en-US" sz="3400" kern="1200" dirty="0"/>
+            <a:rPr lang="en-US" sz="4000" kern="1200" dirty="0">
+              <a:latin typeface="72" panose="020B0503030000000003" pitchFamily="34" charset="0"/>
+              <a:cs typeface="72" panose="020B0503030000000003" pitchFamily="34" charset="0"/>
+            </a:rPr>
             <a:t> de </a:t>
           </a:r>
           <a:r>
-            <a:rPr lang="en-US" sz="3400" kern="1200" dirty="0" err="1"/>
+            <a:rPr lang="en-US" sz="4000" kern="1200" dirty="0" err="1">
+              <a:latin typeface="72" panose="020B0503030000000003" pitchFamily="34" charset="0"/>
+              <a:cs typeface="72" panose="020B0503030000000003" pitchFamily="34" charset="0"/>
+            </a:rPr>
             <a:t>información</a:t>
           </a:r>
           <a:r>
-            <a:rPr lang="en-US" sz="3400" kern="1200" dirty="0"/>
+            <a:rPr lang="en-US" sz="4000" kern="1200" dirty="0">
+              <a:latin typeface="72" panose="020B0503030000000003" pitchFamily="34" charset="0"/>
+              <a:cs typeface="72" panose="020B0503030000000003" pitchFamily="34" charset="0"/>
+            </a:rPr>
             <a:t> </a:t>
           </a:r>
           <a:r>
-            <a:rPr lang="en-US" sz="3400" kern="1200" dirty="0" err="1"/>
+            <a:rPr lang="en-US" sz="4000" kern="1200" dirty="0" err="1">
+              <a:latin typeface="72" panose="020B0503030000000003" pitchFamily="34" charset="0"/>
+              <a:cs typeface="72" panose="020B0503030000000003" pitchFamily="34" charset="0"/>
+            </a:rPr>
             <a:t>convenientemente</a:t>
           </a:r>
           <a:r>
-            <a:rPr lang="en-US" sz="3400" kern="1200" dirty="0"/>
+            <a:rPr lang="en-US" sz="4000" kern="1200" dirty="0">
+              <a:latin typeface="72" panose="020B0503030000000003" pitchFamily="34" charset="0"/>
+              <a:cs typeface="72" panose="020B0503030000000003" pitchFamily="34" charset="0"/>
+            </a:rPr>
             <a:t>.</a:t>
           </a:r>
         </a:p>
       </dsp:txBody>
       <dsp:txXfrm>
-        <a:off x="0" y="2722578"/>
-        <a:ext cx="8229600" cy="1361289"/>
+        <a:off x="0" y="2727381"/>
+        <a:ext cx="11405568" cy="1363690"/>
       </dsp:txXfrm>
     </dsp:sp>
     <dsp:sp modelId="{BBEA21A9-8A79-4564-BC3A-E91D4463FA6E}">
@@ -1866,8 +2115,8 @@
       </dsp:nvSpPr>
       <dsp:spPr>
         <a:xfrm>
-          <a:off x="0" y="4083868"/>
-          <a:ext cx="8229600" cy="0"/>
+          <a:off x="0" y="4091072"/>
+          <a:ext cx="11405568" cy="0"/>
         </a:xfrm>
         <a:prstGeom prst="line">
           <a:avLst/>
@@ -1915,8 +2164,8 @@
       </dsp:nvSpPr>
       <dsp:spPr>
         <a:xfrm>
-          <a:off x="0" y="4083868"/>
-          <a:ext cx="8229600" cy="1361289"/>
+          <a:off x="0" y="4091072"/>
+          <a:ext cx="11405568" cy="1363690"/>
         </a:xfrm>
         <a:prstGeom prst="rect">
           <a:avLst/>
@@ -1940,12 +2189,12 @@
         <a:fontRef idx="minor"/>
       </dsp:style>
       <dsp:txBody>
-        <a:bodyPr spcFirstLastPara="0" vert="horz" wrap="square" lIns="129540" tIns="129540" rIns="129540" bIns="129540" numCol="1" spcCol="1270" anchor="t" anchorCtr="0">
+        <a:bodyPr spcFirstLastPara="0" vert="horz" wrap="square" lIns="152400" tIns="152400" rIns="152400" bIns="152400" numCol="1" spcCol="1270" anchor="t" anchorCtr="0">
           <a:noAutofit/>
         </a:bodyPr>
         <a:lstStyle/>
         <a:p>
-          <a:pPr marL="0" lvl="0" indent="0" algn="l" defTabSz="1511300">
+          <a:pPr marL="0" lvl="0" indent="0" algn="l" defTabSz="1778000">
             <a:lnSpc>
               <a:spcPct val="90000"/>
             </a:lnSpc>
@@ -1958,14 +2207,49 @@
             <a:buNone/>
           </a:pPr>
           <a:r>
-            <a:rPr lang="en-US" sz="3400" kern="1200"/>
-            <a:t>Facilita la transferencia de información</a:t>
+            <a:rPr lang="en-US" sz="4000" kern="1200" dirty="0" err="1">
+              <a:latin typeface="72" panose="020B0503030000000003" pitchFamily="34" charset="0"/>
+              <a:cs typeface="72" panose="020B0503030000000003" pitchFamily="34" charset="0"/>
+            </a:rPr>
+            <a:t>Facilita</a:t>
           </a:r>
+          <a:r>
+            <a:rPr lang="en-US" sz="4000" kern="1200" dirty="0">
+              <a:latin typeface="72" panose="020B0503030000000003" pitchFamily="34" charset="0"/>
+              <a:cs typeface="72" panose="020B0503030000000003" pitchFamily="34" charset="0"/>
+            </a:rPr>
+            <a:t> la </a:t>
+          </a:r>
+          <a:r>
+            <a:rPr lang="en-US" sz="4000" kern="1200" dirty="0" err="1">
+              <a:latin typeface="72" panose="020B0503030000000003" pitchFamily="34" charset="0"/>
+              <a:cs typeface="72" panose="020B0503030000000003" pitchFamily="34" charset="0"/>
+            </a:rPr>
+            <a:t>transferencia</a:t>
+          </a:r>
+          <a:r>
+            <a:rPr lang="en-US" sz="4000" kern="1200" dirty="0">
+              <a:latin typeface="72" panose="020B0503030000000003" pitchFamily="34" charset="0"/>
+              <a:cs typeface="72" panose="020B0503030000000003" pitchFamily="34" charset="0"/>
+            </a:rPr>
+            <a:t> de </a:t>
+          </a:r>
+          <a:r>
+            <a:rPr lang="en-US" sz="4000" kern="1200" dirty="0" err="1">
+              <a:latin typeface="72" panose="020B0503030000000003" pitchFamily="34" charset="0"/>
+              <a:cs typeface="72" panose="020B0503030000000003" pitchFamily="34" charset="0"/>
+            </a:rPr>
+            <a:t>información</a:t>
+          </a:r>
+          <a:endParaRPr lang="en-US" sz="4000" kern="1200" dirty="0">
+            <a:latin typeface="72" panose="020B0503030000000003" pitchFamily="34" charset="0"/>
+            <a:cs typeface="72" panose="020B0503030000000003" pitchFamily="34" charset="0"/>
+          </a:endParaRPr>
         </a:p>
       </dsp:txBody>
       <dsp:txXfrm>
-        <a:off x="0" y="4083868"/>
-        <a:ext cx="8229600" cy="1361289"/>
+        <a:off x="0" y="4091072"/>
+        <a:ext cx="11405568" cy="1363690"/>
       </dsp:txXfrm>
     </dsp:sp>
   </dsp:spTree>
@@ -3505,8 +3789,8 @@
         </p:nvSpPr>
         <p:spPr bwMode="auto">
           <a:xfrm>
-            <a:off x="685800" y="6400800"/>
-            <a:ext cx="8229600" cy="369888"/>
+            <a:off x="914400" y="6400800"/>
+            <a:ext cx="10972800" cy="369888"/>
           </a:xfrm>
           <a:prstGeom prst="rect">
             <a:avLst/>
@@ -3717,8 +4001,8 @@
         </p:blipFill>
         <p:spPr bwMode="auto">
           <a:xfrm>
-            <a:off x="2071688" y="461963"/>
-            <a:ext cx="5000625" cy="2171700"/>
+            <a:off x="2762251" y="461963"/>
+            <a:ext cx="6667500" cy="2171700"/>
           </a:xfrm>
           <a:prstGeom prst="rect">
             <a:avLst/>
@@ -3787,8 +4071,8 @@
         </p:blipFill>
         <p:spPr bwMode="auto">
           <a:xfrm>
-            <a:off x="5724525" y="2343150"/>
-            <a:ext cx="1952625" cy="581025"/>
+            <a:off x="7632701" y="2343151"/>
+            <a:ext cx="2603500" cy="581025"/>
           </a:xfrm>
           <a:prstGeom prst="rect">
             <a:avLst/>
@@ -3840,8 +4124,8 @@
         </p:nvSpPr>
         <p:spPr>
           <a:xfrm>
-            <a:off x="671513" y="2914650"/>
-            <a:ext cx="7772400" cy="1470025"/>
+            <a:off x="895351" y="2914650"/>
+            <a:ext cx="10363200" cy="1470025"/>
           </a:xfrm>
         </p:spPr>
         <p:txBody>
@@ -3871,8 +4155,8 @@
         </p:nvSpPr>
         <p:spPr>
           <a:xfrm>
-            <a:off x="1330325" y="4603750"/>
-            <a:ext cx="6400800" cy="1752600"/>
+            <a:off x="1773767" y="4603750"/>
+            <a:ext cx="8534400" cy="1752600"/>
           </a:xfrm>
         </p:spPr>
         <p:txBody>
@@ -4071,8 +4355,8 @@
         </p:nvSpPr>
         <p:spPr>
           <a:xfrm>
-            <a:off x="6629400" y="274638"/>
-            <a:ext cx="2057400" cy="5851525"/>
+            <a:off x="8839200" y="274639"/>
+            <a:ext cx="2743200" cy="5851525"/>
           </a:xfrm>
         </p:spPr>
         <p:txBody>
@@ -4098,8 +4382,8 @@
         </p:nvSpPr>
         <p:spPr>
           <a:xfrm>
-            <a:off x="457200" y="274638"/>
-            <a:ext cx="6019800" cy="5851525"/>
+            <a:off x="609600" y="274639"/>
+            <a:ext cx="8026400" cy="5851525"/>
           </a:xfrm>
         </p:spPr>
         <p:txBody>
@@ -4218,8 +4502,8 @@
         </p:nvSpPr>
         <p:spPr>
           <a:xfrm>
-            <a:off x="457200" y="274638"/>
-            <a:ext cx="8229600" cy="1143000"/>
+            <a:off x="609600" y="274638"/>
+            <a:ext cx="10972800" cy="1143000"/>
           </a:xfrm>
         </p:spPr>
         <p:txBody>
@@ -4245,8 +4529,8 @@
         </p:nvSpPr>
         <p:spPr>
           <a:xfrm>
-            <a:off x="457200" y="1600200"/>
-            <a:ext cx="4038600" cy="4525963"/>
+            <a:off x="609600" y="1600201"/>
+            <a:ext cx="5384800" cy="4525963"/>
           </a:xfrm>
         </p:spPr>
         <p:txBody>
@@ -4301,8 +4585,8 @@
         </p:nvSpPr>
         <p:spPr>
           <a:xfrm>
-            <a:off x="4648200" y="1600200"/>
-            <a:ext cx="4038600" cy="4525963"/>
+            <a:off x="6197600" y="1600201"/>
+            <a:ext cx="5384800" cy="4525963"/>
           </a:xfrm>
         </p:spPr>
         <p:txBody>
@@ -4431,7 +4715,7 @@
         <p:spPr>
           <a:xfrm>
             <a:off x="-1" y="1"/>
-            <a:ext cx="9144001" cy="6858000"/>
+            <a:ext cx="12192001" cy="6858000"/>
           </a:xfrm>
           <a:prstGeom prst="rect">
             <a:avLst/>
@@ -4450,8 +4734,8 @@
         </p:nvSpPr>
         <p:spPr>
           <a:xfrm>
-            <a:off x="671513" y="2914650"/>
-            <a:ext cx="7772400" cy="1470025"/>
+            <a:off x="895351" y="2914650"/>
+            <a:ext cx="10363200" cy="1470025"/>
           </a:xfrm>
         </p:spPr>
         <p:txBody>
@@ -4482,8 +4766,8 @@
         </p:nvSpPr>
         <p:spPr>
           <a:xfrm>
-            <a:off x="1330325" y="4603750"/>
-            <a:ext cx="6400800" cy="1752600"/>
+            <a:off x="1773767" y="4603750"/>
+            <a:ext cx="8534400" cy="1752600"/>
           </a:xfrm>
         </p:spPr>
         <p:txBody>
@@ -4546,7 +4830,7 @@
         <p:spPr>
           <a:xfrm>
             <a:off x="0" y="-1"/>
-            <a:ext cx="9144000" cy="960449"/>
+            <a:ext cx="12192000" cy="960449"/>
           </a:xfrm>
           <a:solidFill>
             <a:srgbClr val="4C8BF5"/>
@@ -4664,8 +4948,8 @@
         </p:nvSpPr>
         <p:spPr>
           <a:xfrm>
-            <a:off x="0" y="2532690"/>
-            <a:ext cx="9144000" cy="1789329"/>
+            <a:off x="0" y="2532691"/>
+            <a:ext cx="12192000" cy="1789329"/>
           </a:xfrm>
           <a:solidFill>
             <a:srgbClr val="4C8BF5"/>
@@ -4952,8 +5236,8 @@
         </p:nvSpPr>
         <p:spPr>
           <a:xfrm>
-            <a:off x="722313" y="4406900"/>
-            <a:ext cx="7772400" cy="1362075"/>
+            <a:off x="963084" y="4406901"/>
+            <a:ext cx="10363200" cy="1362075"/>
           </a:xfrm>
         </p:spPr>
         <p:txBody>
@@ -4983,8 +5267,8 @@
         </p:nvSpPr>
         <p:spPr>
           <a:xfrm>
-            <a:off x="722313" y="2906713"/>
-            <a:ext cx="7772400" cy="1500187"/>
+            <a:off x="963084" y="2906713"/>
+            <a:ext cx="10363200" cy="1500187"/>
           </a:xfrm>
         </p:spPr>
         <p:txBody>
@@ -5134,8 +5418,8 @@
         </p:nvSpPr>
         <p:spPr>
           <a:xfrm>
-            <a:off x="457200" y="1600200"/>
-            <a:ext cx="4038600" cy="4525963"/>
+            <a:off x="609600" y="1600201"/>
+            <a:ext cx="5384800" cy="4525963"/>
           </a:xfrm>
         </p:spPr>
         <p:txBody>
@@ -5218,8 +5502,8 @@
         </p:nvSpPr>
         <p:spPr>
           <a:xfrm>
-            <a:off x="4648200" y="1600200"/>
-            <a:ext cx="4038600" cy="4525963"/>
+            <a:off x="6197600" y="1600201"/>
+            <a:ext cx="5384800" cy="4525963"/>
           </a:xfrm>
         </p:spPr>
         <p:txBody>
@@ -5392,8 +5676,8 @@
         </p:nvSpPr>
         <p:spPr>
           <a:xfrm>
-            <a:off x="457200" y="1535113"/>
-            <a:ext cx="4040188" cy="639762"/>
+            <a:off x="609600" y="1535113"/>
+            <a:ext cx="5386917" cy="639762"/>
           </a:xfrm>
         </p:spPr>
         <p:txBody>
@@ -5457,8 +5741,8 @@
         </p:nvSpPr>
         <p:spPr>
           <a:xfrm>
-            <a:off x="457200" y="2174875"/>
-            <a:ext cx="4040188" cy="3951288"/>
+            <a:off x="609600" y="2174875"/>
+            <a:ext cx="5386917" cy="3951288"/>
           </a:xfrm>
         </p:spPr>
         <p:txBody>
@@ -5541,8 +5825,8 @@
         </p:nvSpPr>
         <p:spPr>
           <a:xfrm>
-            <a:off x="4645025" y="1535113"/>
-            <a:ext cx="4041775" cy="639762"/>
+            <a:off x="6193368" y="1535113"/>
+            <a:ext cx="5389033" cy="639762"/>
           </a:xfrm>
         </p:spPr>
         <p:txBody>
@@ -5606,8 +5890,8 @@
         </p:nvSpPr>
         <p:spPr>
           <a:xfrm>
-            <a:off x="4645025" y="2174875"/>
-            <a:ext cx="4041775" cy="3951288"/>
+            <a:off x="6193368" y="2174875"/>
+            <a:ext cx="5389033" cy="3951288"/>
           </a:xfrm>
         </p:spPr>
         <p:txBody>
@@ -5904,8 +6188,8 @@
         </p:nvSpPr>
         <p:spPr>
           <a:xfrm>
-            <a:off x="457200" y="273050"/>
-            <a:ext cx="3008313" cy="1162050"/>
+            <a:off x="609601" y="273050"/>
+            <a:ext cx="4011084" cy="1162050"/>
           </a:xfrm>
         </p:spPr>
         <p:txBody>
@@ -5935,8 +6219,8 @@
         </p:nvSpPr>
         <p:spPr>
           <a:xfrm>
-            <a:off x="3575050" y="273050"/>
-            <a:ext cx="5111750" cy="5853113"/>
+            <a:off x="4766733" y="273051"/>
+            <a:ext cx="6815667" cy="5853113"/>
           </a:xfrm>
         </p:spPr>
         <p:txBody>
@@ -6019,8 +6303,8 @@
         </p:nvSpPr>
         <p:spPr>
           <a:xfrm>
-            <a:off x="457200" y="1435100"/>
-            <a:ext cx="3008313" cy="4691063"/>
+            <a:off x="609601" y="1435101"/>
+            <a:ext cx="4011084" cy="4691063"/>
           </a:xfrm>
         </p:spPr>
         <p:txBody>
@@ -6148,8 +6432,8 @@
         </p:nvSpPr>
         <p:spPr>
           <a:xfrm>
-            <a:off x="1792288" y="4800600"/>
-            <a:ext cx="5486400" cy="566738"/>
+            <a:off x="2389717" y="4800600"/>
+            <a:ext cx="7315200" cy="566738"/>
           </a:xfrm>
         </p:spPr>
         <p:txBody>
@@ -6179,8 +6463,8 @@
         </p:nvSpPr>
         <p:spPr>
           <a:xfrm>
-            <a:off x="1792288" y="612775"/>
-            <a:ext cx="5486400" cy="4114800"/>
+            <a:off x="2389717" y="612775"/>
+            <a:ext cx="7315200" cy="4114800"/>
           </a:xfrm>
         </p:spPr>
         <p:txBody>
@@ -6241,8 +6525,8 @@
         </p:nvSpPr>
         <p:spPr>
           <a:xfrm>
-            <a:off x="1792288" y="5367338"/>
-            <a:ext cx="5486400" cy="804862"/>
+            <a:off x="2389717" y="5367338"/>
+            <a:ext cx="7315200" cy="804862"/>
           </a:xfrm>
         </p:spPr>
         <p:txBody>
@@ -6388,8 +6672,8 @@
         </p:nvSpPr>
         <p:spPr bwMode="auto">
           <a:xfrm>
-            <a:off x="457200" y="274638"/>
-            <a:ext cx="8229600" cy="1143000"/>
+            <a:off x="609600" y="274638"/>
+            <a:ext cx="10972800" cy="1143000"/>
           </a:xfrm>
           <a:prstGeom prst="rect">
             <a:avLst/>
@@ -6452,8 +6736,8 @@
         </p:nvSpPr>
         <p:spPr bwMode="auto">
           <a:xfrm>
-            <a:off x="457200" y="1600200"/>
-            <a:ext cx="8229600" cy="4525963"/>
+            <a:off x="609600" y="1600201"/>
+            <a:ext cx="10972800" cy="4525963"/>
           </a:xfrm>
           <a:prstGeom prst="rect">
             <a:avLst/>
@@ -6544,8 +6828,8 @@
         </p:nvSpPr>
         <p:spPr bwMode="auto">
           <a:xfrm>
-            <a:off x="644525" y="6580188"/>
-            <a:ext cx="8499475" cy="182562"/>
+            <a:off x="859368" y="6580188"/>
+            <a:ext cx="11332633" cy="182562"/>
           </a:xfrm>
           <a:prstGeom prst="rect">
             <a:avLst/>
@@ -6599,8 +6883,8 @@
         </p:nvSpPr>
         <p:spPr bwMode="auto">
           <a:xfrm>
-            <a:off x="685800" y="6400800"/>
-            <a:ext cx="8229600" cy="369888"/>
+            <a:off x="914400" y="6400800"/>
+            <a:ext cx="10972800" cy="369888"/>
           </a:xfrm>
           <a:prstGeom prst="rect">
             <a:avLst/>
@@ -7207,8 +7491,8 @@
         </p:nvSpPr>
         <p:spPr bwMode="auto">
           <a:xfrm>
-            <a:off x="457200" y="274638"/>
-            <a:ext cx="8229600" cy="791066"/>
+            <a:off x="609600" y="274638"/>
+            <a:ext cx="10972800" cy="791066"/>
           </a:xfrm>
           <a:prstGeom prst="rect">
             <a:avLst/>
@@ -7266,8 +7550,8 @@
         </p:nvSpPr>
         <p:spPr bwMode="auto">
           <a:xfrm>
-            <a:off x="457200" y="1245092"/>
-            <a:ext cx="8229600" cy="5445158"/>
+            <a:off x="609600" y="1245092"/>
+            <a:ext cx="10972800" cy="5445158"/>
           </a:xfrm>
           <a:prstGeom prst="rect">
             <a:avLst/>
@@ -7357,8 +7641,8 @@
         </p:nvSpPr>
         <p:spPr bwMode="auto">
           <a:xfrm>
-            <a:off x="685800" y="6400800"/>
-            <a:ext cx="8229600" cy="300082"/>
+            <a:off x="914400" y="6400800"/>
+            <a:ext cx="10972800" cy="300082"/>
           </a:xfrm>
           <a:prstGeom prst="rect">
             <a:avLst/>
@@ -7556,8 +7840,8 @@
         </p:nvSpPr>
         <p:spPr bwMode="auto">
           <a:xfrm>
-            <a:off x="685800" y="6400800"/>
-            <a:ext cx="8229600" cy="369888"/>
+            <a:off x="914400" y="6400800"/>
+            <a:ext cx="10972800" cy="369888"/>
           </a:xfrm>
           <a:prstGeom prst="rect">
             <a:avLst/>
@@ -8164,7 +8448,7 @@
         </p:nvSpPr>
         <p:spPr>
           <a:xfrm>
-            <a:off x="140476" y="2188714"/>
+            <a:off x="1664476" y="2188715"/>
             <a:ext cx="8863048" cy="1470025"/>
           </a:xfrm>
         </p:spPr>
@@ -8203,7 +8487,7 @@
         </p:nvSpPr>
         <p:spPr>
           <a:xfrm>
-            <a:off x="0" y="5779905"/>
+            <a:off x="309454" y="5779905"/>
             <a:ext cx="1884641" cy="1078095"/>
           </a:xfrm>
         </p:spPr>
@@ -8237,7 +8521,7 @@
                   <a:srgbClr val="92D050"/>
                 </a:solidFill>
               </a:rPr>
-              <a:t>Modulo 13</a:t>
+              <a:t>Modulo 4</a:t>
             </a:r>
           </a:p>
         </p:txBody>
@@ -8283,7 +8567,7 @@
         </p:nvSpPr>
         <p:spPr bwMode="auto">
           <a:xfrm>
-            <a:off x="190500" y="4557713"/>
+            <a:off x="1714500" y="4557713"/>
             <a:ext cx="2743200" cy="2123658"/>
           </a:xfrm>
           <a:prstGeom prst="rect">
@@ -8519,7 +8803,7 @@
         </p:blipFill>
         <p:spPr bwMode="auto">
           <a:xfrm>
-            <a:off x="0" y="0"/>
+            <a:off x="1524000" y="1"/>
             <a:ext cx="6840538" cy="4067175"/>
           </a:xfrm>
           <a:prstGeom prst="rect">
@@ -8579,7 +8863,7 @@
         </p:blipFill>
         <p:spPr bwMode="auto">
           <a:xfrm>
-            <a:off x="3071813" y="2811463"/>
+            <a:off x="4595814" y="2811464"/>
             <a:ext cx="6072187" cy="3444875"/>
           </a:xfrm>
           <a:prstGeom prst="rect">
@@ -8737,7 +9021,7 @@
         </p:blipFill>
         <p:spPr>
           <a:xfrm>
-            <a:off x="567069" y="3429000"/>
+            <a:off x="2091070" y="3429000"/>
             <a:ext cx="3834809" cy="3123330"/>
           </a:xfrm>
           <a:prstGeom prst="rect">
@@ -8772,7 +9056,7 @@
         </p:blipFill>
         <p:spPr>
           <a:xfrm>
-            <a:off x="311889" y="300667"/>
+            <a:off x="1835890" y="300667"/>
             <a:ext cx="7881593" cy="1726608"/>
           </a:xfrm>
           <a:prstGeom prst="rect">
@@ -8794,7 +9078,7 @@
         </p:nvSpPr>
         <p:spPr bwMode="auto">
           <a:xfrm>
-            <a:off x="850605" y="751367"/>
+            <a:off x="2374605" y="751367"/>
             <a:ext cx="914400" cy="992372"/>
           </a:xfrm>
           <a:prstGeom prst="rect">
@@ -8820,30 +9104,8 @@
           </a:bodyPr>
           <a:lstStyle/>
           <a:p>
-            <a:pPr marL="0" marR="0" indent="0" algn="ctr" defTabSz="914400" rtl="0" eaLnBrk="1" fontAlgn="base" latinLnBrk="0" hangingPunct="1">
-              <a:lnSpc>
-                <a:spcPct val="100000"/>
-              </a:lnSpc>
-              <a:spcBef>
-                <a:spcPct val="0"/>
-              </a:spcBef>
-              <a:spcAft>
-                <a:spcPct val="0"/>
-              </a:spcAft>
-              <a:buClrTx/>
-              <a:buSzTx/>
-              <a:buFontTx/>
-              <a:buNone/>
-              <a:tabLst/>
-            </a:pPr>
-            <a:endParaRPr kumimoji="0" lang="es-MX" sz="1800" b="0" i="0" u="none" strike="noStrike" cap="none" normalizeH="0" baseline="0">
-              <a:ln>
-                <a:noFill/>
-              </a:ln>
-              <a:solidFill>
-                <a:schemeClr val="tx1"/>
-              </a:solidFill>
-              <a:effectLst/>
+            <a:pPr algn="ctr" eaLnBrk="1" hangingPunct="1"/>
+            <a:endParaRPr lang="es-MX">
               <a:latin typeface="Arial" charset="0"/>
             </a:endParaRPr>
           </a:p>
@@ -8863,7 +9125,7 @@
         </p:nvCxnSpPr>
         <p:spPr bwMode="auto">
           <a:xfrm>
-            <a:off x="1318437" y="1786270"/>
+            <a:off x="2842437" y="1786270"/>
             <a:ext cx="829340" cy="1642730"/>
           </a:xfrm>
           <a:prstGeom prst="straightConnector1">
@@ -8903,7 +9165,7 @@
         </p:nvSpPr>
         <p:spPr>
           <a:xfrm>
-            <a:off x="4664149" y="4188639"/>
+            <a:off x="6188149" y="4188639"/>
             <a:ext cx="3735572" cy="369332"/>
           </a:xfrm>
           <a:prstGeom prst="rect">
@@ -8939,7 +9201,7 @@
         </p:nvSpPr>
         <p:spPr>
           <a:xfrm>
-            <a:off x="4816549" y="6182998"/>
+            <a:off x="6340549" y="6182998"/>
             <a:ext cx="3430772" cy="369332"/>
           </a:xfrm>
           <a:prstGeom prst="rect">
@@ -9309,7 +9571,7 @@
         </p:blipFill>
         <p:spPr>
           <a:xfrm>
-            <a:off x="730102" y="2364636"/>
+            <a:off x="2254103" y="2364637"/>
             <a:ext cx="8117711" cy="2505075"/>
           </a:xfrm>
           <a:prstGeom prst="rect">
@@ -9363,7 +9625,7 @@
         </p:nvSpPr>
         <p:spPr bwMode="auto">
           <a:xfrm>
-            <a:off x="190500" y="4557713"/>
+            <a:off x="1714500" y="4557713"/>
             <a:ext cx="2743200" cy="2123658"/>
           </a:xfrm>
           <a:prstGeom prst="rect">
@@ -9599,7 +9861,7 @@
         </p:blipFill>
         <p:spPr bwMode="auto">
           <a:xfrm>
-            <a:off x="0" y="0"/>
+            <a:off x="1524000" y="1"/>
             <a:ext cx="6840538" cy="4067175"/>
           </a:xfrm>
           <a:prstGeom prst="rect">
@@ -9659,7 +9921,7 @@
         </p:blipFill>
         <p:spPr bwMode="auto">
           <a:xfrm>
-            <a:off x="2636838" y="3535363"/>
+            <a:off x="4160838" y="3535363"/>
             <a:ext cx="6507162" cy="2571750"/>
           </a:xfrm>
           <a:prstGeom prst="rect">
@@ -9844,7 +10106,10 @@
               <a:buAutoNum type="arabicPeriod"/>
             </a:pPr>
             <a:r>
-              <a:rPr lang="es-MX" dirty="0"/>
+              <a:rPr lang="es-MX" dirty="0">
+                <a:latin typeface="72" panose="020B0503030000000003" pitchFamily="34" charset="0"/>
+                <a:cs typeface="72" panose="020B0503030000000003" pitchFamily="34" charset="0"/>
+              </a:rPr>
               <a:t>Los archivos binarios generalmente ocupan menos espacio.</a:t>
             </a:r>
           </a:p>
@@ -9854,7 +10119,10 @@
               <a:buAutoNum type="arabicPeriod"/>
             </a:pPr>
             <a:r>
-              <a:rPr lang="es-MX" dirty="0"/>
+              <a:rPr lang="es-MX" dirty="0">
+                <a:latin typeface="72" panose="020B0503030000000003" pitchFamily="34" charset="0"/>
+                <a:cs typeface="72" panose="020B0503030000000003" pitchFamily="34" charset="0"/>
+              </a:rPr>
               <a:t>Los archivos de texto son mas amigables para el uso humano.</a:t>
             </a:r>
           </a:p>
@@ -9948,6 +10216,1048 @@
           <a:chExt cx="0" cy="0"/>
         </a:xfrm>
       </p:grpSpPr>
+      <p:pic>
+        <p:nvPicPr>
+          <p:cNvPr id="3" name="Graphic 2" descr="Paper">
+            <a:extLst>
+              <a:ext uri="{FF2B5EF4-FFF2-40B4-BE49-F238E27FC236}">
+                <a16:creationId xmlns:a16="http://schemas.microsoft.com/office/drawing/2014/main" id="{32EBF8C7-C65A-4AA5-8130-808F5B15C083}"/>
+              </a:ext>
+            </a:extLst>
+          </p:cNvPr>
+          <p:cNvPicPr>
+            <a:picLocks noChangeAspect="1"/>
+          </p:cNvPicPr>
+          <p:nvPr/>
+        </p:nvPicPr>
+        <p:blipFill>
+          <a:blip r:embed="rId2">
+            <a:extLst>
+              <a:ext uri="{28A0092B-C50C-407E-A947-70E740481C1C}">
+                <a14:useLocalDpi xmlns:a14="http://schemas.microsoft.com/office/drawing/2010/main" val="0"/>
+              </a:ext>
+              <a:ext uri="{96DAC541-7B7A-43D3-8B79-37D633B846F1}">
+                <asvg:svgBlip xmlns:asvg="http://schemas.microsoft.com/office/drawing/2016/SVG/main" r:embed="rId3"/>
+              </a:ext>
+            </a:extLst>
+          </a:blip>
+          <a:stretch>
+            <a:fillRect/>
+          </a:stretch>
+        </p:blipFill>
+        <p:spPr>
+          <a:xfrm>
+            <a:off x="1739901" y="3243308"/>
+            <a:ext cx="914400" cy="914400"/>
+          </a:xfrm>
+          <a:prstGeom prst="rect">
+            <a:avLst/>
+          </a:prstGeom>
+        </p:spPr>
+      </p:pic>
+      <p:sp>
+        <p:nvSpPr>
+          <p:cNvPr id="10" name="TextBox 9">
+            <a:extLst>
+              <a:ext uri="{FF2B5EF4-FFF2-40B4-BE49-F238E27FC236}">
+                <a16:creationId xmlns:a16="http://schemas.microsoft.com/office/drawing/2014/main" id="{90D376AC-961D-49DC-8B75-0E0B9876DD3C}"/>
+              </a:ext>
+            </a:extLst>
+          </p:cNvPr>
+          <p:cNvSpPr txBox="1"/>
+          <p:nvPr/>
+        </p:nvSpPr>
+        <p:spPr>
+          <a:xfrm>
+            <a:off x="198964" y="252403"/>
+            <a:ext cx="10206569" cy="523220"/>
+          </a:xfrm>
+          <a:prstGeom prst="rect">
+            <a:avLst/>
+          </a:prstGeom>
+          <a:noFill/>
+        </p:spPr>
+        <p:txBody>
+          <a:bodyPr wrap="square" rtlCol="0">
+            <a:spAutoFit/>
+          </a:bodyPr>
+          <a:lstStyle/>
+          <a:p>
+            <a:r>
+              <a:rPr lang="es-MX" sz="2800" dirty="0">
+                <a:latin typeface="72" panose="020B0503030000000003" pitchFamily="34" charset="0"/>
+                <a:cs typeface="72" panose="020B0503030000000003" pitchFamily="34" charset="0"/>
+              </a:rPr>
+              <a:t>Para crear un archivo, vamos a necesitar tres componentes:</a:t>
+            </a:r>
+            <a:endParaRPr lang="en-US" sz="2800" dirty="0">
+              <a:latin typeface="72" panose="020B0503030000000003" pitchFamily="34" charset="0"/>
+              <a:cs typeface="72" panose="020B0503030000000003" pitchFamily="34" charset="0"/>
+            </a:endParaRPr>
+          </a:p>
+        </p:txBody>
+      </p:sp>
+      <p:grpSp>
+        <p:nvGrpSpPr>
+          <p:cNvPr id="15" name="Group 14">
+            <a:extLst>
+              <a:ext uri="{FF2B5EF4-FFF2-40B4-BE49-F238E27FC236}">
+                <a16:creationId xmlns:a16="http://schemas.microsoft.com/office/drawing/2014/main" id="{41171D6E-CCC3-4E69-8E48-AF1E49BFADCF}"/>
+              </a:ext>
+            </a:extLst>
+          </p:cNvPr>
+          <p:cNvGrpSpPr/>
+          <p:nvPr/>
+        </p:nvGrpSpPr>
+        <p:grpSpPr>
+          <a:xfrm>
+            <a:off x="5924268" y="3247254"/>
+            <a:ext cx="4790299" cy="914400"/>
+            <a:chOff x="5204600" y="2317467"/>
+            <a:chExt cx="4790299" cy="914400"/>
+          </a:xfrm>
+        </p:grpSpPr>
+        <p:pic>
+          <p:nvPicPr>
+            <p:cNvPr id="7" name="Graphic 6" descr="Images">
+              <a:extLst>
+                <a:ext uri="{FF2B5EF4-FFF2-40B4-BE49-F238E27FC236}">
+                  <a16:creationId xmlns:a16="http://schemas.microsoft.com/office/drawing/2014/main" id="{175997F8-46DB-45B1-B7D1-00FC80EE6854}"/>
+                </a:ext>
+              </a:extLst>
+            </p:cNvPr>
+            <p:cNvPicPr>
+              <a:picLocks noChangeAspect="1"/>
+            </p:cNvPicPr>
+            <p:nvPr/>
+          </p:nvPicPr>
+          <p:blipFill>
+            <a:blip r:embed="rId4">
+              <a:extLst>
+                <a:ext uri="{28A0092B-C50C-407E-A947-70E740481C1C}">
+                  <a14:useLocalDpi xmlns:a14="http://schemas.microsoft.com/office/drawing/2010/main" val="0"/>
+                </a:ext>
+                <a:ext uri="{96DAC541-7B7A-43D3-8B79-37D633B846F1}">
+                  <asvg:svgBlip xmlns:asvg="http://schemas.microsoft.com/office/drawing/2016/SVG/main" r:embed="rId5"/>
+                </a:ext>
+              </a:extLst>
+            </a:blip>
+            <a:stretch>
+              <a:fillRect/>
+            </a:stretch>
+          </p:blipFill>
+          <p:spPr>
+            <a:xfrm>
+              <a:off x="5204600" y="2317467"/>
+              <a:ext cx="914400" cy="914400"/>
+            </a:xfrm>
+            <a:prstGeom prst="rect">
+              <a:avLst/>
+            </a:prstGeom>
+          </p:spPr>
+        </p:pic>
+        <p:sp>
+          <p:nvSpPr>
+            <p:cNvPr id="11" name="TextBox 10">
+              <a:extLst>
+                <a:ext uri="{FF2B5EF4-FFF2-40B4-BE49-F238E27FC236}">
+                  <a16:creationId xmlns:a16="http://schemas.microsoft.com/office/drawing/2014/main" id="{BE3D2828-CADA-4288-8A17-CD2FB8DBF482}"/>
+                </a:ext>
+              </a:extLst>
+            </p:cNvPr>
+            <p:cNvSpPr txBox="1"/>
+            <p:nvPr/>
+          </p:nvSpPr>
+          <p:spPr>
+            <a:xfrm>
+              <a:off x="6481231" y="2590001"/>
+              <a:ext cx="3513668" cy="369332"/>
+            </a:xfrm>
+            <a:prstGeom prst="rect">
+              <a:avLst/>
+            </a:prstGeom>
+            <a:noFill/>
+          </p:spPr>
+          <p:txBody>
+            <a:bodyPr wrap="square" rtlCol="0">
+              <a:spAutoFit/>
+            </a:bodyPr>
+            <a:lstStyle/>
+            <a:p>
+              <a:r>
+                <a:rPr lang="es-MX" dirty="0">
+                  <a:latin typeface="72" panose="020B0503030000000003" pitchFamily="34" charset="0"/>
+                  <a:cs typeface="72" panose="020B0503030000000003" pitchFamily="34" charset="0"/>
+                </a:rPr>
+                <a:t>Contenido</a:t>
+              </a:r>
+              <a:endParaRPr lang="en-US" dirty="0">
+                <a:latin typeface="72" panose="020B0503030000000003" pitchFamily="34" charset="0"/>
+                <a:cs typeface="72" panose="020B0503030000000003" pitchFamily="34" charset="0"/>
+              </a:endParaRPr>
+            </a:p>
+          </p:txBody>
+        </p:sp>
+      </p:grpSp>
+      <p:grpSp>
+        <p:nvGrpSpPr>
+          <p:cNvPr id="16" name="Group 15">
+            <a:extLst>
+              <a:ext uri="{FF2B5EF4-FFF2-40B4-BE49-F238E27FC236}">
+                <a16:creationId xmlns:a16="http://schemas.microsoft.com/office/drawing/2014/main" id="{11FC6340-B495-4AB3-94E8-3738D4C10B12}"/>
+              </a:ext>
+            </a:extLst>
+          </p:cNvPr>
+          <p:cNvGrpSpPr/>
+          <p:nvPr/>
+        </p:nvGrpSpPr>
+        <p:grpSpPr>
+          <a:xfrm>
+            <a:off x="5924268" y="5217866"/>
+            <a:ext cx="4790299" cy="914400"/>
+            <a:chOff x="5204600" y="3634600"/>
+            <a:chExt cx="4790299" cy="914400"/>
+          </a:xfrm>
+        </p:grpSpPr>
+        <p:pic>
+          <p:nvPicPr>
+            <p:cNvPr id="5" name="Graphic 4" descr="Open folder">
+              <a:extLst>
+                <a:ext uri="{FF2B5EF4-FFF2-40B4-BE49-F238E27FC236}">
+                  <a16:creationId xmlns:a16="http://schemas.microsoft.com/office/drawing/2014/main" id="{EFACFA2F-B873-40E4-B081-046AC8ED63F0}"/>
+                </a:ext>
+              </a:extLst>
+            </p:cNvPr>
+            <p:cNvPicPr>
+              <a:picLocks noChangeAspect="1"/>
+            </p:cNvPicPr>
+            <p:nvPr/>
+          </p:nvPicPr>
+          <p:blipFill>
+            <a:blip r:embed="rId6">
+              <a:extLst>
+                <a:ext uri="{28A0092B-C50C-407E-A947-70E740481C1C}">
+                  <a14:useLocalDpi xmlns:a14="http://schemas.microsoft.com/office/drawing/2010/main" val="0"/>
+                </a:ext>
+                <a:ext uri="{96DAC541-7B7A-43D3-8B79-37D633B846F1}">
+                  <asvg:svgBlip xmlns:asvg="http://schemas.microsoft.com/office/drawing/2016/SVG/main" r:embed="rId7"/>
+                </a:ext>
+              </a:extLst>
+            </a:blip>
+            <a:stretch>
+              <a:fillRect/>
+            </a:stretch>
+          </p:blipFill>
+          <p:spPr>
+            <a:xfrm>
+              <a:off x="5204600" y="3634600"/>
+              <a:ext cx="914400" cy="914400"/>
+            </a:xfrm>
+            <a:prstGeom prst="rect">
+              <a:avLst/>
+            </a:prstGeom>
+          </p:spPr>
+        </p:pic>
+        <p:sp>
+          <p:nvSpPr>
+            <p:cNvPr id="12" name="TextBox 11">
+              <a:extLst>
+                <a:ext uri="{FF2B5EF4-FFF2-40B4-BE49-F238E27FC236}">
+                  <a16:creationId xmlns:a16="http://schemas.microsoft.com/office/drawing/2014/main" id="{03CFBE67-EF11-4342-AAF1-56B2E0BE82BE}"/>
+                </a:ext>
+              </a:extLst>
+            </p:cNvPr>
+            <p:cNvSpPr txBox="1"/>
+            <p:nvPr/>
+          </p:nvSpPr>
+          <p:spPr>
+            <a:xfrm>
+              <a:off x="6481231" y="3907134"/>
+              <a:ext cx="3513668" cy="369332"/>
+            </a:xfrm>
+            <a:prstGeom prst="rect">
+              <a:avLst/>
+            </a:prstGeom>
+            <a:noFill/>
+          </p:spPr>
+          <p:txBody>
+            <a:bodyPr wrap="square" rtlCol="0">
+              <a:spAutoFit/>
+            </a:bodyPr>
+            <a:lstStyle/>
+            <a:p>
+              <a:r>
+                <a:rPr lang="es-MX" dirty="0">
+                  <a:latin typeface="72" panose="020B0503030000000003" pitchFamily="34" charset="0"/>
+                  <a:cs typeface="72" panose="020B0503030000000003" pitchFamily="34" charset="0"/>
+                </a:rPr>
+                <a:t>Directorio</a:t>
+              </a:r>
+              <a:endParaRPr lang="en-US" dirty="0">
+                <a:latin typeface="72" panose="020B0503030000000003" pitchFamily="34" charset="0"/>
+                <a:cs typeface="72" panose="020B0503030000000003" pitchFamily="34" charset="0"/>
+              </a:endParaRPr>
+            </a:p>
+          </p:txBody>
+        </p:sp>
+      </p:grpSp>
+      <p:grpSp>
+        <p:nvGrpSpPr>
+          <p:cNvPr id="14" name="Group 13">
+            <a:extLst>
+              <a:ext uri="{FF2B5EF4-FFF2-40B4-BE49-F238E27FC236}">
+                <a16:creationId xmlns:a16="http://schemas.microsoft.com/office/drawing/2014/main" id="{458D078D-B8AA-434A-877E-C3E802301408}"/>
+              </a:ext>
+            </a:extLst>
+          </p:cNvPr>
+          <p:cNvGrpSpPr/>
+          <p:nvPr/>
+        </p:nvGrpSpPr>
+        <p:grpSpPr>
+          <a:xfrm>
+            <a:off x="5924268" y="1276642"/>
+            <a:ext cx="4790299" cy="914400"/>
+            <a:chOff x="5204600" y="1000334"/>
+            <a:chExt cx="4790299" cy="914400"/>
+          </a:xfrm>
+        </p:grpSpPr>
+        <p:pic>
+          <p:nvPicPr>
+            <p:cNvPr id="9" name="Graphic 8" descr="Employee badge">
+              <a:extLst>
+                <a:ext uri="{FF2B5EF4-FFF2-40B4-BE49-F238E27FC236}">
+                  <a16:creationId xmlns:a16="http://schemas.microsoft.com/office/drawing/2014/main" id="{D2A7EAC6-67BE-4EBC-B1C0-5B5868DF2646}"/>
+                </a:ext>
+              </a:extLst>
+            </p:cNvPr>
+            <p:cNvPicPr>
+              <a:picLocks noChangeAspect="1"/>
+            </p:cNvPicPr>
+            <p:nvPr/>
+          </p:nvPicPr>
+          <p:blipFill>
+            <a:blip r:embed="rId8">
+              <a:extLst>
+                <a:ext uri="{28A0092B-C50C-407E-A947-70E740481C1C}">
+                  <a14:useLocalDpi xmlns:a14="http://schemas.microsoft.com/office/drawing/2010/main" val="0"/>
+                </a:ext>
+                <a:ext uri="{96DAC541-7B7A-43D3-8B79-37D633B846F1}">
+                  <asvg:svgBlip xmlns:asvg="http://schemas.microsoft.com/office/drawing/2016/SVG/main" r:embed="rId9"/>
+                </a:ext>
+              </a:extLst>
+            </a:blip>
+            <a:stretch>
+              <a:fillRect/>
+            </a:stretch>
+          </p:blipFill>
+          <p:spPr>
+            <a:xfrm>
+              <a:off x="5204600" y="1000334"/>
+              <a:ext cx="914400" cy="914400"/>
+            </a:xfrm>
+            <a:prstGeom prst="rect">
+              <a:avLst/>
+            </a:prstGeom>
+          </p:spPr>
+        </p:pic>
+        <p:sp>
+          <p:nvSpPr>
+            <p:cNvPr id="13" name="TextBox 12">
+              <a:extLst>
+                <a:ext uri="{FF2B5EF4-FFF2-40B4-BE49-F238E27FC236}">
+                  <a16:creationId xmlns:a16="http://schemas.microsoft.com/office/drawing/2014/main" id="{7911111D-CA8E-40BF-9221-C2098659C1AC}"/>
+                </a:ext>
+              </a:extLst>
+            </p:cNvPr>
+            <p:cNvSpPr txBox="1"/>
+            <p:nvPr/>
+          </p:nvSpPr>
+          <p:spPr>
+            <a:xfrm>
+              <a:off x="6481231" y="1272868"/>
+              <a:ext cx="3513668" cy="369332"/>
+            </a:xfrm>
+            <a:prstGeom prst="rect">
+              <a:avLst/>
+            </a:prstGeom>
+            <a:noFill/>
+          </p:spPr>
+          <p:txBody>
+            <a:bodyPr wrap="square" rtlCol="0">
+              <a:spAutoFit/>
+            </a:bodyPr>
+            <a:lstStyle/>
+            <a:p>
+              <a:r>
+                <a:rPr lang="es-MX" dirty="0">
+                  <a:latin typeface="72" panose="020B0503030000000003" pitchFamily="34" charset="0"/>
+                  <a:cs typeface="72" panose="020B0503030000000003" pitchFamily="34" charset="0"/>
+                </a:rPr>
+                <a:t>Nombre</a:t>
+              </a:r>
+              <a:endParaRPr lang="en-US" dirty="0">
+                <a:latin typeface="72" panose="020B0503030000000003" pitchFamily="34" charset="0"/>
+                <a:cs typeface="72" panose="020B0503030000000003" pitchFamily="34" charset="0"/>
+              </a:endParaRPr>
+            </a:p>
+          </p:txBody>
+        </p:sp>
+      </p:grpSp>
+      <p:cxnSp>
+        <p:nvCxnSpPr>
+          <p:cNvPr id="18" name="Straight Arrow Connector 17">
+            <a:extLst>
+              <a:ext uri="{FF2B5EF4-FFF2-40B4-BE49-F238E27FC236}">
+                <a16:creationId xmlns:a16="http://schemas.microsoft.com/office/drawing/2014/main" id="{EFFF1DBE-7097-46EA-9D7A-5CAFDF1407F1}"/>
+              </a:ext>
+            </a:extLst>
+          </p:cNvPr>
+          <p:cNvCxnSpPr/>
+          <p:nvPr/>
+        </p:nvCxnSpPr>
+        <p:spPr bwMode="auto">
+          <a:xfrm flipV="1">
+            <a:off x="3149600" y="1918508"/>
+            <a:ext cx="1820333" cy="1328746"/>
+          </a:xfrm>
+          <a:prstGeom prst="straightConnector1">
+            <a:avLst/>
+          </a:prstGeom>
+          <a:noFill/>
+          <a:ln w="38100" cap="flat" cmpd="sng" algn="ctr">
+            <a:solidFill>
+              <a:schemeClr val="tx1"/>
+            </a:solidFill>
+            <a:prstDash val="solid"/>
+            <a:round/>
+            <a:headEnd type="none" w="med" len="med"/>
+            <a:tailEnd type="triangle"/>
+          </a:ln>
+          <a:effectLst/>
+        </p:spPr>
+      </p:cxnSp>
+      <p:cxnSp>
+        <p:nvCxnSpPr>
+          <p:cNvPr id="19" name="Straight Arrow Connector 18">
+            <a:extLst>
+              <a:ext uri="{FF2B5EF4-FFF2-40B4-BE49-F238E27FC236}">
+                <a16:creationId xmlns:a16="http://schemas.microsoft.com/office/drawing/2014/main" id="{52F31126-B843-43D3-A6F7-164D208605BC}"/>
+              </a:ext>
+            </a:extLst>
+          </p:cNvPr>
+          <p:cNvCxnSpPr>
+            <a:cxnSpLocks/>
+          </p:cNvCxnSpPr>
+          <p:nvPr/>
+        </p:nvCxnSpPr>
+        <p:spPr bwMode="auto">
+          <a:xfrm>
+            <a:off x="3149600" y="3696562"/>
+            <a:ext cx="2055000" cy="3946"/>
+          </a:xfrm>
+          <a:prstGeom prst="straightConnector1">
+            <a:avLst/>
+          </a:prstGeom>
+          <a:noFill/>
+          <a:ln w="38100" cap="flat" cmpd="sng" algn="ctr">
+            <a:solidFill>
+              <a:schemeClr val="tx1"/>
+            </a:solidFill>
+            <a:prstDash val="solid"/>
+            <a:round/>
+            <a:headEnd type="none" w="med" len="med"/>
+            <a:tailEnd type="triangle"/>
+          </a:ln>
+          <a:effectLst/>
+        </p:spPr>
+      </p:cxnSp>
+      <p:cxnSp>
+        <p:nvCxnSpPr>
+          <p:cNvPr id="22" name="Straight Arrow Connector 21">
+            <a:extLst>
+              <a:ext uri="{FF2B5EF4-FFF2-40B4-BE49-F238E27FC236}">
+                <a16:creationId xmlns:a16="http://schemas.microsoft.com/office/drawing/2014/main" id="{691E496F-D727-4060-892C-D5890B37D7C5}"/>
+              </a:ext>
+            </a:extLst>
+          </p:cNvPr>
+          <p:cNvCxnSpPr>
+            <a:cxnSpLocks/>
+          </p:cNvCxnSpPr>
+          <p:nvPr/>
+        </p:nvCxnSpPr>
+        <p:spPr bwMode="auto">
+          <a:xfrm>
+            <a:off x="3149600" y="4157708"/>
+            <a:ext cx="1947333" cy="1423650"/>
+          </a:xfrm>
+          <a:prstGeom prst="straightConnector1">
+            <a:avLst/>
+          </a:prstGeom>
+          <a:noFill/>
+          <a:ln w="38100" cap="flat" cmpd="sng" algn="ctr">
+            <a:solidFill>
+              <a:schemeClr val="tx1"/>
+            </a:solidFill>
+            <a:prstDash val="solid"/>
+            <a:round/>
+            <a:headEnd type="none" w="med" len="med"/>
+            <a:tailEnd type="triangle"/>
+          </a:ln>
+          <a:effectLst/>
+        </p:spPr>
+      </p:cxnSp>
+    </p:spTree>
+    <p:extLst>
+      <p:ext uri="{BB962C8B-B14F-4D97-AF65-F5344CB8AC3E}">
+        <p14:creationId xmlns:p14="http://schemas.microsoft.com/office/powerpoint/2010/main" val="1949789847"/>
+      </p:ext>
+    </p:extLst>
+  </p:cSld>
+  <p:clrMapOvr>
+    <a:masterClrMapping/>
+  </p:clrMapOvr>
+  <p:timing>
+    <p:tnLst>
+      <p:par>
+        <p:cTn id="1" dur="indefinite" restart="never" nodeType="tmRoot">
+          <p:childTnLst>
+            <p:seq concurrent="1" nextAc="seek">
+              <p:cTn id="2" dur="indefinite" nodeType="mainSeq">
+                <p:childTnLst>
+                  <p:par>
+                    <p:cTn id="3" fill="hold">
+                      <p:stCondLst>
+                        <p:cond delay="indefinite"/>
+                      </p:stCondLst>
+                      <p:childTnLst>
+                        <p:par>
+                          <p:cTn id="4" fill="hold">
+                            <p:stCondLst>
+                              <p:cond delay="0"/>
+                            </p:stCondLst>
+                            <p:childTnLst>
+                              <p:par>
+                                <p:cTn id="5" presetID="2" presetClass="entr" presetSubtype="4" fill="hold" nodeType="clickEffect">
+                                  <p:stCondLst>
+                                    <p:cond delay="0"/>
+                                  </p:stCondLst>
+                                  <p:childTnLst>
+                                    <p:set>
+                                      <p:cBhvr>
+                                        <p:cTn id="6" dur="1" fill="hold">
+                                          <p:stCondLst>
+                                            <p:cond delay="0"/>
+                                          </p:stCondLst>
+                                        </p:cTn>
+                                        <p:tgtEl>
+                                          <p:spTgt spid="14"/>
+                                        </p:tgtEl>
+                                        <p:attrNameLst>
+                                          <p:attrName>style.visibility</p:attrName>
+                                        </p:attrNameLst>
+                                      </p:cBhvr>
+                                      <p:to>
+                                        <p:strVal val="visible"/>
+                                      </p:to>
+                                    </p:set>
+                                    <p:anim calcmode="lin" valueType="num">
+                                      <p:cBhvr additive="base">
+                                        <p:cTn id="7" dur="500" fill="hold"/>
+                                        <p:tgtEl>
+                                          <p:spTgt spid="14"/>
+                                        </p:tgtEl>
+                                        <p:attrNameLst>
+                                          <p:attrName>ppt_x</p:attrName>
+                                        </p:attrNameLst>
+                                      </p:cBhvr>
+                                      <p:tavLst>
+                                        <p:tav tm="0">
+                                          <p:val>
+                                            <p:strVal val="#ppt_x"/>
+                                          </p:val>
+                                        </p:tav>
+                                        <p:tav tm="100000">
+                                          <p:val>
+                                            <p:strVal val="#ppt_x"/>
+                                          </p:val>
+                                        </p:tav>
+                                      </p:tavLst>
+                                    </p:anim>
+                                    <p:anim calcmode="lin" valueType="num">
+                                      <p:cBhvr additive="base">
+                                        <p:cTn id="8" dur="500" fill="hold"/>
+                                        <p:tgtEl>
+                                          <p:spTgt spid="14"/>
+                                        </p:tgtEl>
+                                        <p:attrNameLst>
+                                          <p:attrName>ppt_y</p:attrName>
+                                        </p:attrNameLst>
+                                      </p:cBhvr>
+                                      <p:tavLst>
+                                        <p:tav tm="0">
+                                          <p:val>
+                                            <p:strVal val="1+#ppt_h/2"/>
+                                          </p:val>
+                                        </p:tav>
+                                        <p:tav tm="100000">
+                                          <p:val>
+                                            <p:strVal val="#ppt_y"/>
+                                          </p:val>
+                                        </p:tav>
+                                      </p:tavLst>
+                                    </p:anim>
+                                  </p:childTnLst>
+                                </p:cTn>
+                              </p:par>
+                              <p:par>
+                                <p:cTn id="9" presetID="2" presetClass="entr" presetSubtype="4" fill="hold" nodeType="withEffect">
+                                  <p:stCondLst>
+                                    <p:cond delay="0"/>
+                                  </p:stCondLst>
+                                  <p:childTnLst>
+                                    <p:set>
+                                      <p:cBhvr>
+                                        <p:cTn id="10" dur="1" fill="hold">
+                                          <p:stCondLst>
+                                            <p:cond delay="0"/>
+                                          </p:stCondLst>
+                                        </p:cTn>
+                                        <p:tgtEl>
+                                          <p:spTgt spid="18"/>
+                                        </p:tgtEl>
+                                        <p:attrNameLst>
+                                          <p:attrName>style.visibility</p:attrName>
+                                        </p:attrNameLst>
+                                      </p:cBhvr>
+                                      <p:to>
+                                        <p:strVal val="visible"/>
+                                      </p:to>
+                                    </p:set>
+                                    <p:anim calcmode="lin" valueType="num">
+                                      <p:cBhvr additive="base">
+                                        <p:cTn id="11" dur="500" fill="hold"/>
+                                        <p:tgtEl>
+                                          <p:spTgt spid="18"/>
+                                        </p:tgtEl>
+                                        <p:attrNameLst>
+                                          <p:attrName>ppt_x</p:attrName>
+                                        </p:attrNameLst>
+                                      </p:cBhvr>
+                                      <p:tavLst>
+                                        <p:tav tm="0">
+                                          <p:val>
+                                            <p:strVal val="#ppt_x"/>
+                                          </p:val>
+                                        </p:tav>
+                                        <p:tav tm="100000">
+                                          <p:val>
+                                            <p:strVal val="#ppt_x"/>
+                                          </p:val>
+                                        </p:tav>
+                                      </p:tavLst>
+                                    </p:anim>
+                                    <p:anim calcmode="lin" valueType="num">
+                                      <p:cBhvr additive="base">
+                                        <p:cTn id="12" dur="500" fill="hold"/>
+                                        <p:tgtEl>
+                                          <p:spTgt spid="18"/>
+                                        </p:tgtEl>
+                                        <p:attrNameLst>
+                                          <p:attrName>ppt_y</p:attrName>
+                                        </p:attrNameLst>
+                                      </p:cBhvr>
+                                      <p:tavLst>
+                                        <p:tav tm="0">
+                                          <p:val>
+                                            <p:strVal val="1+#ppt_h/2"/>
+                                          </p:val>
+                                        </p:tav>
+                                        <p:tav tm="100000">
+                                          <p:val>
+                                            <p:strVal val="#ppt_y"/>
+                                          </p:val>
+                                        </p:tav>
+                                      </p:tavLst>
+                                    </p:anim>
+                                  </p:childTnLst>
+                                </p:cTn>
+                              </p:par>
+                            </p:childTnLst>
+                          </p:cTn>
+                        </p:par>
+                      </p:childTnLst>
+                    </p:cTn>
+                  </p:par>
+                  <p:par>
+                    <p:cTn id="13" fill="hold">
+                      <p:stCondLst>
+                        <p:cond delay="indefinite"/>
+                      </p:stCondLst>
+                      <p:childTnLst>
+                        <p:par>
+                          <p:cTn id="14" fill="hold">
+                            <p:stCondLst>
+                              <p:cond delay="0"/>
+                            </p:stCondLst>
+                            <p:childTnLst>
+                              <p:par>
+                                <p:cTn id="15" presetID="2" presetClass="entr" presetSubtype="4" fill="hold" nodeType="clickEffect">
+                                  <p:stCondLst>
+                                    <p:cond delay="0"/>
+                                  </p:stCondLst>
+                                  <p:childTnLst>
+                                    <p:set>
+                                      <p:cBhvr>
+                                        <p:cTn id="16" dur="1" fill="hold">
+                                          <p:stCondLst>
+                                            <p:cond delay="0"/>
+                                          </p:stCondLst>
+                                        </p:cTn>
+                                        <p:tgtEl>
+                                          <p:spTgt spid="19"/>
+                                        </p:tgtEl>
+                                        <p:attrNameLst>
+                                          <p:attrName>style.visibility</p:attrName>
+                                        </p:attrNameLst>
+                                      </p:cBhvr>
+                                      <p:to>
+                                        <p:strVal val="visible"/>
+                                      </p:to>
+                                    </p:set>
+                                    <p:anim calcmode="lin" valueType="num">
+                                      <p:cBhvr additive="base">
+                                        <p:cTn id="17" dur="500" fill="hold"/>
+                                        <p:tgtEl>
+                                          <p:spTgt spid="19"/>
+                                        </p:tgtEl>
+                                        <p:attrNameLst>
+                                          <p:attrName>ppt_x</p:attrName>
+                                        </p:attrNameLst>
+                                      </p:cBhvr>
+                                      <p:tavLst>
+                                        <p:tav tm="0">
+                                          <p:val>
+                                            <p:strVal val="#ppt_x"/>
+                                          </p:val>
+                                        </p:tav>
+                                        <p:tav tm="100000">
+                                          <p:val>
+                                            <p:strVal val="#ppt_x"/>
+                                          </p:val>
+                                        </p:tav>
+                                      </p:tavLst>
+                                    </p:anim>
+                                    <p:anim calcmode="lin" valueType="num">
+                                      <p:cBhvr additive="base">
+                                        <p:cTn id="18" dur="500" fill="hold"/>
+                                        <p:tgtEl>
+                                          <p:spTgt spid="19"/>
+                                        </p:tgtEl>
+                                        <p:attrNameLst>
+                                          <p:attrName>ppt_y</p:attrName>
+                                        </p:attrNameLst>
+                                      </p:cBhvr>
+                                      <p:tavLst>
+                                        <p:tav tm="0">
+                                          <p:val>
+                                            <p:strVal val="1+#ppt_h/2"/>
+                                          </p:val>
+                                        </p:tav>
+                                        <p:tav tm="100000">
+                                          <p:val>
+                                            <p:strVal val="#ppt_y"/>
+                                          </p:val>
+                                        </p:tav>
+                                      </p:tavLst>
+                                    </p:anim>
+                                  </p:childTnLst>
+                                </p:cTn>
+                              </p:par>
+                              <p:par>
+                                <p:cTn id="19" presetID="2" presetClass="entr" presetSubtype="4" fill="hold" nodeType="withEffect">
+                                  <p:stCondLst>
+                                    <p:cond delay="0"/>
+                                  </p:stCondLst>
+                                  <p:childTnLst>
+                                    <p:set>
+                                      <p:cBhvr>
+                                        <p:cTn id="20" dur="1" fill="hold">
+                                          <p:stCondLst>
+                                            <p:cond delay="0"/>
+                                          </p:stCondLst>
+                                        </p:cTn>
+                                        <p:tgtEl>
+                                          <p:spTgt spid="15"/>
+                                        </p:tgtEl>
+                                        <p:attrNameLst>
+                                          <p:attrName>style.visibility</p:attrName>
+                                        </p:attrNameLst>
+                                      </p:cBhvr>
+                                      <p:to>
+                                        <p:strVal val="visible"/>
+                                      </p:to>
+                                    </p:set>
+                                    <p:anim calcmode="lin" valueType="num">
+                                      <p:cBhvr additive="base">
+                                        <p:cTn id="21" dur="500" fill="hold"/>
+                                        <p:tgtEl>
+                                          <p:spTgt spid="15"/>
+                                        </p:tgtEl>
+                                        <p:attrNameLst>
+                                          <p:attrName>ppt_x</p:attrName>
+                                        </p:attrNameLst>
+                                      </p:cBhvr>
+                                      <p:tavLst>
+                                        <p:tav tm="0">
+                                          <p:val>
+                                            <p:strVal val="#ppt_x"/>
+                                          </p:val>
+                                        </p:tav>
+                                        <p:tav tm="100000">
+                                          <p:val>
+                                            <p:strVal val="#ppt_x"/>
+                                          </p:val>
+                                        </p:tav>
+                                      </p:tavLst>
+                                    </p:anim>
+                                    <p:anim calcmode="lin" valueType="num">
+                                      <p:cBhvr additive="base">
+                                        <p:cTn id="22" dur="500" fill="hold"/>
+                                        <p:tgtEl>
+                                          <p:spTgt spid="15"/>
+                                        </p:tgtEl>
+                                        <p:attrNameLst>
+                                          <p:attrName>ppt_y</p:attrName>
+                                        </p:attrNameLst>
+                                      </p:cBhvr>
+                                      <p:tavLst>
+                                        <p:tav tm="0">
+                                          <p:val>
+                                            <p:strVal val="1+#ppt_h/2"/>
+                                          </p:val>
+                                        </p:tav>
+                                        <p:tav tm="100000">
+                                          <p:val>
+                                            <p:strVal val="#ppt_y"/>
+                                          </p:val>
+                                        </p:tav>
+                                      </p:tavLst>
+                                    </p:anim>
+                                  </p:childTnLst>
+                                </p:cTn>
+                              </p:par>
+                            </p:childTnLst>
+                          </p:cTn>
+                        </p:par>
+                      </p:childTnLst>
+                    </p:cTn>
+                  </p:par>
+                  <p:par>
+                    <p:cTn id="23" fill="hold">
+                      <p:stCondLst>
+                        <p:cond delay="indefinite"/>
+                      </p:stCondLst>
+                      <p:childTnLst>
+                        <p:par>
+                          <p:cTn id="24" fill="hold">
+                            <p:stCondLst>
+                              <p:cond delay="0"/>
+                            </p:stCondLst>
+                            <p:childTnLst>
+                              <p:par>
+                                <p:cTn id="25" presetID="2" presetClass="entr" presetSubtype="4" fill="hold" nodeType="clickEffect">
+                                  <p:stCondLst>
+                                    <p:cond delay="0"/>
+                                  </p:stCondLst>
+                                  <p:childTnLst>
+                                    <p:set>
+                                      <p:cBhvr>
+                                        <p:cTn id="26" dur="1" fill="hold">
+                                          <p:stCondLst>
+                                            <p:cond delay="0"/>
+                                          </p:stCondLst>
+                                        </p:cTn>
+                                        <p:tgtEl>
+                                          <p:spTgt spid="22"/>
+                                        </p:tgtEl>
+                                        <p:attrNameLst>
+                                          <p:attrName>style.visibility</p:attrName>
+                                        </p:attrNameLst>
+                                      </p:cBhvr>
+                                      <p:to>
+                                        <p:strVal val="visible"/>
+                                      </p:to>
+                                    </p:set>
+                                    <p:anim calcmode="lin" valueType="num">
+                                      <p:cBhvr additive="base">
+                                        <p:cTn id="27" dur="500" fill="hold"/>
+                                        <p:tgtEl>
+                                          <p:spTgt spid="22"/>
+                                        </p:tgtEl>
+                                        <p:attrNameLst>
+                                          <p:attrName>ppt_x</p:attrName>
+                                        </p:attrNameLst>
+                                      </p:cBhvr>
+                                      <p:tavLst>
+                                        <p:tav tm="0">
+                                          <p:val>
+                                            <p:strVal val="#ppt_x"/>
+                                          </p:val>
+                                        </p:tav>
+                                        <p:tav tm="100000">
+                                          <p:val>
+                                            <p:strVal val="#ppt_x"/>
+                                          </p:val>
+                                        </p:tav>
+                                      </p:tavLst>
+                                    </p:anim>
+                                    <p:anim calcmode="lin" valueType="num">
+                                      <p:cBhvr additive="base">
+                                        <p:cTn id="28" dur="500" fill="hold"/>
+                                        <p:tgtEl>
+                                          <p:spTgt spid="22"/>
+                                        </p:tgtEl>
+                                        <p:attrNameLst>
+                                          <p:attrName>ppt_y</p:attrName>
+                                        </p:attrNameLst>
+                                      </p:cBhvr>
+                                      <p:tavLst>
+                                        <p:tav tm="0">
+                                          <p:val>
+                                            <p:strVal val="1+#ppt_h/2"/>
+                                          </p:val>
+                                        </p:tav>
+                                        <p:tav tm="100000">
+                                          <p:val>
+                                            <p:strVal val="#ppt_y"/>
+                                          </p:val>
+                                        </p:tav>
+                                      </p:tavLst>
+                                    </p:anim>
+                                  </p:childTnLst>
+                                </p:cTn>
+                              </p:par>
+                              <p:par>
+                                <p:cTn id="29" presetID="2" presetClass="entr" presetSubtype="4" fill="hold" nodeType="withEffect">
+                                  <p:stCondLst>
+                                    <p:cond delay="0"/>
+                                  </p:stCondLst>
+                                  <p:childTnLst>
+                                    <p:set>
+                                      <p:cBhvr>
+                                        <p:cTn id="30" dur="1" fill="hold">
+                                          <p:stCondLst>
+                                            <p:cond delay="0"/>
+                                          </p:stCondLst>
+                                        </p:cTn>
+                                        <p:tgtEl>
+                                          <p:spTgt spid="16"/>
+                                        </p:tgtEl>
+                                        <p:attrNameLst>
+                                          <p:attrName>style.visibility</p:attrName>
+                                        </p:attrNameLst>
+                                      </p:cBhvr>
+                                      <p:to>
+                                        <p:strVal val="visible"/>
+                                      </p:to>
+                                    </p:set>
+                                    <p:anim calcmode="lin" valueType="num">
+                                      <p:cBhvr additive="base">
+                                        <p:cTn id="31" dur="500" fill="hold"/>
+                                        <p:tgtEl>
+                                          <p:spTgt spid="16"/>
+                                        </p:tgtEl>
+                                        <p:attrNameLst>
+                                          <p:attrName>ppt_x</p:attrName>
+                                        </p:attrNameLst>
+                                      </p:cBhvr>
+                                      <p:tavLst>
+                                        <p:tav tm="0">
+                                          <p:val>
+                                            <p:strVal val="#ppt_x"/>
+                                          </p:val>
+                                        </p:tav>
+                                        <p:tav tm="100000">
+                                          <p:val>
+                                            <p:strVal val="#ppt_x"/>
+                                          </p:val>
+                                        </p:tav>
+                                      </p:tavLst>
+                                    </p:anim>
+                                    <p:anim calcmode="lin" valueType="num">
+                                      <p:cBhvr additive="base">
+                                        <p:cTn id="32" dur="500" fill="hold"/>
+                                        <p:tgtEl>
+                                          <p:spTgt spid="16"/>
+                                        </p:tgtEl>
+                                        <p:attrNameLst>
+                                          <p:attrName>ppt_y</p:attrName>
+                                        </p:attrNameLst>
+                                      </p:cBhvr>
+                                      <p:tavLst>
+                                        <p:tav tm="0">
+                                          <p:val>
+                                            <p:strVal val="1+#ppt_h/2"/>
+                                          </p:val>
+                                        </p:tav>
+                                        <p:tav tm="100000">
+                                          <p:val>
+                                            <p:strVal val="#ppt_y"/>
+                                          </p:val>
+                                        </p:tav>
+                                      </p:tavLst>
+                                    </p:anim>
+                                  </p:childTnLst>
+                                </p:cTn>
+                              </p:par>
+                            </p:childTnLst>
+                          </p:cTn>
+                        </p:par>
+                      </p:childTnLst>
+                    </p:cTn>
+                  </p:par>
+                </p:childTnLst>
+              </p:cTn>
+              <p:prevCondLst>
+                <p:cond evt="onPrev" delay="0">
+                  <p:tgtEl>
+                    <p:sldTgt/>
+                  </p:tgtEl>
+                </p:cond>
+              </p:prevCondLst>
+              <p:nextCondLst>
+                <p:cond evt="onNext" delay="0">
+                  <p:tgtEl>
+                    <p:sldTgt/>
+                  </p:tgtEl>
+                </p:cond>
+              </p:nextCondLst>
+            </p:seq>
+          </p:childTnLst>
+        </p:cTn>
+      </p:par>
+    </p:tnLst>
+  </p:timing>
+</p:sld>
+</file>
+
+<file path=ppt/slides/slide17.xml><?xml version="1.0" encoding="utf-8"?>
+<p:sld xmlns:a="http://schemas.openxmlformats.org/drawingml/2006/main" xmlns:r="http://schemas.openxmlformats.org/officeDocument/2006/relationships" xmlns:p="http://schemas.openxmlformats.org/presentationml/2006/main">
+  <p:cSld>
+    <p:spTree>
+      <p:nvGrpSpPr>
+        <p:cNvPr id="1" name=""/>
+        <p:cNvGrpSpPr/>
+        <p:nvPr/>
+      </p:nvGrpSpPr>
+      <p:grpSpPr>
+        <a:xfrm>
+          <a:off x="0" y="0"/>
+          <a:ext cx="0" cy="0"/>
+          <a:chOff x="0" y="0"/>
+          <a:chExt cx="0" cy="0"/>
+        </a:xfrm>
+      </p:grpSpPr>
       <p:sp>
         <p:nvSpPr>
           <p:cNvPr id="26626" name="Title 1">
@@ -10012,8 +11322,8 @@
         </p:nvSpPr>
         <p:spPr>
           <a:xfrm>
-            <a:off x="457200" y="1204913"/>
-            <a:ext cx="8229600" cy="4525962"/>
+            <a:off x="711200" y="1204913"/>
+            <a:ext cx="10820400" cy="4984220"/>
           </a:xfrm>
         </p:spPr>
         <p:txBody>
@@ -10635,7 +11945,7 @@
 </p:sld>
 </file>
 
-<file path=ppt/slides/slide17.xml><?xml version="1.0" encoding="utf-8"?>
+<file path=ppt/slides/slide18.xml><?xml version="1.0" encoding="utf-8"?>
 <p:sld xmlns:a="http://schemas.openxmlformats.org/drawingml/2006/main" xmlns:r="http://schemas.openxmlformats.org/officeDocument/2006/relationships" xmlns:p="http://schemas.openxmlformats.org/presentationml/2006/main">
   <p:cSld>
     <p:spTree>
@@ -10666,8 +11976,8 @@
         </p:nvSpPr>
         <p:spPr>
           <a:xfrm>
-            <a:off x="160543" y="258819"/>
-            <a:ext cx="9095138" cy="6771084"/>
+            <a:off x="567266" y="258819"/>
+            <a:ext cx="11065933" cy="6771084"/>
           </a:xfrm>
           <a:prstGeom prst="rect">
             <a:avLst/>
@@ -11926,6 +13236,99 @@
           </a:p>
         </p:txBody>
       </p:sp>
+      <p:sp>
+        <p:nvSpPr>
+          <p:cNvPr id="3" name="TextBox 2">
+            <a:extLst>
+              <a:ext uri="{FF2B5EF4-FFF2-40B4-BE49-F238E27FC236}">
+                <a16:creationId xmlns:a16="http://schemas.microsoft.com/office/drawing/2014/main" id="{7FF68368-DCDC-48DF-958A-FCB66AFC695C}"/>
+              </a:ext>
+            </a:extLst>
+          </p:cNvPr>
+          <p:cNvSpPr txBox="1"/>
+          <p:nvPr/>
+        </p:nvSpPr>
+        <p:spPr>
+          <a:xfrm>
+            <a:off x="6612467" y="1727200"/>
+            <a:ext cx="3547533" cy="646331"/>
+          </a:xfrm>
+          <a:prstGeom prst="rect">
+            <a:avLst/>
+          </a:prstGeom>
+          <a:ln w="28575"/>
+        </p:spPr>
+        <p:style>
+          <a:lnRef idx="2">
+            <a:schemeClr val="dk1"/>
+          </a:lnRef>
+          <a:fillRef idx="1">
+            <a:schemeClr val="lt1"/>
+          </a:fillRef>
+          <a:effectRef idx="0">
+            <a:schemeClr val="dk1"/>
+          </a:effectRef>
+          <a:fontRef idx="minor">
+            <a:schemeClr val="dk1"/>
+          </a:fontRef>
+        </p:style>
+        <p:txBody>
+          <a:bodyPr wrap="square" rtlCol="0">
+            <a:spAutoFit/>
+          </a:bodyPr>
+          <a:lstStyle/>
+          <a:p>
+            <a:r>
+              <a:rPr lang="es-MX" dirty="0"/>
+              <a:t>El archivo se generará en el folder del proyecto.</a:t>
+            </a:r>
+            <a:endParaRPr lang="en-US" dirty="0"/>
+          </a:p>
+        </p:txBody>
+      </p:sp>
+      <p:cxnSp>
+        <p:nvCxnSpPr>
+          <p:cNvPr id="5" name="Straight Arrow Connector 4">
+            <a:extLst>
+              <a:ext uri="{FF2B5EF4-FFF2-40B4-BE49-F238E27FC236}">
+                <a16:creationId xmlns:a16="http://schemas.microsoft.com/office/drawing/2014/main" id="{0C95915F-2FBE-4578-B58F-7D8FA964B1F7}"/>
+              </a:ext>
+            </a:extLst>
+          </p:cNvPr>
+          <p:cNvCxnSpPr>
+            <a:cxnSpLocks/>
+            <a:endCxn id="3" idx="1"/>
+          </p:cNvCxnSpPr>
+          <p:nvPr/>
+        </p:nvCxnSpPr>
+        <p:spPr bwMode="auto">
+          <a:xfrm>
+            <a:off x="4123267" y="2050366"/>
+            <a:ext cx="2489200" cy="0"/>
+          </a:xfrm>
+          <a:prstGeom prst="straightConnector1">
+            <a:avLst/>
+          </a:prstGeom>
+          <a:ln w="28575">
+            <a:headEnd type="none" w="med" len="med"/>
+            <a:tailEnd type="triangle"/>
+          </a:ln>
+        </p:spPr>
+        <p:style>
+          <a:lnRef idx="2">
+            <a:schemeClr val="dk1"/>
+          </a:lnRef>
+          <a:fillRef idx="1">
+            <a:schemeClr val="lt1"/>
+          </a:fillRef>
+          <a:effectRef idx="0">
+            <a:schemeClr val="dk1"/>
+          </a:effectRef>
+          <a:fontRef idx="minor">
+            <a:schemeClr val="dk1"/>
+          </a:fontRef>
+        </p:style>
+      </p:cxnSp>
     </p:spTree>
   </p:cSld>
   <p:clrMapOvr>
@@ -12013,43 +13416,21 @@
                                   </p:childTnLst>
                                 </p:cTn>
                               </p:par>
-                            </p:childTnLst>
-                          </p:cTn>
-                        </p:par>
-                      </p:childTnLst>
-                    </p:cTn>
-                  </p:par>
-                  <p:par>
-                    <p:cTn id="9" fill="hold">
-                      <p:stCondLst>
-                        <p:cond delay="indefinite"/>
-                      </p:stCondLst>
-                      <p:childTnLst>
-                        <p:par>
-                          <p:cTn id="10" fill="hold">
-                            <p:stCondLst>
-                              <p:cond delay="0"/>
-                            </p:stCondLst>
-                            <p:childTnLst>
                               <p:par>
-                                <p:cTn id="11" presetID="1" presetClass="entr" presetSubtype="0" fill="hold" nodeType="clickEffect">
+                                <p:cTn id="9" presetID="1" presetClass="entr" presetSubtype="0" fill="hold" grpId="0" nodeType="withEffect">
                                   <p:stCondLst>
                                     <p:cond delay="0"/>
                                   </p:stCondLst>
                                   <p:childTnLst>
                                     <p:set>
                                       <p:cBhvr>
-                                        <p:cTn id="12" dur="1" fill="hold">
+                                        <p:cTn id="10" dur="1" fill="hold">
                                           <p:stCondLst>
                                             <p:cond delay="0"/>
                                           </p:stCondLst>
                                         </p:cTn>
                                         <p:tgtEl>
-                                          <p:spTgt spid="2">
-                                            <p:txEl>
-                                              <p:pRg st="11" end="11"/>
-                                            </p:txEl>
-                                          </p:spTgt>
+                                          <p:spTgt spid="3"/>
                                         </p:tgtEl>
                                         <p:attrNameLst>
                                           <p:attrName>style.visibility</p:attrName>
@@ -12063,24 +13444,20 @@
                                 </p:cTn>
                               </p:par>
                               <p:par>
-                                <p:cTn id="13" presetID="1" presetClass="entr" presetSubtype="0" fill="hold" nodeType="withEffect">
+                                <p:cTn id="11" presetID="1" presetClass="entr" presetSubtype="0" fill="hold" nodeType="withEffect">
                                   <p:stCondLst>
                                     <p:cond delay="0"/>
                                   </p:stCondLst>
                                   <p:childTnLst>
                                     <p:set>
                                       <p:cBhvr>
-                                        <p:cTn id="14" dur="1" fill="hold">
+                                        <p:cTn id="12" dur="1" fill="hold">
                                           <p:stCondLst>
                                             <p:cond delay="0"/>
                                           </p:stCondLst>
                                         </p:cTn>
                                         <p:tgtEl>
-                                          <p:spTgt spid="2">
-                                            <p:txEl>
-                                              <p:pRg st="12" end="12"/>
-                                            </p:txEl>
-                                          </p:spTgt>
+                                          <p:spTgt spid="5"/>
                                         </p:tgtEl>
                                         <p:attrNameLst>
                                           <p:attrName>style.visibility</p:attrName>
@@ -12093,8 +13470,26 @@
                                   </p:childTnLst>
                                 </p:cTn>
                               </p:par>
+                            </p:childTnLst>
+                          </p:cTn>
+                        </p:par>
+                      </p:childTnLst>
+                    </p:cTn>
+                  </p:par>
+                  <p:par>
+                    <p:cTn id="13" fill="hold">
+                      <p:stCondLst>
+                        <p:cond delay="indefinite"/>
+                      </p:stCondLst>
+                      <p:childTnLst>
+                        <p:par>
+                          <p:cTn id="14" fill="hold">
+                            <p:stCondLst>
+                              <p:cond delay="0"/>
+                            </p:stCondLst>
+                            <p:childTnLst>
                               <p:par>
-                                <p:cTn id="15" presetID="1" presetClass="entr" presetSubtype="0" fill="hold" nodeType="withEffect">
+                                <p:cTn id="15" presetID="1" presetClass="entr" presetSubtype="0" fill="hold" nodeType="clickEffect">
                                   <p:stCondLst>
                                     <p:cond delay="0"/>
                                   </p:stCondLst>
@@ -12109,7 +13504,7 @@
                                         <p:tgtEl>
                                           <p:spTgt spid="2">
                                             <p:txEl>
-                                              <p:pRg st="13" end="13"/>
+                                              <p:pRg st="11" end="11"/>
                                             </p:txEl>
                                           </p:spTgt>
                                         </p:tgtEl>
@@ -12140,7 +13535,7 @@
                                         <p:tgtEl>
                                           <p:spTgt spid="2">
                                             <p:txEl>
-                                              <p:pRg st="14" end="14"/>
+                                              <p:pRg st="12" end="12"/>
                                             </p:txEl>
                                           </p:spTgt>
                                         </p:tgtEl>
@@ -12171,6 +13566,68 @@
                                         <p:tgtEl>
                                           <p:spTgt spid="2">
                                             <p:txEl>
+                                              <p:pRg st="13" end="13"/>
+                                            </p:txEl>
+                                          </p:spTgt>
+                                        </p:tgtEl>
+                                        <p:attrNameLst>
+                                          <p:attrName>style.visibility</p:attrName>
+                                        </p:attrNameLst>
+                                      </p:cBhvr>
+                                      <p:to>
+                                        <p:strVal val="visible"/>
+                                      </p:to>
+                                    </p:set>
+                                  </p:childTnLst>
+                                </p:cTn>
+                              </p:par>
+                              <p:par>
+                                <p:cTn id="21" presetID="1" presetClass="entr" presetSubtype="0" fill="hold" nodeType="withEffect">
+                                  <p:stCondLst>
+                                    <p:cond delay="0"/>
+                                  </p:stCondLst>
+                                  <p:childTnLst>
+                                    <p:set>
+                                      <p:cBhvr>
+                                        <p:cTn id="22" dur="1" fill="hold">
+                                          <p:stCondLst>
+                                            <p:cond delay="0"/>
+                                          </p:stCondLst>
+                                        </p:cTn>
+                                        <p:tgtEl>
+                                          <p:spTgt spid="2">
+                                            <p:txEl>
+                                              <p:pRg st="14" end="14"/>
+                                            </p:txEl>
+                                          </p:spTgt>
+                                        </p:tgtEl>
+                                        <p:attrNameLst>
+                                          <p:attrName>style.visibility</p:attrName>
+                                        </p:attrNameLst>
+                                      </p:cBhvr>
+                                      <p:to>
+                                        <p:strVal val="visible"/>
+                                      </p:to>
+                                    </p:set>
+                                  </p:childTnLst>
+                                </p:cTn>
+                              </p:par>
+                              <p:par>
+                                <p:cTn id="23" presetID="1" presetClass="entr" presetSubtype="0" fill="hold" nodeType="withEffect">
+                                  <p:stCondLst>
+                                    <p:cond delay="0"/>
+                                  </p:stCondLst>
+                                  <p:childTnLst>
+                                    <p:set>
+                                      <p:cBhvr>
+                                        <p:cTn id="24" dur="1" fill="hold">
+                                          <p:stCondLst>
+                                            <p:cond delay="0"/>
+                                          </p:stCondLst>
+                                        </p:cTn>
+                                        <p:tgtEl>
+                                          <p:spTgt spid="2">
+                                            <p:txEl>
                                               <p:pRg st="15" end="15"/>
                                             </p:txEl>
                                           </p:spTgt>
@@ -12193,81 +13650,19 @@
                     </p:cTn>
                   </p:par>
                   <p:par>
-                    <p:cTn id="21" fill="hold">
+                    <p:cTn id="25" fill="hold">
                       <p:stCondLst>
                         <p:cond delay="indefinite"/>
                       </p:stCondLst>
                       <p:childTnLst>
                         <p:par>
-                          <p:cTn id="22" fill="hold">
+                          <p:cTn id="26" fill="hold">
                             <p:stCondLst>
                               <p:cond delay="0"/>
                             </p:stCondLst>
                             <p:childTnLst>
                               <p:par>
-                                <p:cTn id="23" presetID="1" presetClass="entr" presetSubtype="0" fill="hold" nodeType="clickEffect">
-                                  <p:stCondLst>
-                                    <p:cond delay="0"/>
-                                  </p:stCondLst>
-                                  <p:childTnLst>
-                                    <p:set>
-                                      <p:cBhvr>
-                                        <p:cTn id="24" dur="1" fill="hold">
-                                          <p:stCondLst>
-                                            <p:cond delay="0"/>
-                                          </p:stCondLst>
-                                        </p:cTn>
-                                        <p:tgtEl>
-                                          <p:spTgt spid="2">
-                                            <p:txEl>
-                                              <p:pRg st="17" end="17"/>
-                                            </p:txEl>
-                                          </p:spTgt>
-                                        </p:tgtEl>
-                                        <p:attrNameLst>
-                                          <p:attrName>style.visibility</p:attrName>
-                                        </p:attrNameLst>
-                                      </p:cBhvr>
-                                      <p:to>
-                                        <p:strVal val="visible"/>
-                                      </p:to>
-                                    </p:set>
-                                  </p:childTnLst>
-                                </p:cTn>
-                              </p:par>
-                              <p:par>
-                                <p:cTn id="25" presetID="1" presetClass="entr" presetSubtype="0" fill="hold" nodeType="withEffect">
-                                  <p:stCondLst>
-                                    <p:cond delay="0"/>
-                                  </p:stCondLst>
-                                  <p:childTnLst>
-                                    <p:set>
-                                      <p:cBhvr>
-                                        <p:cTn id="26" dur="1" fill="hold">
-                                          <p:stCondLst>
-                                            <p:cond delay="0"/>
-                                          </p:stCondLst>
-                                        </p:cTn>
-                                        <p:tgtEl>
-                                          <p:spTgt spid="2">
-                                            <p:txEl>
-                                              <p:pRg st="18" end="18"/>
-                                            </p:txEl>
-                                          </p:spTgt>
-                                        </p:tgtEl>
-                                        <p:attrNameLst>
-                                          <p:attrName>style.visibility</p:attrName>
-                                        </p:attrNameLst>
-                                      </p:cBhvr>
-                                      <p:to>
-                                        <p:strVal val="visible"/>
-                                      </p:to>
-                                    </p:set>
-                                  </p:childTnLst>
-                                </p:cTn>
-                              </p:par>
-                              <p:par>
-                                <p:cTn id="27" presetID="1" presetClass="entr" presetSubtype="0" fill="hold" nodeType="withEffect">
+                                <p:cTn id="27" presetID="1" presetClass="entr" presetSubtype="0" fill="hold" nodeType="clickEffect">
                                   <p:stCondLst>
                                     <p:cond delay="0"/>
                                   </p:stCondLst>
@@ -12282,7 +13677,7 @@
                                         <p:tgtEl>
                                           <p:spTgt spid="2">
                                             <p:txEl>
-                                              <p:pRg st="19" end="19"/>
+                                              <p:pRg st="17" end="17"/>
                                             </p:txEl>
                                           </p:spTgt>
                                         </p:tgtEl>
@@ -12313,7 +13708,7 @@
                                         <p:tgtEl>
                                           <p:spTgt spid="2">
                                             <p:txEl>
-                                              <p:pRg st="20" end="20"/>
+                                              <p:pRg st="18" end="18"/>
                                             </p:txEl>
                                           </p:spTgt>
                                         </p:tgtEl>
@@ -12344,7 +13739,7 @@
                                         <p:tgtEl>
                                           <p:spTgt spid="2">
                                             <p:txEl>
-                                              <p:pRg st="21" end="21"/>
+                                              <p:pRg st="19" end="19"/>
                                             </p:txEl>
                                           </p:spTgt>
                                         </p:tgtEl>
@@ -12375,6 +13770,68 @@
                                         <p:tgtEl>
                                           <p:spTgt spid="2">
                                             <p:txEl>
+                                              <p:pRg st="20" end="20"/>
+                                            </p:txEl>
+                                          </p:spTgt>
+                                        </p:tgtEl>
+                                        <p:attrNameLst>
+                                          <p:attrName>style.visibility</p:attrName>
+                                        </p:attrNameLst>
+                                      </p:cBhvr>
+                                      <p:to>
+                                        <p:strVal val="visible"/>
+                                      </p:to>
+                                    </p:set>
+                                  </p:childTnLst>
+                                </p:cTn>
+                              </p:par>
+                              <p:par>
+                                <p:cTn id="35" presetID="1" presetClass="entr" presetSubtype="0" fill="hold" nodeType="withEffect">
+                                  <p:stCondLst>
+                                    <p:cond delay="0"/>
+                                  </p:stCondLst>
+                                  <p:childTnLst>
+                                    <p:set>
+                                      <p:cBhvr>
+                                        <p:cTn id="36" dur="1" fill="hold">
+                                          <p:stCondLst>
+                                            <p:cond delay="0"/>
+                                          </p:stCondLst>
+                                        </p:cTn>
+                                        <p:tgtEl>
+                                          <p:spTgt spid="2">
+                                            <p:txEl>
+                                              <p:pRg st="21" end="21"/>
+                                            </p:txEl>
+                                          </p:spTgt>
+                                        </p:tgtEl>
+                                        <p:attrNameLst>
+                                          <p:attrName>style.visibility</p:attrName>
+                                        </p:attrNameLst>
+                                      </p:cBhvr>
+                                      <p:to>
+                                        <p:strVal val="visible"/>
+                                      </p:to>
+                                    </p:set>
+                                  </p:childTnLst>
+                                </p:cTn>
+                              </p:par>
+                              <p:par>
+                                <p:cTn id="37" presetID="1" presetClass="entr" presetSubtype="0" fill="hold" nodeType="withEffect">
+                                  <p:stCondLst>
+                                    <p:cond delay="0"/>
+                                  </p:stCondLst>
+                                  <p:childTnLst>
+                                    <p:set>
+                                      <p:cBhvr>
+                                        <p:cTn id="38" dur="1" fill="hold">
+                                          <p:stCondLst>
+                                            <p:cond delay="0"/>
+                                          </p:stCondLst>
+                                        </p:cTn>
+                                        <p:tgtEl>
+                                          <p:spTgt spid="2">
+                                            <p:txEl>
                                               <p:pRg st="22" end="22"/>
                                             </p:txEl>
                                           </p:spTgt>
@@ -12397,26 +13854,26 @@
                     </p:cTn>
                   </p:par>
                   <p:par>
-                    <p:cTn id="35" fill="hold">
+                    <p:cTn id="39" fill="hold">
                       <p:stCondLst>
                         <p:cond delay="indefinite"/>
                       </p:stCondLst>
                       <p:childTnLst>
                         <p:par>
-                          <p:cTn id="36" fill="hold">
+                          <p:cTn id="40" fill="hold">
                             <p:stCondLst>
                               <p:cond delay="0"/>
                             </p:stCondLst>
                             <p:childTnLst>
                               <p:par>
-                                <p:cTn id="37" presetID="1" presetClass="entr" presetSubtype="0" fill="hold" nodeType="clickEffect">
+                                <p:cTn id="41" presetID="1" presetClass="entr" presetSubtype="0" fill="hold" nodeType="clickEffect">
                                   <p:stCondLst>
                                     <p:cond delay="0"/>
                                   </p:stCondLst>
                                   <p:childTnLst>
                                     <p:set>
                                       <p:cBhvr>
-                                        <p:cTn id="38" dur="1" fill="hold">
+                                        <p:cTn id="42" dur="1" fill="hold">
                                           <p:stCondLst>
                                             <p:cond delay="0"/>
                                           </p:stCondLst>
@@ -12440,14 +13897,14 @@
                                 </p:cTn>
                               </p:par>
                               <p:par>
-                                <p:cTn id="39" presetID="1" presetClass="entr" presetSubtype="0" fill="hold" nodeType="withEffect">
+                                <p:cTn id="43" presetID="1" presetClass="entr" presetSubtype="0" fill="hold" nodeType="withEffect">
                                   <p:stCondLst>
                                     <p:cond delay="0"/>
                                   </p:stCondLst>
                                   <p:childTnLst>
                                     <p:set>
                                       <p:cBhvr>
-                                        <p:cTn id="40" dur="1" fill="hold">
+                                        <p:cTn id="44" dur="1" fill="hold">
                                           <p:stCondLst>
                                             <p:cond delay="0"/>
                                           </p:stCondLst>
@@ -12471,14 +13928,14 @@
                                 </p:cTn>
                               </p:par>
                               <p:par>
-                                <p:cTn id="41" presetID="1" presetClass="entr" presetSubtype="0" fill="hold" nodeType="withEffect">
+                                <p:cTn id="45" presetID="1" presetClass="entr" presetSubtype="0" fill="hold" nodeType="withEffect">
                                   <p:stCondLst>
                                     <p:cond delay="0"/>
                                   </p:stCondLst>
                                   <p:childTnLst>
                                     <p:set>
                                       <p:cBhvr>
-                                        <p:cTn id="42" dur="1" fill="hold">
+                                        <p:cTn id="46" dur="1" fill="hold">
                                           <p:stCondLst>
                                             <p:cond delay="0"/>
                                           </p:stCondLst>
@@ -12528,11 +13985,14 @@
         </p:cTn>
       </p:par>
     </p:tnLst>
+    <p:bldLst>
+      <p:bldP spid="3" grpId="0" animBg="1"/>
+    </p:bldLst>
   </p:timing>
 </p:sld>
 </file>
 
-<file path=ppt/slides/slide18.xml><?xml version="1.0" encoding="utf-8"?>
+<file path=ppt/slides/slide19.xml><?xml version="1.0" encoding="utf-8"?>
 <p:sld xmlns:a="http://schemas.openxmlformats.org/drawingml/2006/main" xmlns:r="http://schemas.openxmlformats.org/officeDocument/2006/relationships" xmlns:p="http://schemas.openxmlformats.org/presentationml/2006/main">
   <p:cSld>
     <p:spTree>
@@ -12607,7 +14067,7 @@
         </p:blipFill>
         <p:spPr bwMode="auto">
           <a:xfrm>
-            <a:off x="920750" y="1927225"/>
+            <a:off x="2444751" y="1927226"/>
             <a:ext cx="6829425" cy="1476375"/>
           </a:xfrm>
           <a:prstGeom prst="rect">
@@ -12656,7 +14116,7 @@
         </p:nvSpPr>
         <p:spPr bwMode="auto">
           <a:xfrm>
-            <a:off x="6226175" y="1436688"/>
+            <a:off x="7750175" y="1436689"/>
             <a:ext cx="1524000" cy="1006475"/>
           </a:xfrm>
           <a:prstGeom prst="rect">
@@ -12743,7 +14203,7 @@
         </p:blipFill>
         <p:spPr bwMode="auto">
           <a:xfrm>
-            <a:off x="1782763" y="4308475"/>
+            <a:off x="3306763" y="4308476"/>
             <a:ext cx="6075362" cy="1260475"/>
           </a:xfrm>
           <a:prstGeom prst="rect">
@@ -12777,71 +14237,6 @@
         </p:spPr>
       </p:pic>
     </p:spTree>
-  </p:cSld>
-  <p:clrMapOvr>
-    <a:masterClrMapping/>
-  </p:clrMapOvr>
-</p:sld>
-</file>
-
-<file path=ppt/slides/slide19.xml><?xml version="1.0" encoding="utf-8"?>
-<p:sld xmlns:a="http://schemas.openxmlformats.org/drawingml/2006/main" xmlns:r="http://schemas.openxmlformats.org/officeDocument/2006/relationships" xmlns:p="http://schemas.openxmlformats.org/presentationml/2006/main">
-  <p:cSld>
-    <p:spTree>
-      <p:nvGrpSpPr>
-        <p:cNvPr id="1" name=""/>
-        <p:cNvGrpSpPr/>
-        <p:nvPr/>
-      </p:nvGrpSpPr>
-      <p:grpSpPr>
-        <a:xfrm>
-          <a:off x="0" y="0"/>
-          <a:ext cx="0" cy="0"/>
-          <a:chOff x="0" y="0"/>
-          <a:chExt cx="0" cy="0"/>
-        </a:xfrm>
-      </p:grpSpPr>
-      <p:pic>
-        <p:nvPicPr>
-          <p:cNvPr id="3" name="Picture 2" descr="A close up of a screen&#10;&#10;Description automatically generated">
-            <a:extLst>
-              <a:ext uri="{FF2B5EF4-FFF2-40B4-BE49-F238E27FC236}">
-                <a16:creationId xmlns:a16="http://schemas.microsoft.com/office/drawing/2014/main" id="{FEA25FE9-D883-4576-B52D-DD3FC14F6768}"/>
-              </a:ext>
-            </a:extLst>
-          </p:cNvPr>
-          <p:cNvPicPr>
-            <a:picLocks noChangeAspect="1"/>
-          </p:cNvPicPr>
-          <p:nvPr/>
-        </p:nvPicPr>
-        <p:blipFill rotWithShape="1">
-          <a:blip r:embed="rId2">
-            <a:extLst>
-              <a:ext uri="{28A0092B-C50C-407E-A947-70E740481C1C}">
-                <a14:useLocalDpi xmlns:a14="http://schemas.microsoft.com/office/drawing/2010/main" val="0"/>
-              </a:ext>
-            </a:extLst>
-          </a:blip>
-          <a:srcRect t="17320" b="22337"/>
-          <a:stretch/>
-        </p:blipFill>
-        <p:spPr>
-          <a:xfrm>
-            <a:off x="1629806" y="169681"/>
-            <a:ext cx="5884388" cy="6312631"/>
-          </a:xfrm>
-          <a:prstGeom prst="rect">
-            <a:avLst/>
-          </a:prstGeom>
-        </p:spPr>
-      </p:pic>
-    </p:spTree>
-    <p:extLst>
-      <p:ext uri="{BB962C8B-B14F-4D97-AF65-F5344CB8AC3E}">
-        <p14:creationId xmlns:p14="http://schemas.microsoft.com/office/powerpoint/2010/main" val="1392999130"/>
-      </p:ext>
-    </p:extLst>
   </p:cSld>
   <p:clrMapOvr>
     <a:masterClrMapping/>
@@ -13010,6 +14405,71 @@
 </file>
 
 <file path=ppt/slides/slide20.xml><?xml version="1.0" encoding="utf-8"?>
+<p:sld xmlns:a="http://schemas.openxmlformats.org/drawingml/2006/main" xmlns:r="http://schemas.openxmlformats.org/officeDocument/2006/relationships" xmlns:p="http://schemas.openxmlformats.org/presentationml/2006/main">
+  <p:cSld>
+    <p:spTree>
+      <p:nvGrpSpPr>
+        <p:cNvPr id="1" name=""/>
+        <p:cNvGrpSpPr/>
+        <p:nvPr/>
+      </p:nvGrpSpPr>
+      <p:grpSpPr>
+        <a:xfrm>
+          <a:off x="0" y="0"/>
+          <a:ext cx="0" cy="0"/>
+          <a:chOff x="0" y="0"/>
+          <a:chExt cx="0" cy="0"/>
+        </a:xfrm>
+      </p:grpSpPr>
+      <p:pic>
+        <p:nvPicPr>
+          <p:cNvPr id="3" name="Picture 2" descr="A close up of a screen&#10;&#10;Description automatically generated">
+            <a:extLst>
+              <a:ext uri="{FF2B5EF4-FFF2-40B4-BE49-F238E27FC236}">
+                <a16:creationId xmlns:a16="http://schemas.microsoft.com/office/drawing/2014/main" id="{FEA25FE9-D883-4576-B52D-DD3FC14F6768}"/>
+              </a:ext>
+            </a:extLst>
+          </p:cNvPr>
+          <p:cNvPicPr>
+            <a:picLocks noChangeAspect="1"/>
+          </p:cNvPicPr>
+          <p:nvPr/>
+        </p:nvPicPr>
+        <p:blipFill rotWithShape="1">
+          <a:blip r:embed="rId2">
+            <a:extLst>
+              <a:ext uri="{28A0092B-C50C-407E-A947-70E740481C1C}">
+                <a14:useLocalDpi xmlns:a14="http://schemas.microsoft.com/office/drawing/2010/main" val="0"/>
+              </a:ext>
+            </a:extLst>
+          </a:blip>
+          <a:srcRect t="17320" b="22337"/>
+          <a:stretch/>
+        </p:blipFill>
+        <p:spPr>
+          <a:xfrm>
+            <a:off x="3153806" y="169682"/>
+            <a:ext cx="5884388" cy="6312631"/>
+          </a:xfrm>
+          <a:prstGeom prst="rect">
+            <a:avLst/>
+          </a:prstGeom>
+        </p:spPr>
+      </p:pic>
+    </p:spTree>
+    <p:extLst>
+      <p:ext uri="{BB962C8B-B14F-4D97-AF65-F5344CB8AC3E}">
+        <p14:creationId xmlns:p14="http://schemas.microsoft.com/office/powerpoint/2010/main" val="1392999130"/>
+      </p:ext>
+    </p:extLst>
+  </p:cSld>
+  <p:clrMapOvr>
+    <a:masterClrMapping/>
+  </p:clrMapOvr>
+</p:sld>
+</file>
+
+<file path=ppt/slides/slide21.xml><?xml version="1.0" encoding="utf-8"?>
 <p:sld xmlns:a="http://schemas.openxmlformats.org/drawingml/2006/main" xmlns:r="http://schemas.openxmlformats.org/officeDocument/2006/relationships" xmlns:p="http://schemas.openxmlformats.org/presentationml/2006/main">
   <p:cSld>
     <p:spTree>
@@ -13870,7 +15330,7 @@
 </p:sld>
 </file>
 
-<file path=ppt/slides/slide21.xml><?xml version="1.0" encoding="utf-8"?>
+<file path=ppt/slides/slide22.xml><?xml version="1.0" encoding="utf-8"?>
 <p:sld xmlns:a="http://schemas.openxmlformats.org/drawingml/2006/main" xmlns:r="http://schemas.openxmlformats.org/officeDocument/2006/relationships" xmlns:p="http://schemas.openxmlformats.org/presentationml/2006/main">
   <p:cSld>
     <p:spTree>
@@ -13928,7 +15388,7 @@
 </p:sld>
 </file>
 
-<file path=ppt/slides/slide22.xml><?xml version="1.0" encoding="utf-8"?>
+<file path=ppt/slides/slide23.xml><?xml version="1.0" encoding="utf-8"?>
 <p:sld xmlns:a="http://schemas.openxmlformats.org/drawingml/2006/main" xmlns:r="http://schemas.openxmlformats.org/officeDocument/2006/relationships" xmlns:p="http://schemas.openxmlformats.org/presentationml/2006/main">
   <p:cSld>
     <p:spTree>
@@ -14001,8 +15461,8 @@
         </p:nvSpPr>
         <p:spPr>
           <a:xfrm>
-            <a:off x="165538" y="1375090"/>
-            <a:ext cx="8978462" cy="4751073"/>
+            <a:off x="618067" y="1375091"/>
+            <a:ext cx="10964333" cy="4751073"/>
           </a:xfrm>
         </p:spPr>
         <p:txBody>
@@ -14276,7 +15736,7 @@
               <a:t> </a:t>
             </a:r>
             <a:r>
-              <a:rPr lang="en-US" altLang="en-US" sz="2400" b="1" dirty="0" err="1">
+              <a:rPr lang="en-US" altLang="en-US" b="1" dirty="0" err="1">
                 <a:solidFill>
                   <a:srgbClr val="0033CC"/>
                 </a:solidFill>
@@ -14330,7 +15790,7 @@
 </p:sld>
 </file>
 
-<file path=ppt/slides/slide23.xml><?xml version="1.0" encoding="utf-8"?>
+<file path=ppt/slides/slide24.xml><?xml version="1.0" encoding="utf-8"?>
 <p:sld xmlns:a="http://schemas.openxmlformats.org/drawingml/2006/main" xmlns:r="http://schemas.openxmlformats.org/officeDocument/2006/relationships" xmlns:p="http://schemas.openxmlformats.org/presentationml/2006/main">
   <p:cSld>
     <p:spTree>
@@ -14361,7 +15821,7 @@
         </p:nvGrpSpPr>
         <p:grpSpPr>
           <a:xfrm>
-            <a:off x="2017986" y="2601310"/>
+            <a:off x="3541987" y="2601310"/>
             <a:ext cx="971553" cy="827690"/>
             <a:chOff x="2017986" y="2601310"/>
             <a:chExt cx="971553" cy="827690"/>
@@ -14481,7 +15941,7 @@
         </p:nvGrpSpPr>
         <p:grpSpPr>
           <a:xfrm>
-            <a:off x="366551" y="426547"/>
+            <a:off x="1890552" y="426548"/>
             <a:ext cx="8410899" cy="2062103"/>
             <a:chOff x="366551" y="426547"/>
             <a:chExt cx="8410899" cy="2062103"/>
@@ -15004,7 +16464,7 @@
         </p:nvGrpSpPr>
         <p:grpSpPr>
           <a:xfrm>
-            <a:off x="579381" y="3654320"/>
+            <a:off x="2103382" y="3654321"/>
             <a:ext cx="8316311" cy="2708433"/>
             <a:chOff x="579381" y="3654320"/>
             <a:chExt cx="8316311" cy="2708433"/>
@@ -15907,7 +17367,7 @@
 </p:sld>
 </file>
 
-<file path=ppt/slides/slide24.xml><?xml version="1.0" encoding="utf-8"?>
+<file path=ppt/slides/slide25.xml><?xml version="1.0" encoding="utf-8"?>
 <p:sld xmlns:a="http://schemas.openxmlformats.org/drawingml/2006/main" xmlns:r="http://schemas.openxmlformats.org/officeDocument/2006/relationships" xmlns:p="http://schemas.openxmlformats.org/presentationml/2006/main">
   <p:cSld>
     <p:spTree>
@@ -15965,7 +17425,7 @@
 </p:sld>
 </file>
 
-<file path=ppt/slides/slide25.xml><?xml version="1.0" encoding="utf-8"?>
+<file path=ppt/slides/slide26.xml><?xml version="1.0" encoding="utf-8"?>
 <p:sld xmlns:a="http://schemas.openxmlformats.org/drawingml/2006/main" xmlns:r="http://schemas.openxmlformats.org/officeDocument/2006/relationships" xmlns:p="http://schemas.openxmlformats.org/presentationml/2006/main">
   <p:cSld>
     <p:spTree>
@@ -16042,8 +17502,8 @@
         </p:nvSpPr>
         <p:spPr>
           <a:xfrm>
-            <a:off x="260132" y="1245092"/>
-            <a:ext cx="5691352" cy="5445158"/>
+            <a:off x="626533" y="1245092"/>
+            <a:ext cx="6848951" cy="5445158"/>
           </a:xfrm>
         </p:spPr>
         <p:txBody>
@@ -16084,7 +17544,7 @@
             </a:r>
           </a:p>
           <a:p>
-            <a:pPr marL="800100" lvl="1" indent="-457200" eaLnBrk="1" hangingPunct="1">
+            <a:pPr marL="800100" lvl="1" indent="-457200">
               <a:buFont typeface="+mj-lt"/>
               <a:buAutoNum type="arabicPeriod"/>
               <a:defRPr/>
@@ -16095,7 +17555,7 @@
             </a:r>
           </a:p>
           <a:p>
-            <a:pPr marL="800100" lvl="1" indent="-457200" eaLnBrk="1" hangingPunct="1">
+            <a:pPr marL="800100" lvl="1" indent="-457200">
               <a:buFont typeface="+mj-lt"/>
               <a:buAutoNum type="arabicPeriod"/>
               <a:defRPr/>
@@ -16123,7 +17583,7 @@
             <a:endParaRPr lang="en-US" sz="2000" dirty="0"/>
           </a:p>
           <a:p>
-            <a:pPr marL="800100" lvl="1" indent="-457200" eaLnBrk="1" hangingPunct="1">
+            <a:pPr marL="800100" lvl="1" indent="-457200">
               <a:buFont typeface="+mj-lt"/>
               <a:buAutoNum type="arabicPeriod"/>
               <a:defRPr/>
@@ -16162,7 +17622,7 @@
             </a:r>
           </a:p>
           <a:p>
-            <a:pPr marL="800100" lvl="1" indent="-457200" eaLnBrk="1" hangingPunct="1">
+            <a:pPr marL="800100" lvl="1" indent="-457200">
               <a:buFont typeface="+mj-lt"/>
               <a:buAutoNum type="arabicPeriod"/>
               <a:defRPr/>
@@ -16226,7 +17686,7 @@
         </p:blipFill>
         <p:spPr>
           <a:xfrm>
-            <a:off x="5951484" y="2494894"/>
+            <a:off x="7881885" y="1631294"/>
             <a:ext cx="3277177" cy="4363106"/>
           </a:xfrm>
           <a:prstGeom prst="rect">
@@ -16363,7 +17823,7 @@
 </p:sld>
 </file>
 
-<file path=ppt/slides/slide26.xml><?xml version="1.0" encoding="utf-8"?>
+<file path=ppt/slides/slide27.xml><?xml version="1.0" encoding="utf-8"?>
 <p:sld xmlns:a="http://schemas.openxmlformats.org/drawingml/2006/main" xmlns:r="http://schemas.openxmlformats.org/officeDocument/2006/relationships" xmlns:p="http://schemas.openxmlformats.org/presentationml/2006/main">
   <p:cSld>
     <p:spTree>
@@ -16394,8 +17854,8 @@
         </p:nvSpPr>
         <p:spPr>
           <a:xfrm>
-            <a:off x="279207" y="515508"/>
-            <a:ext cx="7775890" cy="5693866"/>
+            <a:off x="618067" y="515508"/>
+            <a:ext cx="6383866" cy="5693866"/>
           </a:xfrm>
           <a:prstGeom prst="rect">
             <a:avLst/>
@@ -17374,7 +18834,7 @@
 </p:sld>
 </file>
 
-<file path=ppt/slides/slide27.xml><?xml version="1.0" encoding="utf-8"?>
+<file path=ppt/slides/slide28.xml><?xml version="1.0" encoding="utf-8"?>
 <p:sld xmlns:a="http://schemas.openxmlformats.org/drawingml/2006/main" xmlns:r="http://schemas.openxmlformats.org/officeDocument/2006/relationships" xmlns:p="http://schemas.openxmlformats.org/presentationml/2006/main">
   <p:cSld>
     <p:spTree>
@@ -17449,7 +18909,7 @@
         </p:blipFill>
         <p:spPr bwMode="auto">
           <a:xfrm>
-            <a:off x="1460500" y="2716213"/>
+            <a:off x="2984500" y="2716214"/>
             <a:ext cx="5753100" cy="2263775"/>
           </a:xfrm>
           <a:prstGeom prst="rect">
@@ -17498,7 +18958,7 @@
         </p:nvSpPr>
         <p:spPr bwMode="auto">
           <a:xfrm>
-            <a:off x="6672263" y="2406650"/>
+            <a:off x="8196263" y="2406651"/>
             <a:ext cx="1524000" cy="1006475"/>
           </a:xfrm>
           <a:prstGeom prst="rect">
@@ -17564,7 +19024,7 @@
 </p:sld>
 </file>
 
-<file path=ppt/slides/slide28.xml><?xml version="1.0" encoding="utf-8"?>
+<file path=ppt/slides/slide29.xml><?xml version="1.0" encoding="utf-8"?>
 <p:sld xmlns:a="http://schemas.openxmlformats.org/drawingml/2006/main" xmlns:r="http://schemas.openxmlformats.org/officeDocument/2006/relationships" xmlns:p="http://schemas.openxmlformats.org/presentationml/2006/main">
   <p:cSld>
     <p:spTree>
@@ -17633,7 +19093,7 @@
         </p:blipFill>
         <p:spPr bwMode="auto">
           <a:xfrm>
-            <a:off x="1401763" y="1417638"/>
+            <a:off x="2925764" y="1417639"/>
             <a:ext cx="6453187" cy="4414837"/>
           </a:xfrm>
           <a:prstGeom prst="rect">
@@ -17662,64 +19122,6 @@
         </p:spPr>
       </p:pic>
     </p:spTree>
-  </p:cSld>
-  <p:clrMapOvr>
-    <a:masterClrMapping/>
-  </p:clrMapOvr>
-</p:sld>
-</file>
-
-<file path=ppt/slides/slide29.xml><?xml version="1.0" encoding="utf-8"?>
-<p:sld xmlns:a="http://schemas.openxmlformats.org/drawingml/2006/main" xmlns:r="http://schemas.openxmlformats.org/officeDocument/2006/relationships" xmlns:p="http://schemas.openxmlformats.org/presentationml/2006/main">
-  <p:cSld>
-    <p:spTree>
-      <p:nvGrpSpPr>
-        <p:cNvPr id="1" name=""/>
-        <p:cNvGrpSpPr/>
-        <p:nvPr/>
-      </p:nvGrpSpPr>
-      <p:grpSpPr>
-        <a:xfrm>
-          <a:off x="0" y="0"/>
-          <a:ext cx="0" cy="0"/>
-          <a:chOff x="0" y="0"/>
-          <a:chExt cx="0" cy="0"/>
-        </a:xfrm>
-      </p:grpSpPr>
-      <p:sp>
-        <p:nvSpPr>
-          <p:cNvPr id="2" name="Title 1">
-            <a:extLst>
-              <a:ext uri="{FF2B5EF4-FFF2-40B4-BE49-F238E27FC236}">
-                <a16:creationId xmlns:a16="http://schemas.microsoft.com/office/drawing/2014/main" id="{A067BADB-3850-4D62-BEC5-1AA73270AA47}"/>
-              </a:ext>
-            </a:extLst>
-          </p:cNvPr>
-          <p:cNvSpPr>
-            <a:spLocks noGrp="1"/>
-          </p:cNvSpPr>
-          <p:nvPr>
-            <p:ph type="title"/>
-          </p:nvPr>
-        </p:nvSpPr>
-        <p:spPr/>
-        <p:txBody>
-          <a:bodyPr/>
-          <a:lstStyle/>
-          <a:p>
-            <a:r>
-              <a:rPr lang="es-MX" dirty="0"/>
-              <a:t>La Clase File</a:t>
-            </a:r>
-          </a:p>
-        </p:txBody>
-      </p:sp>
-    </p:spTree>
-    <p:extLst>
-      <p:ext uri="{BB962C8B-B14F-4D97-AF65-F5344CB8AC3E}">
-        <p14:creationId xmlns:p14="http://schemas.microsoft.com/office/powerpoint/2010/main" val="2043789778"/>
-      </p:ext>
-    </p:extLst>
   </p:cSld>
   <p:clrMapOvr>
     <a:masterClrMapping/>
@@ -17763,7 +19165,7 @@
         <p:spPr>
           <a:xfrm>
             <a:off x="0" y="-1"/>
-            <a:ext cx="9144000" cy="960449"/>
+            <a:ext cx="12192000" cy="960449"/>
           </a:xfrm>
         </p:spPr>
         <p:txBody>
@@ -17813,14 +19215,14 @@
             <p:ph idx="1"/>
             <p:extLst>
               <p:ext uri="{D42A27DB-BD31-4B8C-83A1-F6EECF244321}">
-                <p14:modId xmlns:p14="http://schemas.microsoft.com/office/powerpoint/2010/main" val="3021831730"/>
+                <p14:modId xmlns:p14="http://schemas.microsoft.com/office/powerpoint/2010/main" val="894868055"/>
               </p:ext>
             </p:extLst>
           </p:nvPr>
         </p:nvGraphicFramePr>
         <p:xfrm>
-          <a:off x="457200" y="1245092"/>
-          <a:ext cx="8229600" cy="5445158"/>
+          <a:off x="355989" y="1235486"/>
+          <a:ext cx="11405568" cy="5454763"/>
         </p:xfrm>
         <a:graphic>
           <a:graphicData uri="http://schemas.openxmlformats.org/drawingml/2006/diagram">
@@ -17837,6 +19239,64 @@
 </file>
 
 <file path=ppt/slides/slide30.xml><?xml version="1.0" encoding="utf-8"?>
+<p:sld xmlns:a="http://schemas.openxmlformats.org/drawingml/2006/main" xmlns:r="http://schemas.openxmlformats.org/officeDocument/2006/relationships" xmlns:p="http://schemas.openxmlformats.org/presentationml/2006/main">
+  <p:cSld>
+    <p:spTree>
+      <p:nvGrpSpPr>
+        <p:cNvPr id="1" name=""/>
+        <p:cNvGrpSpPr/>
+        <p:nvPr/>
+      </p:nvGrpSpPr>
+      <p:grpSpPr>
+        <a:xfrm>
+          <a:off x="0" y="0"/>
+          <a:ext cx="0" cy="0"/>
+          <a:chOff x="0" y="0"/>
+          <a:chExt cx="0" cy="0"/>
+        </a:xfrm>
+      </p:grpSpPr>
+      <p:sp>
+        <p:nvSpPr>
+          <p:cNvPr id="2" name="Title 1">
+            <a:extLst>
+              <a:ext uri="{FF2B5EF4-FFF2-40B4-BE49-F238E27FC236}">
+                <a16:creationId xmlns:a16="http://schemas.microsoft.com/office/drawing/2014/main" id="{A067BADB-3850-4D62-BEC5-1AA73270AA47}"/>
+              </a:ext>
+            </a:extLst>
+          </p:cNvPr>
+          <p:cNvSpPr>
+            <a:spLocks noGrp="1"/>
+          </p:cNvSpPr>
+          <p:nvPr>
+            <p:ph type="title"/>
+          </p:nvPr>
+        </p:nvSpPr>
+        <p:spPr/>
+        <p:txBody>
+          <a:bodyPr/>
+          <a:lstStyle/>
+          <a:p>
+            <a:r>
+              <a:rPr lang="es-MX" dirty="0"/>
+              <a:t>La Clase File</a:t>
+            </a:r>
+          </a:p>
+        </p:txBody>
+      </p:sp>
+    </p:spTree>
+    <p:extLst>
+      <p:ext uri="{BB962C8B-B14F-4D97-AF65-F5344CB8AC3E}">
+        <p14:creationId xmlns:p14="http://schemas.microsoft.com/office/powerpoint/2010/main" val="2043789778"/>
+      </p:ext>
+    </p:extLst>
+  </p:cSld>
+  <p:clrMapOvr>
+    <a:masterClrMapping/>
+  </p:clrMapOvr>
+</p:sld>
+</file>
+
+<file path=ppt/slides/slide31.xml><?xml version="1.0" encoding="utf-8"?>
 <p:sld xmlns:a="http://schemas.openxmlformats.org/drawingml/2006/main" xmlns:r="http://schemas.openxmlformats.org/officeDocument/2006/relationships" xmlns:p="http://schemas.openxmlformats.org/presentationml/2006/main">
   <p:cSld>
     <p:spTree>
@@ -18032,7 +19492,7 @@
 </p:sld>
 </file>
 
-<file path=ppt/slides/slide31.xml><?xml version="1.0" encoding="utf-8"?>
+<file path=ppt/slides/slide32.xml><?xml version="1.0" encoding="utf-8"?>
 <p:sld xmlns:a="http://schemas.openxmlformats.org/drawingml/2006/main" xmlns:r="http://schemas.openxmlformats.org/officeDocument/2006/relationships" xmlns:p="http://schemas.openxmlformats.org/presentationml/2006/main">
   <p:cSld>
     <p:spTree>
@@ -18114,18 +19574,18 @@
           <a:p>
             <a:pPr eaLnBrk="1" hangingPunct="1"/>
             <a:r>
-              <a:rPr lang="es-MX" altLang="en-US" sz="2400" dirty="0"/>
+              <a:rPr lang="es-MX" altLang="en-US" dirty="0"/>
               <a:t>Los archivos en los ejemplos asumen que el programa está en el mismo folder que el programa.</a:t>
             </a:r>
           </a:p>
           <a:p>
             <a:pPr eaLnBrk="1" hangingPunct="1"/>
             <a:r>
-              <a:rPr lang="es-MX" altLang="en-US" sz="2400" dirty="0"/>
+              <a:rPr lang="es-MX" altLang="en-US" dirty="0"/>
               <a:t>Podemos especificar la ubicación de un archivo con la </a:t>
             </a:r>
             <a:r>
-              <a:rPr lang="es-MX" altLang="en-US" sz="2400" dirty="0">
+              <a:rPr lang="es-MX" altLang="en-US" dirty="0">
                 <a:highlight>
                   <a:srgbClr val="FFFF00"/>
                 </a:highlight>
@@ -18133,11 +19593,11 @@
               <a:t>dirección absoluta</a:t>
             </a:r>
             <a:r>
-              <a:rPr lang="es-MX" altLang="en-US" sz="2400" dirty="0"/>
+              <a:rPr lang="es-MX" altLang="en-US" dirty="0"/>
               <a:t>, o la </a:t>
             </a:r>
             <a:r>
-              <a:rPr lang="es-MX" altLang="en-US" sz="2400" dirty="0">
+              <a:rPr lang="es-MX" altLang="en-US" dirty="0">
                 <a:highlight>
                   <a:srgbClr val="FFFF00"/>
                 </a:highlight>
@@ -18145,7 +19605,7 @@
               <a:t>dirección relativa</a:t>
             </a:r>
             <a:r>
-              <a:rPr lang="es-MX" altLang="en-US" sz="2400" dirty="0"/>
+              <a:rPr lang="es-MX" altLang="en-US" dirty="0"/>
               <a:t>. </a:t>
             </a:r>
           </a:p>
@@ -18243,50 +19703,50 @@
           <a:p>
             <a:pPr eaLnBrk="1" hangingPunct="1"/>
             <a:r>
-              <a:rPr lang="en-US" altLang="en-US" sz="2400" dirty="0" err="1"/>
+              <a:rPr lang="en-US" altLang="en-US" dirty="0" err="1"/>
               <a:t>Dependiendo</a:t>
             </a:r>
             <a:r>
-              <a:rPr lang="en-US" altLang="en-US" sz="2400" dirty="0"/>
+              <a:rPr lang="en-US" altLang="en-US" dirty="0"/>
               <a:t> del Sistema </a:t>
             </a:r>
             <a:r>
-              <a:rPr lang="en-US" altLang="en-US" sz="2400" dirty="0" err="1"/>
+              <a:rPr lang="en-US" altLang="en-US" dirty="0" err="1"/>
               <a:t>Operativo</a:t>
             </a:r>
             <a:r>
-              <a:rPr lang="en-US" altLang="en-US" sz="2400" dirty="0"/>
+              <a:rPr lang="en-US" altLang="en-US" dirty="0"/>
               <a:t>, la </a:t>
             </a:r>
             <a:r>
-              <a:rPr lang="en-US" altLang="en-US" sz="2400" dirty="0" err="1"/>
+              <a:rPr lang="en-US" altLang="en-US" dirty="0" err="1"/>
               <a:t>dirección</a:t>
             </a:r>
             <a:r>
-              <a:rPr lang="en-US" altLang="en-US" sz="2400" dirty="0"/>
+              <a:rPr lang="en-US" altLang="en-US" dirty="0"/>
               <a:t> del </a:t>
             </a:r>
             <a:r>
-              <a:rPr lang="en-US" altLang="en-US" sz="2400" dirty="0" err="1"/>
+              <a:rPr lang="en-US" altLang="en-US" dirty="0" err="1"/>
               <a:t>archivo</a:t>
             </a:r>
             <a:r>
-              <a:rPr lang="en-US" altLang="en-US" sz="2400" dirty="0"/>
+              <a:rPr lang="en-US" altLang="en-US" dirty="0"/>
               <a:t> </a:t>
             </a:r>
             <a:r>
-              <a:rPr lang="en-US" altLang="en-US" sz="2400" dirty="0" err="1"/>
+              <a:rPr lang="en-US" altLang="en-US" dirty="0" err="1"/>
               <a:t>puede</a:t>
             </a:r>
             <a:r>
-              <a:rPr lang="en-US" altLang="en-US" sz="2400" dirty="0"/>
+              <a:rPr lang="en-US" altLang="en-US" dirty="0"/>
               <a:t> </a:t>
             </a:r>
             <a:r>
-              <a:rPr lang="en-US" altLang="en-US" sz="2400" dirty="0" err="1"/>
+              <a:rPr lang="en-US" altLang="en-US" dirty="0" err="1"/>
               <a:t>variar</a:t>
             </a:r>
-            <a:endParaRPr lang="en-US" altLang="en-US" sz="2400" dirty="0"/>
+            <a:endParaRPr lang="en-US" altLang="en-US" dirty="0"/>
           </a:p>
           <a:p>
             <a:pPr lvl="1" eaLnBrk="1" hangingPunct="1"/>
@@ -18408,7 +19868,7 @@
 </p:sld>
 </file>
 
-<file path=ppt/slides/slide32.xml><?xml version="1.0" encoding="utf-8"?>
+<file path=ppt/slides/slide33.xml><?xml version="1.0" encoding="utf-8"?>
 <p:sld xmlns:a="http://schemas.openxmlformats.org/drawingml/2006/main" xmlns:r="http://schemas.openxmlformats.org/officeDocument/2006/relationships" xmlns:p="http://schemas.openxmlformats.org/presentationml/2006/main">
   <p:cSld>
     <p:spTree>
@@ -18477,7 +19937,7 @@
         </p:blipFill>
         <p:spPr bwMode="auto">
           <a:xfrm>
-            <a:off x="1224470" y="1417638"/>
+            <a:off x="2748471" y="1417638"/>
             <a:ext cx="7102407" cy="4593108"/>
           </a:xfrm>
           <a:prstGeom prst="rect">
@@ -18513,7 +19973,7 @@
 </p:sld>
 </file>
 
-<file path=ppt/slides/slide33.xml><?xml version="1.0" encoding="utf-8"?>
+<file path=ppt/slides/slide34.xml><?xml version="1.0" encoding="utf-8"?>
 <p:sld xmlns:a="http://schemas.openxmlformats.org/drawingml/2006/main" xmlns:r="http://schemas.openxmlformats.org/officeDocument/2006/relationships" xmlns:p="http://schemas.openxmlformats.org/presentationml/2006/main">
   <p:cSld>
     <p:spTree>
@@ -18548,8 +20008,8 @@
         </p:nvSpPr>
         <p:spPr>
           <a:xfrm>
-            <a:off x="438150" y="523875"/>
-            <a:ext cx="8229600" cy="1143000"/>
+            <a:off x="0" y="0"/>
+            <a:ext cx="12192000" cy="1143000"/>
           </a:xfrm>
         </p:spPr>
         <p:txBody>
@@ -18557,15 +20017,31 @@
           <a:lstStyle/>
           <a:p>
             <a:r>
-              <a:rPr lang="en-US" altLang="en-US" sz="4000"/>
-              <a:t>Caso de Estudio</a:t>
+              <a:rPr lang="en-US" altLang="en-US" sz="4000" dirty="0"/>
+              <a:t>Caso de </a:t>
+            </a:r>
+            <a:r>
+              <a:rPr lang="en-US" altLang="en-US" sz="4000" dirty="0" err="1"/>
+              <a:t>Estudio</a:t>
             </a:r>
             <a:br>
-              <a:rPr lang="en-US" altLang="en-US" sz="4000"/>
+              <a:rPr lang="en-US" altLang="en-US" sz="4000" dirty="0"/>
             </a:br>
             <a:r>
-              <a:rPr lang="en-US" altLang="en-US" sz="4000"/>
-              <a:t>Archivo separado por commas</a:t>
+              <a:rPr lang="en-US" altLang="en-US" sz="4000" dirty="0" err="1"/>
+              <a:t>Archivo</a:t>
+            </a:r>
+            <a:r>
+              <a:rPr lang="en-US" altLang="en-US" sz="4000" dirty="0"/>
+              <a:t> </a:t>
+            </a:r>
+            <a:r>
+              <a:rPr lang="en-US" altLang="en-US" sz="4000" dirty="0" err="1"/>
+              <a:t>separado</a:t>
+            </a:r>
+            <a:r>
+              <a:rPr lang="en-US" altLang="en-US" sz="4000" dirty="0"/>
+              <a:t> por commas</a:t>
             </a:r>
           </a:p>
         </p:txBody>
@@ -18588,8 +20064,8 @@
         </p:nvSpPr>
         <p:spPr>
           <a:xfrm>
-            <a:off x="457200" y="1976438"/>
-            <a:ext cx="8229600" cy="3983037"/>
+            <a:off x="626532" y="1341439"/>
+            <a:ext cx="10955867" cy="4813828"/>
           </a:xfrm>
         </p:spPr>
         <p:txBody>
@@ -18617,9 +20093,19 @@
             </a:r>
           </a:p>
           <a:p>
-            <a:pPr marL="0" indent="0">
-              <a:buFontTx/>
-              <a:buNone/>
+            <a:pPr>
+              <a:defRPr/>
+            </a:pPr>
+            <a:r>
+              <a:rPr lang="en-US" sz="2000" dirty="0">
+                <a:latin typeface="Courier New" pitchFamily="49" charset="0"/>
+                <a:cs typeface="Courier New" pitchFamily="49" charset="0"/>
+              </a:rPr>
+              <a:t>	</a:t>
+            </a:r>
+          </a:p>
+          <a:p>
+            <a:pPr>
               <a:defRPr/>
             </a:pPr>
             <a:r>
@@ -18642,9 +20128,7 @@
             </a:endParaRPr>
           </a:p>
           <a:p>
-            <a:pPr marL="0" indent="0">
-              <a:buFontTx/>
-              <a:buNone/>
+            <a:pPr>
               <a:defRPr/>
             </a:pPr>
             <a:r>
@@ -18669,9 +20153,7 @@
             </a:r>
           </a:p>
           <a:p>
-            <a:pPr marL="0" indent="0">
-              <a:buFontTx/>
-              <a:buNone/>
+            <a:pPr>
               <a:defRPr/>
             </a:pPr>
             <a:r>
@@ -18683,9 +20165,7 @@
             </a:r>
           </a:p>
           <a:p>
-            <a:pPr marL="0" indent="0">
-              <a:buFontTx/>
-              <a:buNone/>
+            <a:pPr>
               <a:defRPr/>
             </a:pPr>
             <a:r>
@@ -18710,7 +20190,7 @@
 </p:sld>
 </file>
 
-<file path=ppt/slides/slide34.xml><?xml version="1.0" encoding="utf-8"?>
+<file path=ppt/slides/slide35.xml><?xml version="1.0" encoding="utf-8"?>
 <p:sld xmlns:a="http://schemas.openxmlformats.org/drawingml/2006/main" xmlns:r="http://schemas.openxmlformats.org/officeDocument/2006/relationships" xmlns:p="http://schemas.openxmlformats.org/presentationml/2006/main">
   <p:cSld>
     <p:spTree>
@@ -18778,9 +20258,6 @@
           <a:bodyPr/>
           <a:lstStyle/>
           <a:p>
-            <a:pPr marL="0" indent="0" eaLnBrk="1" hangingPunct="1">
-              <a:buNone/>
-            </a:pPr>
             <a:r>
               <a:rPr lang="es-MX" altLang="en-US" dirty="0"/>
               <a:t>Utilizamos la instrucción SPLIT para generar un arreglo en donde cada posición corresponde a un elemento de la lista.</a:t>
@@ -18818,7 +20295,7 @@
         </p:blipFill>
         <p:spPr bwMode="auto">
           <a:xfrm>
-            <a:off x="570783" y="3615967"/>
+            <a:off x="2094784" y="3615968"/>
             <a:ext cx="7254875" cy="1792287"/>
           </a:xfrm>
           <a:prstGeom prst="rect">
@@ -18867,7 +20344,7 @@
 </p:sld>
 </file>
 
-<file path=ppt/slides/slide35.xml><?xml version="1.0" encoding="utf-8"?>
+<file path=ppt/slides/slide36.xml><?xml version="1.0" encoding="utf-8"?>
 <p:sld xmlns:a="http://schemas.openxmlformats.org/drawingml/2006/main" xmlns:r="http://schemas.openxmlformats.org/officeDocument/2006/relationships" xmlns:p="http://schemas.openxmlformats.org/presentationml/2006/main">
   <p:cSld>
     <p:spTree>
@@ -18915,7 +20392,7 @@
         </p:blipFill>
         <p:spPr>
           <a:xfrm>
-            <a:off x="1290638" y="128588"/>
+            <a:off x="2814639" y="128589"/>
             <a:ext cx="6562725" cy="6276975"/>
           </a:xfrm>
         </p:spPr>
@@ -18928,7 +20405,7 @@
 </p:sld>
 </file>
 
-<file path=ppt/slides/slide36.xml><?xml version="1.0" encoding="utf-8"?>
+<file path=ppt/slides/slide37.xml><?xml version="1.0" encoding="utf-8"?>
 <p:sld xmlns:a="http://schemas.openxmlformats.org/drawingml/2006/main" xmlns:r="http://schemas.openxmlformats.org/officeDocument/2006/relationships" xmlns:p="http://schemas.openxmlformats.org/presentationml/2006/main">
   <p:cSld>
     <p:spTree>
@@ -19049,7 +20526,7 @@
 </p:sld>
 </file>
 
-<file path=ppt/slides/slide37.xml><?xml version="1.0" encoding="utf-8"?>
+<file path=ppt/slides/slide38.xml><?xml version="1.0" encoding="utf-8"?>
 <p:sld xmlns:a="http://schemas.openxmlformats.org/drawingml/2006/main" xmlns:r="http://schemas.openxmlformats.org/officeDocument/2006/relationships" xmlns:p="http://schemas.openxmlformats.org/presentationml/2006/main">
   <p:cSld>
     <p:spTree>
@@ -19174,7 +20651,7 @@
 </p:sld>
 </file>
 
-<file path=ppt/slides/slide38.xml><?xml version="1.0" encoding="utf-8"?>
+<file path=ppt/slides/slide39.xml><?xml version="1.0" encoding="utf-8"?>
 <p:sld xmlns:a="http://schemas.openxmlformats.org/drawingml/2006/main" xmlns:r="http://schemas.openxmlformats.org/officeDocument/2006/relationships" xmlns:p="http://schemas.openxmlformats.org/presentationml/2006/main">
   <p:cSld>
     <p:spTree>
@@ -19209,7 +20686,7 @@
         </p:nvSpPr>
         <p:spPr>
           <a:xfrm>
-            <a:off x="342900" y="246064"/>
+            <a:off x="1866900" y="246064"/>
             <a:ext cx="8229600" cy="1751350"/>
           </a:xfrm>
         </p:spPr>
@@ -19217,10 +20694,6 @@
           <a:bodyPr/>
           <a:lstStyle/>
           <a:p>
-            <a:pPr marL="0" indent="0">
-              <a:buFontTx/>
-              <a:buNone/>
-            </a:pPr>
             <a:r>
               <a:rPr lang="es-MX" altLang="en-US" sz="2000" dirty="0"/>
               <a:t>Tenemos una clase llamada </a:t>
@@ -19263,10 +20736,6 @@
             </a:r>
           </a:p>
           <a:p>
-            <a:pPr marL="0" indent="0">
-              <a:buFontTx/>
-              <a:buNone/>
-            </a:pPr>
             <a:r>
               <a:rPr lang="es-MX" altLang="en-US" sz="2000" dirty="0"/>
               <a:t>Ojo con la variable </a:t>
@@ -19356,93 +20825,8 @@
         </p:blipFill>
         <p:spPr bwMode="auto">
           <a:xfrm>
-            <a:off x="501650" y="2163763"/>
+            <a:off x="2025651" y="2163764"/>
             <a:ext cx="6727825" cy="4065587"/>
-          </a:xfrm>
-          <a:prstGeom prst="rect">
-            <a:avLst/>
-          </a:prstGeom>
-          <a:noFill/>
-          <a:ln>
-            <a:noFill/>
-          </a:ln>
-          <a:extLst>
-            <a:ext uri="{909E8E84-426E-40DD-AFC4-6F175D3DCCD1}">
-              <a14:hiddenFill xmlns:a14="http://schemas.microsoft.com/office/drawing/2010/main">
-                <a:solidFill>
-                  <a:srgbClr val="FFFFFF"/>
-                </a:solidFill>
-              </a14:hiddenFill>
-            </a:ext>
-            <a:ext uri="{91240B29-F687-4F45-9708-019B960494DF}">
-              <a14:hiddenLine xmlns:a14="http://schemas.microsoft.com/office/drawing/2010/main" w="9525">
-                <a:solidFill>
-                  <a:srgbClr val="000000"/>
-                </a:solidFill>
-                <a:miter lim="800000"/>
-                <a:headEnd/>
-                <a:tailEnd/>
-              </a14:hiddenLine>
-            </a:ext>
-          </a:extLst>
-        </p:spPr>
-      </p:pic>
-    </p:spTree>
-  </p:cSld>
-  <p:clrMapOvr>
-    <a:masterClrMapping/>
-  </p:clrMapOvr>
-</p:sld>
-</file>
-
-<file path=ppt/slides/slide39.xml><?xml version="1.0" encoding="utf-8"?>
-<p:sld xmlns:a="http://schemas.openxmlformats.org/drawingml/2006/main" xmlns:r="http://schemas.openxmlformats.org/officeDocument/2006/relationships" xmlns:p="http://schemas.openxmlformats.org/presentationml/2006/main">
-  <p:cSld>
-    <p:spTree>
-      <p:nvGrpSpPr>
-        <p:cNvPr id="1" name=""/>
-        <p:cNvGrpSpPr/>
-        <p:nvPr/>
-      </p:nvGrpSpPr>
-      <p:grpSpPr>
-        <a:xfrm>
-          <a:off x="0" y="0"/>
-          <a:ext cx="0" cy="0"/>
-          <a:chOff x="0" y="0"/>
-          <a:chExt cx="0" cy="0"/>
-        </a:xfrm>
-      </p:grpSpPr>
-      <p:pic>
-        <p:nvPicPr>
-          <p:cNvPr id="48130" name="Picture 4" descr="Screen Clipping">
-            <a:extLst>
-              <a:ext uri="{FF2B5EF4-FFF2-40B4-BE49-F238E27FC236}">
-                <a16:creationId xmlns:a16="http://schemas.microsoft.com/office/drawing/2014/main" id="{5764487D-4F01-4D2A-9F73-ECCB5E2524C1}"/>
-              </a:ext>
-            </a:extLst>
-          </p:cNvPr>
-          <p:cNvPicPr>
-            <a:picLocks noChangeAspect="1"/>
-          </p:cNvPicPr>
-          <p:nvPr/>
-        </p:nvPicPr>
-        <p:blipFill>
-          <a:blip r:embed="rId2">
-            <a:extLst>
-              <a:ext uri="{28A0092B-C50C-407E-A947-70E740481C1C}">
-                <a14:useLocalDpi xmlns:a14="http://schemas.microsoft.com/office/drawing/2010/main" val="0"/>
-              </a:ext>
-            </a:extLst>
-          </a:blip>
-          <a:srcRect/>
-          <a:stretch>
-            <a:fillRect/>
-          </a:stretch>
-        </p:blipFill>
-        <p:spPr bwMode="auto">
-          <a:xfrm>
-            <a:off x="373063" y="347663"/>
-            <a:ext cx="8770937" cy="6040437"/>
           </a:xfrm>
           <a:prstGeom prst="rect">
             <a:avLst/>
@@ -19550,120 +20934,195 @@
           <a:bodyPr/>
           <a:lstStyle/>
           <a:p>
-            <a:pPr marL="0" indent="0">
-              <a:buNone/>
-            </a:pPr>
-            <a:r>
-              <a:rPr lang="en-US" dirty="0" err="1"/>
+            <a:r>
+              <a:rPr lang="en-US" dirty="0" err="1">
+                <a:latin typeface="72" panose="020B0503030000000003" pitchFamily="34" charset="0"/>
+                <a:cs typeface="72" panose="020B0503030000000003" pitchFamily="34" charset="0"/>
+              </a:rPr>
               <a:t>Recordemos</a:t>
             </a:r>
             <a:r>
-              <a:rPr lang="en-US" dirty="0"/>
+              <a:rPr lang="en-US" dirty="0">
+                <a:latin typeface="72" panose="020B0503030000000003" pitchFamily="34" charset="0"/>
+                <a:cs typeface="72" panose="020B0503030000000003" pitchFamily="34" charset="0"/>
+              </a:rPr>
               <a:t> que las </a:t>
             </a:r>
             <a:r>
-              <a:rPr lang="en-US" dirty="0" err="1"/>
+              <a:rPr lang="en-US" dirty="0" err="1">
+                <a:latin typeface="72" panose="020B0503030000000003" pitchFamily="34" charset="0"/>
+                <a:cs typeface="72" panose="020B0503030000000003" pitchFamily="34" charset="0"/>
+              </a:rPr>
               <a:t>computadoras</a:t>
             </a:r>
             <a:r>
-              <a:rPr lang="en-US" dirty="0"/>
+              <a:rPr lang="en-US" dirty="0">
+                <a:latin typeface="72" panose="020B0503030000000003" pitchFamily="34" charset="0"/>
+                <a:cs typeface="72" panose="020B0503030000000003" pitchFamily="34" charset="0"/>
+              </a:rPr>
               <a:t> no </a:t>
             </a:r>
             <a:r>
-              <a:rPr lang="en-US" dirty="0" err="1"/>
+              <a:rPr lang="en-US" dirty="0" err="1">
+                <a:latin typeface="72" panose="020B0503030000000003" pitchFamily="34" charset="0"/>
+                <a:cs typeface="72" panose="020B0503030000000003" pitchFamily="34" charset="0"/>
+              </a:rPr>
               <a:t>pueden</a:t>
             </a:r>
             <a:r>
-              <a:rPr lang="en-US" dirty="0"/>
+              <a:rPr lang="en-US" dirty="0">
+                <a:latin typeface="72" panose="020B0503030000000003" pitchFamily="34" charset="0"/>
+                <a:cs typeface="72" panose="020B0503030000000003" pitchFamily="34" charset="0"/>
+              </a:rPr>
               <a:t> </a:t>
             </a:r>
             <a:r>
-              <a:rPr lang="en-US" dirty="0" err="1"/>
+              <a:rPr lang="en-US" dirty="0" err="1">
+                <a:latin typeface="72" panose="020B0503030000000003" pitchFamily="34" charset="0"/>
+                <a:cs typeface="72" panose="020B0503030000000003" pitchFamily="34" charset="0"/>
+              </a:rPr>
               <a:t>almacenar</a:t>
             </a:r>
             <a:r>
-              <a:rPr lang="en-US" dirty="0"/>
+              <a:rPr lang="en-US" dirty="0">
+                <a:latin typeface="72" panose="020B0503030000000003" pitchFamily="34" charset="0"/>
+                <a:cs typeface="72" panose="020B0503030000000003" pitchFamily="34" charset="0"/>
+              </a:rPr>
               <a:t> “</a:t>
             </a:r>
             <a:r>
-              <a:rPr lang="en-US" dirty="0" err="1"/>
+              <a:rPr lang="en-US" dirty="0" err="1">
+                <a:latin typeface="72" panose="020B0503030000000003" pitchFamily="34" charset="0"/>
+                <a:cs typeface="72" panose="020B0503030000000003" pitchFamily="34" charset="0"/>
+              </a:rPr>
               <a:t>letras</a:t>
             </a:r>
             <a:r>
-              <a:rPr lang="en-US" dirty="0"/>
+              <a:rPr lang="en-US" dirty="0">
+                <a:latin typeface="72" panose="020B0503030000000003" pitchFamily="34" charset="0"/>
+                <a:cs typeface="72" panose="020B0503030000000003" pitchFamily="34" charset="0"/>
+              </a:rPr>
               <a:t>”, “</a:t>
             </a:r>
             <a:r>
-              <a:rPr lang="en-US" dirty="0" err="1"/>
+              <a:rPr lang="en-US" dirty="0" err="1">
+                <a:latin typeface="72" panose="020B0503030000000003" pitchFamily="34" charset="0"/>
+                <a:cs typeface="72" panose="020B0503030000000003" pitchFamily="34" charset="0"/>
+              </a:rPr>
               <a:t>números</a:t>
             </a:r>
             <a:r>
-              <a:rPr lang="en-US" dirty="0"/>
+              <a:rPr lang="en-US" dirty="0">
+                <a:latin typeface="72" panose="020B0503030000000003" pitchFamily="34" charset="0"/>
+                <a:cs typeface="72" panose="020B0503030000000003" pitchFamily="34" charset="0"/>
+              </a:rPr>
               <a:t>”, “</a:t>
             </a:r>
             <a:r>
-              <a:rPr lang="en-US" dirty="0" err="1"/>
+              <a:rPr lang="en-US" dirty="0" err="1">
+                <a:latin typeface="72" panose="020B0503030000000003" pitchFamily="34" charset="0"/>
+                <a:cs typeface="72" panose="020B0503030000000003" pitchFamily="34" charset="0"/>
+              </a:rPr>
               <a:t>fotos</a:t>
             </a:r>
             <a:r>
-              <a:rPr lang="en-US" dirty="0"/>
+              <a:rPr lang="en-US" dirty="0">
+                <a:latin typeface="72" panose="020B0503030000000003" pitchFamily="34" charset="0"/>
+                <a:cs typeface="72" panose="020B0503030000000003" pitchFamily="34" charset="0"/>
+              </a:rPr>
               <a:t>” o “videos”.</a:t>
             </a:r>
           </a:p>
           <a:p>
-            <a:pPr marL="0" indent="0">
-              <a:buNone/>
-            </a:pPr>
-            <a:r>
-              <a:rPr lang="en-US" dirty="0"/>
+            <a:r>
+              <a:rPr lang="en-US" dirty="0">
+                <a:latin typeface="72" panose="020B0503030000000003" pitchFamily="34" charset="0"/>
+                <a:cs typeface="72" panose="020B0503030000000003" pitchFamily="34" charset="0"/>
+              </a:rPr>
               <a:t>Lo </a:t>
             </a:r>
             <a:r>
-              <a:rPr lang="en-US" dirty="0" err="1"/>
+              <a:rPr lang="en-US" dirty="0" err="1">
+                <a:latin typeface="72" panose="020B0503030000000003" pitchFamily="34" charset="0"/>
+                <a:cs typeface="72" panose="020B0503030000000003" pitchFamily="34" charset="0"/>
+              </a:rPr>
               <a:t>único</a:t>
             </a:r>
             <a:r>
-              <a:rPr lang="en-US" dirty="0"/>
+              <a:rPr lang="en-US" dirty="0">
+                <a:latin typeface="72" panose="020B0503030000000003" pitchFamily="34" charset="0"/>
+                <a:cs typeface="72" panose="020B0503030000000003" pitchFamily="34" charset="0"/>
+              </a:rPr>
               <a:t> que </a:t>
             </a:r>
             <a:r>
-              <a:rPr lang="en-US" dirty="0" err="1"/>
+              <a:rPr lang="en-US" dirty="0" err="1">
+                <a:latin typeface="72" panose="020B0503030000000003" pitchFamily="34" charset="0"/>
+                <a:cs typeface="72" panose="020B0503030000000003" pitchFamily="34" charset="0"/>
+              </a:rPr>
               <a:t>puede</a:t>
             </a:r>
             <a:r>
-              <a:rPr lang="en-US" dirty="0"/>
+              <a:rPr lang="en-US" dirty="0">
+                <a:latin typeface="72" panose="020B0503030000000003" pitchFamily="34" charset="0"/>
+                <a:cs typeface="72" panose="020B0503030000000003" pitchFamily="34" charset="0"/>
+              </a:rPr>
               <a:t> </a:t>
             </a:r>
             <a:r>
-              <a:rPr lang="en-US" dirty="0" err="1"/>
+              <a:rPr lang="en-US" dirty="0" err="1">
+                <a:latin typeface="72" panose="020B0503030000000003" pitchFamily="34" charset="0"/>
+                <a:cs typeface="72" panose="020B0503030000000003" pitchFamily="34" charset="0"/>
+              </a:rPr>
               <a:t>almacenar</a:t>
             </a:r>
             <a:r>
-              <a:rPr lang="en-US" dirty="0"/>
+              <a:rPr lang="en-US" dirty="0">
+                <a:latin typeface="72" panose="020B0503030000000003" pitchFamily="34" charset="0"/>
+                <a:cs typeface="72" panose="020B0503030000000003" pitchFamily="34" charset="0"/>
+              </a:rPr>
               <a:t> una </a:t>
             </a:r>
             <a:r>
-              <a:rPr lang="en-US" dirty="0" err="1"/>
+              <a:rPr lang="en-US" dirty="0" err="1">
+                <a:latin typeface="72" panose="020B0503030000000003" pitchFamily="34" charset="0"/>
+                <a:cs typeface="72" panose="020B0503030000000003" pitchFamily="34" charset="0"/>
+              </a:rPr>
               <a:t>computadora</a:t>
             </a:r>
             <a:r>
-              <a:rPr lang="en-US" dirty="0"/>
+              <a:rPr lang="en-US" dirty="0">
+                <a:latin typeface="72" panose="020B0503030000000003" pitchFamily="34" charset="0"/>
+                <a:cs typeface="72" panose="020B0503030000000003" pitchFamily="34" charset="0"/>
+              </a:rPr>
               <a:t> son </a:t>
             </a:r>
             <a:r>
-              <a:rPr lang="en-US" i="1" dirty="0"/>
+              <a:rPr lang="en-US" i="1" dirty="0">
+                <a:latin typeface="72" panose="020B0503030000000003" pitchFamily="34" charset="0"/>
+                <a:cs typeface="72" panose="020B0503030000000003" pitchFamily="34" charset="0"/>
+              </a:rPr>
               <a:t>bits</a:t>
             </a:r>
             <a:r>
-              <a:rPr lang="en-US" dirty="0"/>
+              <a:rPr lang="en-US" dirty="0">
+                <a:latin typeface="72" panose="020B0503030000000003" pitchFamily="34" charset="0"/>
+                <a:cs typeface="72" panose="020B0503030000000003" pitchFamily="34" charset="0"/>
+              </a:rPr>
               <a:t>, es </a:t>
             </a:r>
             <a:r>
-              <a:rPr lang="en-US" dirty="0" err="1"/>
+              <a:rPr lang="en-US" dirty="0" err="1">
+                <a:latin typeface="72" panose="020B0503030000000003" pitchFamily="34" charset="0"/>
+                <a:cs typeface="72" panose="020B0503030000000003" pitchFamily="34" charset="0"/>
+              </a:rPr>
               <a:t>decir</a:t>
             </a:r>
             <a:r>
-              <a:rPr lang="en-US" dirty="0"/>
+              <a:rPr lang="en-US" dirty="0">
+                <a:latin typeface="72" panose="020B0503030000000003" pitchFamily="34" charset="0"/>
+                <a:cs typeface="72" panose="020B0503030000000003" pitchFamily="34" charset="0"/>
+              </a:rPr>
               <a:t>, 0’s y 1’s.</a:t>
             </a:r>
           </a:p>
@@ -19697,7 +21156,7 @@
         </p:blipFill>
         <p:spPr>
           <a:xfrm>
-            <a:off x="556437" y="3125971"/>
+            <a:off x="2080438" y="3125971"/>
             <a:ext cx="2507955" cy="3343940"/>
           </a:xfrm>
           <a:prstGeom prst="rect">
@@ -19733,7 +21192,7 @@
         </p:blipFill>
         <p:spPr>
           <a:xfrm>
-            <a:off x="4572000" y="3342166"/>
+            <a:off x="6096001" y="3342167"/>
             <a:ext cx="4512221" cy="3127745"/>
           </a:xfrm>
           <a:prstGeom prst="rect">
@@ -19757,7 +21216,7 @@
         </p:nvCxnSpPr>
         <p:spPr bwMode="auto">
           <a:xfrm>
-            <a:off x="3253563" y="4797941"/>
+            <a:off x="4777564" y="4797941"/>
             <a:ext cx="1169581" cy="0"/>
           </a:xfrm>
           <a:prstGeom prst="straightConnector1">
@@ -19790,7 +21249,7 @@
         </p:nvSpPr>
         <p:spPr>
           <a:xfrm>
-            <a:off x="6184604" y="3059668"/>
+            <a:off x="7708604" y="3059668"/>
             <a:ext cx="2959396" cy="369332"/>
           </a:xfrm>
           <a:prstGeom prst="rect">
@@ -20220,6 +21679,91 @@
           <a:chExt cx="0" cy="0"/>
         </a:xfrm>
       </p:grpSpPr>
+      <p:pic>
+        <p:nvPicPr>
+          <p:cNvPr id="48130" name="Picture 4" descr="Screen Clipping">
+            <a:extLst>
+              <a:ext uri="{FF2B5EF4-FFF2-40B4-BE49-F238E27FC236}">
+                <a16:creationId xmlns:a16="http://schemas.microsoft.com/office/drawing/2014/main" id="{5764487D-4F01-4D2A-9F73-ECCB5E2524C1}"/>
+              </a:ext>
+            </a:extLst>
+          </p:cNvPr>
+          <p:cNvPicPr>
+            <a:picLocks noChangeAspect="1"/>
+          </p:cNvPicPr>
+          <p:nvPr/>
+        </p:nvPicPr>
+        <p:blipFill>
+          <a:blip r:embed="rId2">
+            <a:extLst>
+              <a:ext uri="{28A0092B-C50C-407E-A947-70E740481C1C}">
+                <a14:useLocalDpi xmlns:a14="http://schemas.microsoft.com/office/drawing/2010/main" val="0"/>
+              </a:ext>
+            </a:extLst>
+          </a:blip>
+          <a:srcRect/>
+          <a:stretch>
+            <a:fillRect/>
+          </a:stretch>
+        </p:blipFill>
+        <p:spPr bwMode="auto">
+          <a:xfrm>
+            <a:off x="1897064" y="347664"/>
+            <a:ext cx="8770937" cy="6040437"/>
+          </a:xfrm>
+          <a:prstGeom prst="rect">
+            <a:avLst/>
+          </a:prstGeom>
+          <a:noFill/>
+          <a:ln>
+            <a:noFill/>
+          </a:ln>
+          <a:extLst>
+            <a:ext uri="{909E8E84-426E-40DD-AFC4-6F175D3DCCD1}">
+              <a14:hiddenFill xmlns:a14="http://schemas.microsoft.com/office/drawing/2010/main">
+                <a:solidFill>
+                  <a:srgbClr val="FFFFFF"/>
+                </a:solidFill>
+              </a14:hiddenFill>
+            </a:ext>
+            <a:ext uri="{91240B29-F687-4F45-9708-019B960494DF}">
+              <a14:hiddenLine xmlns:a14="http://schemas.microsoft.com/office/drawing/2010/main" w="9525">
+                <a:solidFill>
+                  <a:srgbClr val="000000"/>
+                </a:solidFill>
+                <a:miter lim="800000"/>
+                <a:headEnd/>
+                <a:tailEnd/>
+              </a14:hiddenLine>
+            </a:ext>
+          </a:extLst>
+        </p:spPr>
+      </p:pic>
+    </p:spTree>
+  </p:cSld>
+  <p:clrMapOvr>
+    <a:masterClrMapping/>
+  </p:clrMapOvr>
+</p:sld>
+</file>
+
+<file path=ppt/slides/slide41.xml><?xml version="1.0" encoding="utf-8"?>
+<p:sld xmlns:a="http://schemas.openxmlformats.org/drawingml/2006/main" xmlns:r="http://schemas.openxmlformats.org/officeDocument/2006/relationships" xmlns:p="http://schemas.openxmlformats.org/presentationml/2006/main">
+  <p:cSld>
+    <p:spTree>
+      <p:nvGrpSpPr>
+        <p:cNvPr id="1" name=""/>
+        <p:cNvGrpSpPr/>
+        <p:nvPr/>
+      </p:nvGrpSpPr>
+      <p:grpSpPr>
+        <a:xfrm>
+          <a:off x="0" y="0"/>
+          <a:ext cx="0" cy="0"/>
+          <a:chOff x="0" y="0"/>
+          <a:chExt cx="0" cy="0"/>
+        </a:xfrm>
+      </p:grpSpPr>
       <p:sp>
         <p:nvSpPr>
           <p:cNvPr id="49154" name="Title 1">
@@ -20238,8 +21782,8 @@
         </p:nvSpPr>
         <p:spPr>
           <a:xfrm>
-            <a:off x="457200" y="274638"/>
-            <a:ext cx="8229600" cy="700087"/>
+            <a:off x="0" y="0"/>
+            <a:ext cx="12192000" cy="700087"/>
           </a:xfrm>
         </p:spPr>
         <p:txBody>
@@ -20272,8 +21816,8 @@
         </p:nvSpPr>
         <p:spPr>
           <a:xfrm>
-            <a:off x="457200" y="974725"/>
-            <a:ext cx="8229600" cy="5151438"/>
+            <a:off x="634999" y="974725"/>
+            <a:ext cx="10905067" cy="5151438"/>
           </a:xfrm>
         </p:spPr>
         <p:txBody>
@@ -20281,63 +21825,64 @@
           <a:lstStyle/>
           <a:p>
             <a:r>
-              <a:rPr lang="es-MX" altLang="en-US"/>
+              <a:rPr lang="es-MX" altLang="en-US" dirty="0"/>
               <a:t>En el código anterior vemos un objeto de la clase </a:t>
             </a:r>
             <a:r>
-              <a:rPr lang="es-MX" altLang="en-US" b="1"/>
+              <a:rPr lang="es-MX" altLang="en-US" b="1" dirty="0"/>
               <a:t>Estudiante</a:t>
             </a:r>
             <a:r>
-              <a:rPr lang="es-MX" altLang="en-US"/>
+              <a:rPr lang="es-MX" altLang="en-US" dirty="0"/>
               <a:t> instanciarse. Después, se abre un buffer del archivo “</a:t>
             </a:r>
             <a:r>
-              <a:rPr lang="es-MX" altLang="en-US" b="1"/>
+              <a:rPr lang="es-MX" altLang="en-US" b="1" dirty="0" err="1"/>
               <a:t>estudiante</a:t>
             </a:r>
             <a:r>
-              <a:rPr lang="es-MX" altLang="en-US"/>
+              <a:rPr lang="es-MX" altLang="en-US" dirty="0" err="1"/>
               <a:t>”</a:t>
             </a:r>
             <a:r>
-              <a:rPr lang="es-MX" altLang="en-US" b="1"/>
+              <a:rPr lang="es-MX" altLang="en-US" b="1" dirty="0" err="1"/>
               <a:t>.a</a:t>
             </a:r>
-          </a:p>
-          <a:p>
-            <a:r>
-              <a:rPr lang="es-MX" altLang="en-US"/>
+            <a:endParaRPr lang="es-MX" altLang="en-US" b="1" dirty="0"/>
+          </a:p>
+          <a:p>
+            <a:r>
+              <a:rPr lang="es-MX" altLang="en-US" dirty="0"/>
               <a:t>A través del método </a:t>
             </a:r>
             <a:r>
-              <a:rPr lang="es-MX" altLang="en-US" b="1"/>
+              <a:rPr lang="es-MX" altLang="en-US" b="1" dirty="0" err="1"/>
               <a:t>writeObject</a:t>
             </a:r>
             <a:r>
-              <a:rPr lang="es-MX" altLang="en-US"/>
+              <a:rPr lang="es-MX" altLang="en-US" dirty="0"/>
               <a:t> de la clase </a:t>
             </a:r>
             <a:r>
-              <a:rPr lang="es-MX" altLang="en-US" b="1"/>
+              <a:rPr lang="es-MX" altLang="en-US" b="1" dirty="0" err="1"/>
               <a:t>ObjectOutputStream</a:t>
             </a:r>
             <a:r>
-              <a:rPr lang="es-MX" altLang="en-US"/>
+              <a:rPr lang="es-MX" altLang="en-US" dirty="0"/>
               <a:t>, serializamos el objeto </a:t>
             </a:r>
             <a:r>
-              <a:rPr lang="es-MX" altLang="en-US" b="1"/>
+              <a:rPr lang="es-MX" altLang="en-US" b="1" dirty="0"/>
               <a:t>Estudiante Omar</a:t>
             </a:r>
             <a:r>
-              <a:rPr lang="es-MX" altLang="en-US"/>
+              <a:rPr lang="es-MX" altLang="en-US" dirty="0"/>
               <a:t>.</a:t>
             </a:r>
           </a:p>
           <a:p>
             <a:r>
-              <a:rPr lang="es-MX" altLang="en-US"/>
+              <a:rPr lang="es-MX" altLang="en-US" dirty="0"/>
               <a:t>Esto genera un nuevo archivo en la ruta determinada</a:t>
             </a:r>
           </a:p>
@@ -20351,7 +21896,7 @@
 </p:sld>
 </file>
 
-<file path=ppt/slides/slide41.xml><?xml version="1.0" encoding="utf-8"?>
+<file path=ppt/slides/slide42.xml><?xml version="1.0" encoding="utf-8"?>
 <p:sld xmlns:a="http://schemas.openxmlformats.org/drawingml/2006/main" xmlns:r="http://schemas.openxmlformats.org/officeDocument/2006/relationships" xmlns:p="http://schemas.openxmlformats.org/presentationml/2006/main">
   <p:cSld>
     <p:spTree>
@@ -20397,7 +21942,7 @@
         </p:blipFill>
         <p:spPr bwMode="auto">
           <a:xfrm>
-            <a:off x="769938" y="1808163"/>
+            <a:off x="2293938" y="1808163"/>
             <a:ext cx="6716712" cy="2354262"/>
           </a:xfrm>
           <a:prstGeom prst="rect">
@@ -20446,7 +21991,7 @@
         </p:nvSpPr>
         <p:spPr>
           <a:xfrm>
-            <a:off x="12700" y="127000"/>
+            <a:off x="1536700" y="127001"/>
             <a:ext cx="8229600" cy="1782763"/>
           </a:xfrm>
         </p:spPr>
@@ -20490,7 +22035,7 @@
         </p:blipFill>
         <p:spPr bwMode="auto">
           <a:xfrm>
-            <a:off x="439738" y="4340225"/>
+            <a:off x="1963738" y="4340225"/>
             <a:ext cx="7383462" cy="1828800"/>
           </a:xfrm>
           <a:prstGeom prst="rect">
@@ -20529,7 +22074,7 @@
 </p:sld>
 </file>
 
-<file path=ppt/slides/slide42.xml><?xml version="1.0" encoding="utf-8"?>
+<file path=ppt/slides/slide43.xml><?xml version="1.0" encoding="utf-8"?>
 <p:sld xmlns:a="http://schemas.openxmlformats.org/drawingml/2006/main" xmlns:r="http://schemas.openxmlformats.org/officeDocument/2006/relationships" xmlns:p="http://schemas.openxmlformats.org/presentationml/2006/main">
   <p:cSld>
     <p:spTree>
@@ -20624,7 +22169,7 @@
 </p:sld>
 </file>
 
-<file path=ppt/slides/slide43.xml><?xml version="1.0" encoding="utf-8"?>
+<file path=ppt/slides/slide44.xml><?xml version="1.0" encoding="utf-8"?>
 <p:sld xmlns:a="http://schemas.openxmlformats.org/drawingml/2006/main" xmlns:r="http://schemas.openxmlformats.org/officeDocument/2006/relationships" xmlns:p="http://schemas.openxmlformats.org/presentationml/2006/main">
   <p:cSld>
     <p:spTree>
@@ -20670,7 +22215,7 @@
         </p:blipFill>
         <p:spPr bwMode="auto">
           <a:xfrm>
-            <a:off x="406400" y="249238"/>
+            <a:off x="1930401" y="249238"/>
             <a:ext cx="8145463" cy="6037262"/>
           </a:xfrm>
           <a:prstGeom prst="rect">
@@ -20709,7 +22254,7 @@
 </p:sld>
 </file>
 
-<file path=ppt/slides/slide44.xml><?xml version="1.0" encoding="utf-8"?>
+<file path=ppt/slides/slide45.xml><?xml version="1.0" encoding="utf-8"?>
 <p:sld xmlns:a="http://schemas.openxmlformats.org/drawingml/2006/main" xmlns:r="http://schemas.openxmlformats.org/officeDocument/2006/relationships" xmlns:p="http://schemas.openxmlformats.org/presentationml/2006/main">
   <p:cSld>
     <p:spTree>
@@ -20773,8 +22318,8 @@
         </p:nvSpPr>
         <p:spPr>
           <a:xfrm>
-            <a:off x="115888" y="1089025"/>
-            <a:ext cx="8845550" cy="5259388"/>
+            <a:off x="643467" y="1089025"/>
+            <a:ext cx="10947400" cy="5259388"/>
           </a:xfrm>
         </p:spPr>
         <p:txBody>
@@ -20785,23 +22330,23 @@
               <a:defRPr/>
             </a:pPr>
             <a:r>
-              <a:rPr lang="es-MX" sz="2400" dirty="0"/>
+              <a:rPr lang="es-MX" dirty="0"/>
               <a:t>Nótese como se busca el archivo “</a:t>
             </a:r>
             <a:r>
-              <a:rPr lang="es-MX" sz="2400" dirty="0" err="1"/>
+              <a:rPr lang="es-MX" dirty="0" err="1"/>
               <a:t>estudiante.ser</a:t>
             </a:r>
             <a:r>
-              <a:rPr lang="es-MX" sz="2400" dirty="0"/>
+              <a:rPr lang="es-MX" dirty="0"/>
               <a:t>” y comienza su lectura a través de la clase </a:t>
             </a:r>
             <a:r>
-              <a:rPr lang="es-MX" sz="2400" b="1" dirty="0" err="1"/>
+              <a:rPr lang="es-MX" b="1" dirty="0" err="1"/>
               <a:t>ObjectInputStream</a:t>
             </a:r>
             <a:r>
-              <a:rPr lang="es-MX" sz="2400" dirty="0"/>
+              <a:rPr lang="es-MX" dirty="0"/>
               <a:t>.</a:t>
             </a:r>
           </a:p>
@@ -20810,35 +22355,35 @@
               <a:defRPr/>
             </a:pPr>
             <a:r>
-              <a:rPr lang="es-MX" sz="2400" dirty="0"/>
+              <a:rPr lang="es-MX" dirty="0"/>
               <a:t>Ahora, se invoca el método</a:t>
             </a:r>
             <a:r>
-              <a:rPr lang="es-MX" sz="2400" b="1" dirty="0"/>
+              <a:rPr lang="es-MX" b="1" dirty="0"/>
               <a:t> </a:t>
             </a:r>
             <a:r>
-              <a:rPr lang="es-MX" sz="2400" b="1" dirty="0" err="1"/>
+              <a:rPr lang="es-MX" b="1" dirty="0" err="1"/>
               <a:t>readObject</a:t>
             </a:r>
             <a:r>
-              <a:rPr lang="es-MX" sz="2400" b="1" dirty="0"/>
+              <a:rPr lang="es-MX" b="1" dirty="0"/>
               <a:t>()</a:t>
             </a:r>
             <a:r>
-              <a:rPr lang="es-MX" sz="2400" dirty="0"/>
+              <a:rPr lang="es-MX" dirty="0"/>
               <a:t> que tiene un valor de retorno de tipo </a:t>
             </a:r>
             <a:r>
-              <a:rPr lang="es-MX" sz="2400" b="1" dirty="0" err="1"/>
+              <a:rPr lang="es-MX" b="1" dirty="0" err="1"/>
               <a:t>Object</a:t>
             </a:r>
             <a:r>
-              <a:rPr lang="es-MX" sz="2400" b="1" dirty="0"/>
+              <a:rPr lang="es-MX" b="1" dirty="0"/>
               <a:t>,</a:t>
             </a:r>
             <a:r>
-              <a:rPr lang="es-MX" sz="2400" dirty="0"/>
+              <a:rPr lang="es-MX" dirty="0"/>
               <a:t> y se realiza un casting a una variable de tipo “Estudiante”.</a:t>
             </a:r>
           </a:p>
@@ -20847,96 +22392,94 @@
               <a:defRPr/>
             </a:pPr>
             <a:r>
-              <a:rPr lang="es-MX" sz="2400" dirty="0"/>
+              <a:rPr lang="es-MX" dirty="0"/>
               <a:t>Nótese la firma del método </a:t>
             </a:r>
             <a:r>
-              <a:rPr lang="es-MX" sz="2400" b="1" dirty="0" err="1"/>
+              <a:rPr lang="es-MX" b="1" dirty="0" err="1"/>
               <a:t>readObject</a:t>
             </a:r>
             <a:r>
-              <a:rPr lang="es-MX" sz="2400" b="1" dirty="0"/>
+              <a:rPr lang="es-MX" b="1" dirty="0"/>
               <a:t>()</a:t>
             </a:r>
             <a:r>
-              <a:rPr lang="es-MX" sz="2400" dirty="0"/>
+              <a:rPr lang="es-MX" dirty="0"/>
               <a:t>. Recordemos que todas las clases heredan la clase base </a:t>
             </a:r>
             <a:r>
-              <a:rPr lang="es-MX" sz="2400" b="1" dirty="0" err="1"/>
+              <a:rPr lang="es-MX" b="1" dirty="0" err="1"/>
               <a:t>Object</a:t>
             </a:r>
             <a:r>
-              <a:rPr lang="es-MX" sz="2400" b="1" dirty="0"/>
+              <a:rPr lang="es-MX" b="1" dirty="0"/>
               <a:t>,</a:t>
             </a:r>
             <a:r>
-              <a:rPr lang="es-MX" sz="2400" dirty="0"/>
+              <a:rPr lang="es-MX" dirty="0"/>
               <a:t> por lo que a través del </a:t>
             </a:r>
             <a:r>
-              <a:rPr lang="es-MX" sz="2400" i="1" dirty="0" err="1"/>
+              <a:rPr lang="es-MX" i="1" dirty="0" err="1"/>
               <a:t>dynamic</a:t>
             </a:r>
             <a:r>
-              <a:rPr lang="es-MX" sz="2400" i="1" dirty="0"/>
+              <a:rPr lang="es-MX" i="1" dirty="0"/>
               <a:t> </a:t>
             </a:r>
             <a:r>
-              <a:rPr lang="es-MX" sz="2400" i="1" dirty="0" err="1"/>
+              <a:rPr lang="es-MX" i="1" dirty="0" err="1"/>
               <a:t>binding</a:t>
             </a:r>
             <a:r>
-              <a:rPr lang="es-MX" sz="2400" i="1" dirty="0"/>
+              <a:rPr lang="es-MX" i="1" dirty="0"/>
               <a:t> </a:t>
             </a:r>
             <a:r>
-              <a:rPr lang="es-MX" sz="2400" dirty="0"/>
+              <a:rPr lang="es-MX" dirty="0"/>
               <a:t>podemos hacer un casting a la clase </a:t>
             </a:r>
             <a:r>
-              <a:rPr lang="es-MX" sz="2400" b="1" dirty="0"/>
+              <a:rPr lang="es-MX" b="1" dirty="0"/>
               <a:t>Estudiante. </a:t>
             </a:r>
-            <a:endParaRPr lang="es-MX" sz="2400" dirty="0"/>
+            <a:endParaRPr lang="es-MX" dirty="0"/>
           </a:p>
           <a:p>
             <a:pPr>
               <a:defRPr/>
             </a:pPr>
-            <a:endParaRPr lang="es-MX" sz="2400" dirty="0"/>
+            <a:endParaRPr lang="es-MX" dirty="0"/>
           </a:p>
           <a:p>
             <a:pPr>
               <a:defRPr/>
             </a:pPr>
-            <a:endParaRPr lang="es-MX" sz="2400" dirty="0"/>
+            <a:endParaRPr lang="es-MX" dirty="0"/>
           </a:p>
           <a:p>
             <a:pPr>
               <a:defRPr/>
             </a:pPr>
-            <a:endParaRPr lang="es-MX" sz="2400" dirty="0"/>
+            <a:endParaRPr lang="es-MX" dirty="0"/>
           </a:p>
           <a:p>
             <a:pPr>
               <a:defRPr/>
             </a:pPr>
-            <a:endParaRPr lang="es-MX" sz="2400" dirty="0"/>
-          </a:p>
-          <a:p>
-            <a:pPr marL="0" indent="0">
-              <a:buFontTx/>
-              <a:buNone/>
-              <a:defRPr/>
-            </a:pPr>
-            <a:endParaRPr lang="es-MX" sz="2400" dirty="0"/>
+            <a:endParaRPr lang="es-MX" dirty="0"/>
           </a:p>
           <a:p>
             <a:pPr>
               <a:defRPr/>
             </a:pPr>
-            <a:endParaRPr lang="es-MX" sz="2400" dirty="0"/>
+            <a:endParaRPr lang="es-MX" dirty="0"/>
+          </a:p>
+          <a:p>
+            <a:pPr>
+              <a:defRPr/>
+            </a:pPr>
+            <a:endParaRPr lang="es-MX" dirty="0"/>
           </a:p>
           <a:p>
             <a:pPr>
@@ -20975,7 +22518,7 @@
         </p:blipFill>
         <p:spPr bwMode="auto">
           <a:xfrm>
-            <a:off x="115888" y="4625975"/>
+            <a:off x="1639889" y="4625975"/>
             <a:ext cx="8389937" cy="954088"/>
           </a:xfrm>
           <a:prstGeom prst="rect">
@@ -21014,7 +22557,7 @@
 </p:sld>
 </file>
 
-<file path=ppt/slides/slide45.xml><?xml version="1.0" encoding="utf-8"?>
+<file path=ppt/slides/slide46.xml><?xml version="1.0" encoding="utf-8"?>
 <p:sld xmlns:a="http://schemas.openxmlformats.org/drawingml/2006/main" xmlns:r="http://schemas.openxmlformats.org/officeDocument/2006/relationships" xmlns:p="http://schemas.openxmlformats.org/presentationml/2006/main">
   <p:cSld>
     <p:spTree>
@@ -21060,7 +22603,7 @@
         </p:blipFill>
         <p:spPr bwMode="auto">
           <a:xfrm>
-            <a:off x="869950" y="1382713"/>
+            <a:off x="2393951" y="1382713"/>
             <a:ext cx="5611813" cy="1763712"/>
           </a:xfrm>
           <a:prstGeom prst="rect">
@@ -21181,240 +22724,402 @@
           <a:bodyPr/>
           <a:lstStyle/>
           <a:p>
-            <a:pPr marL="0" indent="0">
-              <a:buNone/>
-            </a:pPr>
-            <a:r>
-              <a:rPr lang="en-US" dirty="0"/>
+            <a:r>
+              <a:rPr lang="en-US" dirty="0">
+                <a:latin typeface="72" panose="020B0503030000000003" pitchFamily="34" charset="0"/>
+                <a:cs typeface="72" panose="020B0503030000000003" pitchFamily="34" charset="0"/>
+              </a:rPr>
               <a:t>Para </a:t>
             </a:r>
             <a:r>
-              <a:rPr lang="en-US" dirty="0" err="1"/>
+              <a:rPr lang="en-US" dirty="0" err="1">
+                <a:latin typeface="72" panose="020B0503030000000003" pitchFamily="34" charset="0"/>
+                <a:cs typeface="72" panose="020B0503030000000003" pitchFamily="34" charset="0"/>
+              </a:rPr>
               <a:t>entender</a:t>
             </a:r>
             <a:r>
-              <a:rPr lang="en-US" dirty="0"/>
+              <a:rPr lang="en-US" dirty="0">
+                <a:latin typeface="72" panose="020B0503030000000003" pitchFamily="34" charset="0"/>
+                <a:cs typeface="72" panose="020B0503030000000003" pitchFamily="34" charset="0"/>
+              </a:rPr>
               <a:t> </a:t>
             </a:r>
             <a:r>
-              <a:rPr lang="en-US" dirty="0" err="1"/>
+              <a:rPr lang="en-US" dirty="0" err="1">
+                <a:latin typeface="72" panose="020B0503030000000003" pitchFamily="34" charset="0"/>
+                <a:cs typeface="72" panose="020B0503030000000003" pitchFamily="34" charset="0"/>
+              </a:rPr>
               <a:t>cómo</a:t>
             </a:r>
             <a:r>
-              <a:rPr lang="en-US" dirty="0"/>
+              <a:rPr lang="en-US" dirty="0">
+                <a:latin typeface="72" panose="020B0503030000000003" pitchFamily="34" charset="0"/>
+                <a:cs typeface="72" panose="020B0503030000000003" pitchFamily="34" charset="0"/>
+              </a:rPr>
               <a:t> se </a:t>
             </a:r>
             <a:r>
-              <a:rPr lang="en-US" dirty="0" err="1"/>
+              <a:rPr lang="en-US" dirty="0" err="1">
+                <a:latin typeface="72" panose="020B0503030000000003" pitchFamily="34" charset="0"/>
+                <a:cs typeface="72" panose="020B0503030000000003" pitchFamily="34" charset="0"/>
+              </a:rPr>
               <a:t>representa</a:t>
             </a:r>
             <a:r>
-              <a:rPr lang="en-US" dirty="0"/>
+              <a:rPr lang="en-US" dirty="0">
+                <a:latin typeface="72" panose="020B0503030000000003" pitchFamily="34" charset="0"/>
+                <a:cs typeface="72" panose="020B0503030000000003" pitchFamily="34" charset="0"/>
+              </a:rPr>
               <a:t> </a:t>
             </a:r>
             <a:r>
-              <a:rPr lang="en-US" dirty="0" err="1"/>
+              <a:rPr lang="en-US" dirty="0" err="1">
+                <a:latin typeface="72" panose="020B0503030000000003" pitchFamily="34" charset="0"/>
+                <a:cs typeface="72" panose="020B0503030000000003" pitchFamily="34" charset="0"/>
+              </a:rPr>
               <a:t>cualquier</a:t>
             </a:r>
             <a:r>
-              <a:rPr lang="en-US" dirty="0"/>
+              <a:rPr lang="en-US" dirty="0">
+                <a:latin typeface="72" panose="020B0503030000000003" pitchFamily="34" charset="0"/>
+                <a:cs typeface="72" panose="020B0503030000000003" pitchFamily="34" charset="0"/>
+              </a:rPr>
               <a:t> </a:t>
             </a:r>
             <a:r>
-              <a:rPr lang="en-US" dirty="0" err="1"/>
+              <a:rPr lang="en-US" dirty="0" err="1">
+                <a:latin typeface="72" panose="020B0503030000000003" pitchFamily="34" charset="0"/>
+                <a:cs typeface="72" panose="020B0503030000000003" pitchFamily="34" charset="0"/>
+              </a:rPr>
               <a:t>objeto</a:t>
             </a:r>
             <a:r>
-              <a:rPr lang="en-US" dirty="0"/>
+              <a:rPr lang="en-US" dirty="0">
+                <a:latin typeface="72" panose="020B0503030000000003" pitchFamily="34" charset="0"/>
+                <a:cs typeface="72" panose="020B0503030000000003" pitchFamily="34" charset="0"/>
+              </a:rPr>
               <a:t>, </a:t>
             </a:r>
             <a:r>
-              <a:rPr lang="en-US" dirty="0" err="1"/>
+              <a:rPr lang="en-US" dirty="0" err="1">
+                <a:latin typeface="72" panose="020B0503030000000003" pitchFamily="34" charset="0"/>
+                <a:cs typeface="72" panose="020B0503030000000003" pitchFamily="34" charset="0"/>
+              </a:rPr>
               <a:t>necesitamos</a:t>
             </a:r>
             <a:r>
-              <a:rPr lang="en-US" dirty="0"/>
+              <a:rPr lang="en-US" dirty="0">
+                <a:latin typeface="72" panose="020B0503030000000003" pitchFamily="34" charset="0"/>
+                <a:cs typeface="72" panose="020B0503030000000003" pitchFamily="34" charset="0"/>
+              </a:rPr>
               <a:t> </a:t>
             </a:r>
             <a:r>
-              <a:rPr lang="en-US" dirty="0" err="1"/>
+              <a:rPr lang="en-US" dirty="0" err="1">
+                <a:latin typeface="72" panose="020B0503030000000003" pitchFamily="34" charset="0"/>
+                <a:cs typeface="72" panose="020B0503030000000003" pitchFamily="34" charset="0"/>
+              </a:rPr>
               <a:t>definir</a:t>
             </a:r>
             <a:r>
-              <a:rPr lang="en-US" dirty="0"/>
+              <a:rPr lang="en-US" dirty="0">
+                <a:latin typeface="72" panose="020B0503030000000003" pitchFamily="34" charset="0"/>
+                <a:cs typeface="72" panose="020B0503030000000003" pitchFamily="34" charset="0"/>
+              </a:rPr>
               <a:t> </a:t>
             </a:r>
             <a:r>
-              <a:rPr lang="en-US" dirty="0" err="1"/>
+              <a:rPr lang="en-US" dirty="0" err="1">
+                <a:latin typeface="72" panose="020B0503030000000003" pitchFamily="34" charset="0"/>
+                <a:cs typeface="72" panose="020B0503030000000003" pitchFamily="34" charset="0"/>
+              </a:rPr>
               <a:t>reglas</a:t>
             </a:r>
             <a:r>
-              <a:rPr lang="en-US" dirty="0"/>
+              <a:rPr lang="en-US" dirty="0">
+                <a:latin typeface="72" panose="020B0503030000000003" pitchFamily="34" charset="0"/>
+                <a:cs typeface="72" panose="020B0503030000000003" pitchFamily="34" charset="0"/>
+              </a:rPr>
               <a:t>, o un </a:t>
             </a:r>
             <a:r>
-              <a:rPr lang="en-US" b="1" i="1" dirty="0"/>
+              <a:rPr lang="en-US" b="1" i="1" dirty="0">
+                <a:latin typeface="72" panose="020B0503030000000003" pitchFamily="34" charset="0"/>
+                <a:cs typeface="72" panose="020B0503030000000003" pitchFamily="34" charset="0"/>
+              </a:rPr>
               <a:t>encoding</a:t>
             </a:r>
             <a:r>
-              <a:rPr lang="en-US" dirty="0"/>
+              <a:rPr lang="en-US" dirty="0">
+                <a:latin typeface="72" panose="020B0503030000000003" pitchFamily="34" charset="0"/>
+                <a:cs typeface="72" panose="020B0503030000000003" pitchFamily="34" charset="0"/>
+              </a:rPr>
               <a:t>. </a:t>
             </a:r>
           </a:p>
           <a:p>
-            <a:pPr marL="0" indent="0">
-              <a:buNone/>
-            </a:pPr>
-            <a:r>
-              <a:rPr lang="en-US" dirty="0"/>
+            <a:r>
+              <a:rPr lang="en-US" dirty="0">
+                <a:latin typeface="72" panose="020B0503030000000003" pitchFamily="34" charset="0"/>
+                <a:cs typeface="72" panose="020B0503030000000003" pitchFamily="34" charset="0"/>
+              </a:rPr>
               <a:t>Por </a:t>
             </a:r>
             <a:r>
-              <a:rPr lang="en-US" dirty="0" err="1"/>
+              <a:rPr lang="en-US" dirty="0" err="1">
+                <a:latin typeface="72" panose="020B0503030000000003" pitchFamily="34" charset="0"/>
+                <a:cs typeface="72" panose="020B0503030000000003" pitchFamily="34" charset="0"/>
+              </a:rPr>
               <a:t>ejemplo</a:t>
             </a:r>
             <a:r>
-              <a:rPr lang="en-US" dirty="0"/>
+              <a:rPr lang="en-US" dirty="0">
+                <a:latin typeface="72" panose="020B0503030000000003" pitchFamily="34" charset="0"/>
+                <a:cs typeface="72" panose="020B0503030000000003" pitchFamily="34" charset="0"/>
+              </a:rPr>
               <a:t>:</a:t>
             </a:r>
           </a:p>
           <a:p>
             <a:r>
-              <a:rPr lang="en-US" b="1" dirty="0" err="1"/>
+              <a:rPr lang="en-US" b="1" dirty="0" err="1">
+                <a:latin typeface="72" panose="020B0503030000000003" pitchFamily="34" charset="0"/>
+                <a:cs typeface="72" panose="020B0503030000000003" pitchFamily="34" charset="0"/>
+              </a:rPr>
               <a:t>Texto</a:t>
             </a:r>
             <a:r>
-              <a:rPr lang="en-US" b="1" dirty="0"/>
+              <a:rPr lang="en-US" b="1" dirty="0">
+                <a:latin typeface="72" panose="020B0503030000000003" pitchFamily="34" charset="0"/>
+                <a:cs typeface="72" panose="020B0503030000000003" pitchFamily="34" charset="0"/>
+              </a:rPr>
               <a:t>: </a:t>
             </a:r>
             <a:r>
-              <a:rPr lang="en-US" dirty="0"/>
+              <a:rPr lang="en-US" dirty="0">
+                <a:latin typeface="72" panose="020B0503030000000003" pitchFamily="34" charset="0"/>
+                <a:cs typeface="72" panose="020B0503030000000003" pitchFamily="34" charset="0"/>
+              </a:rPr>
               <a:t>ASCII, UTF-8</a:t>
             </a:r>
-            <a:endParaRPr lang="en-US" b="1" dirty="0"/>
-          </a:p>
-          <a:p>
-            <a:r>
-              <a:rPr lang="en-US" b="1" dirty="0"/>
+            <a:endParaRPr lang="en-US" b="1" dirty="0">
+              <a:latin typeface="72" panose="020B0503030000000003" pitchFamily="34" charset="0"/>
+              <a:cs typeface="72" panose="020B0503030000000003" pitchFamily="34" charset="0"/>
+            </a:endParaRPr>
+          </a:p>
+          <a:p>
+            <a:r>
+              <a:rPr lang="en-US" b="1" dirty="0">
+                <a:latin typeface="72" panose="020B0503030000000003" pitchFamily="34" charset="0"/>
+                <a:cs typeface="72" panose="020B0503030000000003" pitchFamily="34" charset="0"/>
+              </a:rPr>
               <a:t>Audio: </a:t>
             </a:r>
             <a:r>
-              <a:rPr lang="en-US" dirty="0"/>
+              <a:rPr lang="en-US" dirty="0">
+                <a:latin typeface="72" panose="020B0503030000000003" pitchFamily="34" charset="0"/>
+                <a:cs typeface="72" panose="020B0503030000000003" pitchFamily="34" charset="0"/>
+              </a:rPr>
               <a:t>MP3, WAV, AAC, FLAC</a:t>
             </a:r>
           </a:p>
           <a:p>
             <a:r>
-              <a:rPr lang="en-US" b="1" dirty="0"/>
+              <a:rPr lang="en-US" b="1" dirty="0">
+                <a:latin typeface="72" panose="020B0503030000000003" pitchFamily="34" charset="0"/>
+                <a:cs typeface="72" panose="020B0503030000000003" pitchFamily="34" charset="0"/>
+              </a:rPr>
               <a:t>Video: </a:t>
             </a:r>
             <a:r>
-              <a:rPr lang="en-US" dirty="0"/>
+              <a:rPr lang="en-US" dirty="0">
+                <a:latin typeface="72" panose="020B0503030000000003" pitchFamily="34" charset="0"/>
+                <a:cs typeface="72" panose="020B0503030000000003" pitchFamily="34" charset="0"/>
+              </a:rPr>
               <a:t>MP4, AVI, MOV</a:t>
             </a:r>
           </a:p>
           <a:p>
-            <a:endParaRPr lang="en-US" dirty="0"/>
-          </a:p>
-          <a:p>
-            <a:r>
-              <a:rPr lang="en-US" altLang="en-US" dirty="0"/>
+            <a:endParaRPr lang="en-US" dirty="0">
+              <a:latin typeface="72" panose="020B0503030000000003" pitchFamily="34" charset="0"/>
+              <a:cs typeface="72" panose="020B0503030000000003" pitchFamily="34" charset="0"/>
+            </a:endParaRPr>
+          </a:p>
+          <a:p>
+            <a:r>
+              <a:rPr lang="en-US" altLang="en-US" dirty="0">
+                <a:latin typeface="72" panose="020B0503030000000003" pitchFamily="34" charset="0"/>
+                <a:cs typeface="72" panose="020B0503030000000003" pitchFamily="34" charset="0"/>
+              </a:rPr>
               <a:t>La clave es que </a:t>
             </a:r>
             <a:r>
-              <a:rPr lang="en-US" altLang="en-US" dirty="0" err="1"/>
+              <a:rPr lang="en-US" altLang="en-US" dirty="0" err="1">
+                <a:latin typeface="72" panose="020B0503030000000003" pitchFamily="34" charset="0"/>
+                <a:cs typeface="72" panose="020B0503030000000003" pitchFamily="34" charset="0"/>
+              </a:rPr>
               <a:t>cuando</a:t>
             </a:r>
             <a:r>
-              <a:rPr lang="en-US" altLang="en-US" dirty="0"/>
+              <a:rPr lang="en-US" altLang="en-US" dirty="0">
+                <a:latin typeface="72" panose="020B0503030000000003" pitchFamily="34" charset="0"/>
+                <a:cs typeface="72" panose="020B0503030000000003" pitchFamily="34" charset="0"/>
+              </a:rPr>
               <a:t> </a:t>
             </a:r>
             <a:r>
-              <a:rPr lang="en-US" altLang="en-US" dirty="0" err="1"/>
+              <a:rPr lang="en-US" altLang="en-US" dirty="0" err="1">
+                <a:latin typeface="72" panose="020B0503030000000003" pitchFamily="34" charset="0"/>
+                <a:cs typeface="72" panose="020B0503030000000003" pitchFamily="34" charset="0"/>
+              </a:rPr>
               <a:t>utilicemos</a:t>
             </a:r>
             <a:r>
-              <a:rPr lang="en-US" altLang="en-US" dirty="0"/>
+              <a:rPr lang="en-US" altLang="en-US" dirty="0">
+                <a:latin typeface="72" panose="020B0503030000000003" pitchFamily="34" charset="0"/>
+                <a:cs typeface="72" panose="020B0503030000000003" pitchFamily="34" charset="0"/>
+              </a:rPr>
               <a:t> un </a:t>
             </a:r>
             <a:r>
-              <a:rPr lang="en-US" altLang="en-US" dirty="0" err="1"/>
+              <a:rPr lang="en-US" altLang="en-US" dirty="0" err="1">
+                <a:latin typeface="72" panose="020B0503030000000003" pitchFamily="34" charset="0"/>
+                <a:cs typeface="72" panose="020B0503030000000003" pitchFamily="34" charset="0"/>
+              </a:rPr>
               <a:t>archivo</a:t>
             </a:r>
             <a:r>
-              <a:rPr lang="en-US" altLang="en-US" dirty="0"/>
+              <a:rPr lang="en-US" altLang="en-US" dirty="0">
+                <a:latin typeface="72" panose="020B0503030000000003" pitchFamily="34" charset="0"/>
+                <a:cs typeface="72" panose="020B0503030000000003" pitchFamily="34" charset="0"/>
+              </a:rPr>
               <a:t>, </a:t>
             </a:r>
             <a:r>
-              <a:rPr lang="en-US" altLang="en-US" dirty="0" err="1"/>
+              <a:rPr lang="en-US" altLang="en-US" dirty="0" err="1">
+                <a:latin typeface="72" panose="020B0503030000000003" pitchFamily="34" charset="0"/>
+                <a:cs typeface="72" panose="020B0503030000000003" pitchFamily="34" charset="0"/>
+              </a:rPr>
               <a:t>nuestro</a:t>
             </a:r>
             <a:r>
-              <a:rPr lang="en-US" altLang="en-US" dirty="0"/>
+              <a:rPr lang="en-US" altLang="en-US" dirty="0">
+                <a:latin typeface="72" panose="020B0503030000000003" pitchFamily="34" charset="0"/>
+                <a:cs typeface="72" panose="020B0503030000000003" pitchFamily="34" charset="0"/>
+              </a:rPr>
               <a:t> </a:t>
             </a:r>
             <a:r>
-              <a:rPr lang="en-US" altLang="en-US" dirty="0" err="1"/>
+              <a:rPr lang="en-US" altLang="en-US" dirty="0" err="1">
+                <a:latin typeface="72" panose="020B0503030000000003" pitchFamily="34" charset="0"/>
+                <a:cs typeface="72" panose="020B0503030000000003" pitchFamily="34" charset="0"/>
+              </a:rPr>
               <a:t>programa</a:t>
             </a:r>
             <a:r>
-              <a:rPr lang="en-US" altLang="en-US" dirty="0"/>
+              <a:rPr lang="en-US" altLang="en-US" dirty="0">
+                <a:latin typeface="72" panose="020B0503030000000003" pitchFamily="34" charset="0"/>
+                <a:cs typeface="72" panose="020B0503030000000003" pitchFamily="34" charset="0"/>
+              </a:rPr>
               <a:t> </a:t>
             </a:r>
             <a:r>
-              <a:rPr lang="en-US" altLang="en-US" dirty="0" err="1"/>
+              <a:rPr lang="en-US" altLang="en-US" dirty="0" err="1">
+                <a:latin typeface="72" panose="020B0503030000000003" pitchFamily="34" charset="0"/>
+                <a:cs typeface="72" panose="020B0503030000000003" pitchFamily="34" charset="0"/>
+              </a:rPr>
               <a:t>entienda</a:t>
             </a:r>
             <a:r>
-              <a:rPr lang="en-US" altLang="en-US" dirty="0"/>
+              <a:rPr lang="en-US" altLang="en-US" dirty="0">
+                <a:latin typeface="72" panose="020B0503030000000003" pitchFamily="34" charset="0"/>
+                <a:cs typeface="72" panose="020B0503030000000003" pitchFamily="34" charset="0"/>
+              </a:rPr>
               <a:t> y </a:t>
             </a:r>
             <a:r>
-              <a:rPr lang="en-US" altLang="en-US" dirty="0" err="1"/>
+              <a:rPr lang="en-US" altLang="en-US" dirty="0" err="1">
+                <a:latin typeface="72" panose="020B0503030000000003" pitchFamily="34" charset="0"/>
+                <a:cs typeface="72" panose="020B0503030000000003" pitchFamily="34" charset="0"/>
+              </a:rPr>
               <a:t>sepa</a:t>
             </a:r>
             <a:r>
-              <a:rPr lang="en-US" altLang="en-US" dirty="0"/>
+              <a:rPr lang="en-US" altLang="en-US" dirty="0">
+                <a:latin typeface="72" panose="020B0503030000000003" pitchFamily="34" charset="0"/>
+                <a:cs typeface="72" panose="020B0503030000000003" pitchFamily="34" charset="0"/>
+              </a:rPr>
               <a:t> </a:t>
             </a:r>
             <a:r>
-              <a:rPr lang="en-US" altLang="en-US" dirty="0" err="1"/>
+              <a:rPr lang="en-US" altLang="en-US" dirty="0" err="1">
+                <a:latin typeface="72" panose="020B0503030000000003" pitchFamily="34" charset="0"/>
+                <a:cs typeface="72" panose="020B0503030000000003" pitchFamily="34" charset="0"/>
+              </a:rPr>
               <a:t>cómo</a:t>
             </a:r>
             <a:r>
-              <a:rPr lang="en-US" altLang="en-US" dirty="0"/>
+              <a:rPr lang="en-US" altLang="en-US" dirty="0">
+                <a:latin typeface="72" panose="020B0503030000000003" pitchFamily="34" charset="0"/>
+                <a:cs typeface="72" panose="020B0503030000000003" pitchFamily="34" charset="0"/>
+              </a:rPr>
               <a:t> </a:t>
             </a:r>
             <a:r>
-              <a:rPr lang="en-US" altLang="en-US" dirty="0" err="1"/>
+              <a:rPr lang="en-US" altLang="en-US" dirty="0" err="1">
+                <a:latin typeface="72" panose="020B0503030000000003" pitchFamily="34" charset="0"/>
+                <a:cs typeface="72" panose="020B0503030000000003" pitchFamily="34" charset="0"/>
+              </a:rPr>
               <a:t>interpretar</a:t>
             </a:r>
             <a:r>
-              <a:rPr lang="en-US" altLang="en-US" dirty="0"/>
+              <a:rPr lang="en-US" altLang="en-US" dirty="0">
+                <a:latin typeface="72" panose="020B0503030000000003" pitchFamily="34" charset="0"/>
+                <a:cs typeface="72" panose="020B0503030000000003" pitchFamily="34" charset="0"/>
+              </a:rPr>
               <a:t> la </a:t>
             </a:r>
             <a:r>
-              <a:rPr lang="en-US" altLang="en-US" dirty="0" err="1"/>
+              <a:rPr lang="en-US" altLang="en-US" dirty="0" err="1">
+                <a:latin typeface="72" panose="020B0503030000000003" pitchFamily="34" charset="0"/>
+                <a:cs typeface="72" panose="020B0503030000000003" pitchFamily="34" charset="0"/>
+              </a:rPr>
               <a:t>secuencia</a:t>
             </a:r>
             <a:r>
-              <a:rPr lang="en-US" altLang="en-US" dirty="0"/>
+              <a:rPr lang="en-US" altLang="en-US" dirty="0">
+                <a:latin typeface="72" panose="020B0503030000000003" pitchFamily="34" charset="0"/>
+                <a:cs typeface="72" panose="020B0503030000000003" pitchFamily="34" charset="0"/>
+              </a:rPr>
               <a:t> de bytes </a:t>
             </a:r>
             <a:r>
-              <a:rPr lang="en-US" altLang="en-US" dirty="0" err="1"/>
+              <a:rPr lang="en-US" altLang="en-US" dirty="0" err="1">
+                <a:latin typeface="72" panose="020B0503030000000003" pitchFamily="34" charset="0"/>
+                <a:cs typeface="72" panose="020B0503030000000003" pitchFamily="34" charset="0"/>
+              </a:rPr>
               <a:t>contenidas</a:t>
             </a:r>
             <a:r>
-              <a:rPr lang="en-US" altLang="en-US" dirty="0"/>
+              <a:rPr lang="en-US" altLang="en-US" dirty="0">
+                <a:latin typeface="72" panose="020B0503030000000003" pitchFamily="34" charset="0"/>
+                <a:cs typeface="72" panose="020B0503030000000003" pitchFamily="34" charset="0"/>
+              </a:rPr>
               <a:t> dentro del </a:t>
             </a:r>
             <a:r>
-              <a:rPr lang="en-US" altLang="en-US" dirty="0" err="1"/>
+              <a:rPr lang="en-US" altLang="en-US" dirty="0" err="1">
+                <a:latin typeface="72" panose="020B0503030000000003" pitchFamily="34" charset="0"/>
+                <a:cs typeface="72" panose="020B0503030000000003" pitchFamily="34" charset="0"/>
+              </a:rPr>
               <a:t>archivo</a:t>
             </a:r>
             <a:r>
-              <a:rPr lang="en-US" altLang="en-US" dirty="0"/>
+              <a:rPr lang="en-US" altLang="en-US" dirty="0">
+                <a:latin typeface="72" panose="020B0503030000000003" pitchFamily="34" charset="0"/>
+                <a:cs typeface="72" panose="020B0503030000000003" pitchFamily="34" charset="0"/>
+              </a:rPr>
               <a:t>. </a:t>
             </a:r>
             <a:r>
@@ -21422,6 +23127,8 @@
                 <a:solidFill>
                   <a:srgbClr val="FF0000"/>
                 </a:solidFill>
+                <a:latin typeface="72" panose="020B0503030000000003" pitchFamily="34" charset="0"/>
+                <a:cs typeface="72" panose="020B0503030000000003" pitchFamily="34" charset="0"/>
               </a:rPr>
               <a:t>Es </a:t>
             </a:r>
@@ -21430,6 +23137,8 @@
                 <a:solidFill>
                   <a:srgbClr val="FF0000"/>
                 </a:solidFill>
+                <a:latin typeface="72" panose="020B0503030000000003" pitchFamily="34" charset="0"/>
+                <a:cs typeface="72" panose="020B0503030000000003" pitchFamily="34" charset="0"/>
               </a:rPr>
               <a:t>decir</a:t>
             </a:r>
@@ -21438,6 +23147,8 @@
                 <a:solidFill>
                   <a:srgbClr val="FF0000"/>
                 </a:solidFill>
+                <a:latin typeface="72" panose="020B0503030000000003" pitchFamily="34" charset="0"/>
+                <a:cs typeface="72" panose="020B0503030000000003" pitchFamily="34" charset="0"/>
               </a:rPr>
               <a:t>, que </a:t>
             </a:r>
@@ -21446,6 +23157,8 @@
                 <a:solidFill>
                   <a:srgbClr val="FF0000"/>
                 </a:solidFill>
+                <a:latin typeface="72" panose="020B0503030000000003" pitchFamily="34" charset="0"/>
+                <a:cs typeface="72" panose="020B0503030000000003" pitchFamily="34" charset="0"/>
               </a:rPr>
               <a:t>pueda</a:t>
             </a:r>
@@ -21454,6 +23167,8 @@
                 <a:solidFill>
                   <a:srgbClr val="FF0000"/>
                 </a:solidFill>
+                <a:latin typeface="72" panose="020B0503030000000003" pitchFamily="34" charset="0"/>
+                <a:cs typeface="72" panose="020B0503030000000003" pitchFamily="34" charset="0"/>
               </a:rPr>
               <a:t> </a:t>
             </a:r>
@@ -21462,6 +23177,8 @@
                 <a:solidFill>
                   <a:srgbClr val="FF0000"/>
                 </a:solidFill>
+                <a:latin typeface="72" panose="020B0503030000000003" pitchFamily="34" charset="0"/>
+                <a:cs typeface="72" panose="020B0503030000000003" pitchFamily="34" charset="0"/>
               </a:rPr>
               <a:t>traducirlo</a:t>
             </a:r>
@@ -21470,21 +23187,11 @@
                 <a:solidFill>
                   <a:srgbClr val="FF0000"/>
                 </a:solidFill>
+                <a:latin typeface="72" panose="020B0503030000000003" pitchFamily="34" charset="0"/>
+                <a:cs typeface="72" panose="020B0503030000000003" pitchFamily="34" charset="0"/>
               </a:rPr>
               <a:t>.</a:t>
             </a:r>
-          </a:p>
-          <a:p>
-            <a:endParaRPr lang="en-US" dirty="0"/>
-          </a:p>
-          <a:p>
-            <a:endParaRPr lang="en-US" dirty="0"/>
-          </a:p>
-          <a:p>
-            <a:pPr marL="0" indent="0">
-              <a:buNone/>
-            </a:pPr>
-            <a:endParaRPr lang="en-US" dirty="0"/>
           </a:p>
         </p:txBody>
       </p:sp>
@@ -21769,14 +23476,51 @@
         </p:blipFill>
         <p:spPr>
           <a:xfrm>
-            <a:off x="212651" y="821256"/>
-            <a:ext cx="8747052" cy="4920217"/>
+            <a:off x="610585" y="253991"/>
+            <a:ext cx="9828815" cy="5528709"/>
           </a:xfrm>
           <a:prstGeom prst="rect">
             <a:avLst/>
           </a:prstGeom>
         </p:spPr>
       </p:pic>
+      <p:sp>
+        <p:nvSpPr>
+          <p:cNvPr id="3" name="Rectangle 2">
+            <a:extLst>
+              <a:ext uri="{FF2B5EF4-FFF2-40B4-BE49-F238E27FC236}">
+                <a16:creationId xmlns:a16="http://schemas.microsoft.com/office/drawing/2014/main" id="{0059970B-6F96-4038-9B7A-E14E33DABC21}"/>
+              </a:ext>
+            </a:extLst>
+          </p:cNvPr>
+          <p:cNvSpPr/>
+          <p:nvPr/>
+        </p:nvSpPr>
+        <p:spPr>
+          <a:xfrm>
+            <a:off x="2006600" y="5882901"/>
+            <a:ext cx="1083733" cy="369332"/>
+          </a:xfrm>
+          <a:prstGeom prst="rect">
+            <a:avLst/>
+          </a:prstGeom>
+        </p:spPr>
+        <p:txBody>
+          <a:bodyPr wrap="square">
+            <a:spAutoFit/>
+          </a:bodyPr>
+          <a:lstStyle/>
+          <a:p>
+            <a:r>
+              <a:rPr lang="es-MX" dirty="0">
+                <a:hlinkClick r:id="rId4"/>
+              </a:rPr>
+              <a:t>Link</a:t>
+            </a:r>
+            <a:endParaRPr lang="en-US" dirty="0"/>
+          </a:p>
+        </p:txBody>
+      </p:sp>
     </p:spTree>
     <p:extLst>
       <p:ext uri="{BB962C8B-B14F-4D97-AF65-F5344CB8AC3E}">
@@ -22009,120 +23753,116 @@
           <a:p>
             <a:r>
               <a:rPr lang="es-MX" dirty="0">
-                <a:latin typeface="Helvetica" panose="020B0604020202020204" pitchFamily="34" charset="0"/>
-                <a:cs typeface="Helvetica" panose="020B0604020202020204" pitchFamily="34" charset="0"/>
+                <a:latin typeface="72" panose="020B0503030000000003" pitchFamily="34" charset="0"/>
+                <a:cs typeface="72" panose="020B0503030000000003" pitchFamily="34" charset="0"/>
               </a:rPr>
               <a:t>El </a:t>
             </a:r>
             <a:r>
               <a:rPr lang="es-MX" b="1" dirty="0">
-                <a:latin typeface="Helvetica" panose="020B0604020202020204" pitchFamily="34" charset="0"/>
-                <a:cs typeface="Helvetica" panose="020B0604020202020204" pitchFamily="34" charset="0"/>
+                <a:latin typeface="72" panose="020B0503030000000003" pitchFamily="34" charset="0"/>
+                <a:cs typeface="72" panose="020B0503030000000003" pitchFamily="34" charset="0"/>
               </a:rPr>
               <a:t>Unicode </a:t>
             </a:r>
             <a:r>
               <a:rPr lang="es-MX" b="1" dirty="0" err="1">
-                <a:latin typeface="Helvetica" panose="020B0604020202020204" pitchFamily="34" charset="0"/>
-                <a:cs typeface="Helvetica" panose="020B0604020202020204" pitchFamily="34" charset="0"/>
+                <a:latin typeface="72" panose="020B0503030000000003" pitchFamily="34" charset="0"/>
+                <a:cs typeface="72" panose="020B0503030000000003" pitchFamily="34" charset="0"/>
               </a:rPr>
               <a:t>Consortium</a:t>
             </a:r>
             <a:r>
               <a:rPr lang="es-MX" b="1" dirty="0">
-                <a:latin typeface="Helvetica" panose="020B0604020202020204" pitchFamily="34" charset="0"/>
-                <a:cs typeface="Helvetica" panose="020B0604020202020204" pitchFamily="34" charset="0"/>
+                <a:latin typeface="72" panose="020B0503030000000003" pitchFamily="34" charset="0"/>
+                <a:cs typeface="72" panose="020B0503030000000003" pitchFamily="34" charset="0"/>
               </a:rPr>
               <a:t> (</a:t>
             </a:r>
             <a:r>
               <a:rPr lang="es-MX" dirty="0">
+                <a:latin typeface="72" panose="020B0503030000000003" pitchFamily="34" charset="0"/>
+                <a:cs typeface="72" panose="020B0503030000000003" pitchFamily="34" charset="0"/>
                 <a:hlinkClick r:id="rId2"/>
               </a:rPr>
               <a:t>https://unicode.org/</a:t>
             </a:r>
             <a:r>
-              <a:rPr lang="es-MX" dirty="0"/>
+              <a:rPr lang="es-MX" dirty="0">
+                <a:latin typeface="72" panose="020B0503030000000003" pitchFamily="34" charset="0"/>
+                <a:cs typeface="72" panose="020B0503030000000003" pitchFamily="34" charset="0"/>
+              </a:rPr>
               <a:t>) es el organismo encargado de definir, mantener y crear los </a:t>
             </a:r>
             <a:r>
-              <a:rPr lang="es-MX" dirty="0" err="1"/>
+              <a:rPr lang="es-MX" dirty="0" err="1">
+                <a:latin typeface="72" panose="020B0503030000000003" pitchFamily="34" charset="0"/>
+                <a:cs typeface="72" panose="020B0503030000000003" pitchFamily="34" charset="0"/>
+              </a:rPr>
               <a:t>Emojis</a:t>
             </a:r>
             <a:r>
-              <a:rPr lang="es-MX" dirty="0"/>
+              <a:rPr lang="es-MX" dirty="0">
+                <a:latin typeface="72" panose="020B0503030000000003" pitchFamily="34" charset="0"/>
+                <a:cs typeface="72" panose="020B0503030000000003" pitchFamily="34" charset="0"/>
+              </a:rPr>
               <a:t>.</a:t>
             </a:r>
           </a:p>
           <a:p>
             <a:endParaRPr lang="es-MX" dirty="0">
-              <a:latin typeface="Helvetica" panose="020B0604020202020204" pitchFamily="34" charset="0"/>
-              <a:cs typeface="Helvetica" panose="020B0604020202020204" pitchFamily="34" charset="0"/>
+              <a:latin typeface="72" panose="020B0503030000000003" pitchFamily="34" charset="0"/>
+              <a:cs typeface="72" panose="020B0503030000000003" pitchFamily="34" charset="0"/>
             </a:endParaRPr>
           </a:p>
           <a:p>
             <a:r>
               <a:rPr lang="es-MX" dirty="0">
-                <a:latin typeface="Helvetica" panose="020B0604020202020204" pitchFamily="34" charset="0"/>
-                <a:cs typeface="Helvetica" panose="020B0604020202020204" pitchFamily="34" charset="0"/>
+                <a:latin typeface="72" panose="020B0503030000000003" pitchFamily="34" charset="0"/>
+                <a:cs typeface="72" panose="020B0503030000000003" pitchFamily="34" charset="0"/>
               </a:rPr>
               <a:t>La lista completa de </a:t>
             </a:r>
             <a:r>
               <a:rPr lang="es-MX" dirty="0" err="1">
-                <a:latin typeface="Helvetica" panose="020B0604020202020204" pitchFamily="34" charset="0"/>
-                <a:cs typeface="Helvetica" panose="020B0604020202020204" pitchFamily="34" charset="0"/>
+                <a:latin typeface="72" panose="020B0503030000000003" pitchFamily="34" charset="0"/>
+                <a:cs typeface="72" panose="020B0503030000000003" pitchFamily="34" charset="0"/>
               </a:rPr>
               <a:t>Emojis</a:t>
             </a:r>
             <a:r>
               <a:rPr lang="es-MX" dirty="0">
-                <a:latin typeface="Helvetica" panose="020B0604020202020204" pitchFamily="34" charset="0"/>
-                <a:cs typeface="Helvetica" panose="020B0604020202020204" pitchFamily="34" charset="0"/>
+                <a:latin typeface="72" panose="020B0503030000000003" pitchFamily="34" charset="0"/>
+                <a:cs typeface="72" panose="020B0503030000000003" pitchFamily="34" charset="0"/>
               </a:rPr>
               <a:t> la podemos encontrar en </a:t>
             </a:r>
             <a:r>
               <a:rPr lang="es-MX" dirty="0" err="1">
-                <a:latin typeface="Helvetica" panose="020B0604020202020204" pitchFamily="34" charset="0"/>
-                <a:cs typeface="Helvetica" panose="020B0604020202020204" pitchFamily="34" charset="0"/>
+                <a:latin typeface="72" panose="020B0503030000000003" pitchFamily="34" charset="0"/>
+                <a:cs typeface="72" panose="020B0503030000000003" pitchFamily="34" charset="0"/>
               </a:rPr>
               <a:t>Emojipedia</a:t>
             </a:r>
             <a:r>
               <a:rPr lang="es-MX" dirty="0">
-                <a:latin typeface="Helvetica" panose="020B0604020202020204" pitchFamily="34" charset="0"/>
-                <a:cs typeface="Helvetica" panose="020B0604020202020204" pitchFamily="34" charset="0"/>
+                <a:latin typeface="72" panose="020B0503030000000003" pitchFamily="34" charset="0"/>
+                <a:cs typeface="72" panose="020B0503030000000003" pitchFamily="34" charset="0"/>
               </a:rPr>
               <a:t>  </a:t>
             </a:r>
             <a:r>
               <a:rPr lang="es-MX" dirty="0">
-                <a:latin typeface="Helvetica" panose="020B0604020202020204" pitchFamily="34" charset="0"/>
-                <a:cs typeface="Helvetica" panose="020B0604020202020204" pitchFamily="34" charset="0"/>
+                <a:latin typeface="72" panose="020B0503030000000003" pitchFamily="34" charset="0"/>
+                <a:cs typeface="72" panose="020B0503030000000003" pitchFamily="34" charset="0"/>
                 <a:hlinkClick r:id="rId3"/>
               </a:rPr>
               <a:t>https://emojipedia.org/</a:t>
             </a:r>
             <a:endParaRPr lang="es-MX" dirty="0">
-              <a:latin typeface="Helvetica" panose="020B0604020202020204" pitchFamily="34" charset="0"/>
-              <a:cs typeface="Helvetica" panose="020B0604020202020204" pitchFamily="34" charset="0"/>
+              <a:latin typeface="72" panose="020B0503030000000003" pitchFamily="34" charset="0"/>
+              <a:cs typeface="72" panose="020B0503030000000003" pitchFamily="34" charset="0"/>
             </a:endParaRPr>
-          </a:p>
-          <a:p>
-            <a:endParaRPr lang="es-MX" dirty="0">
-              <a:latin typeface="Helvetica" panose="020B0604020202020204" pitchFamily="34" charset="0"/>
-              <a:cs typeface="Helvetica" panose="020B0604020202020204" pitchFamily="34" charset="0"/>
-            </a:endParaRPr>
-          </a:p>
-          <a:p>
-            <a:endParaRPr lang="es-MX" dirty="0">
-              <a:latin typeface="Helvetica" panose="020B0604020202020204" pitchFamily="34" charset="0"/>
-              <a:cs typeface="Helvetica" panose="020B0604020202020204" pitchFamily="34" charset="0"/>
-            </a:endParaRPr>
-          </a:p>
-          <a:p>
-            <a:endParaRPr lang="es-MX" dirty="0"/>
           </a:p>
         </p:txBody>
       </p:sp>
@@ -22178,7 +23918,7 @@
         </p:blipFill>
         <p:spPr>
           <a:xfrm>
-            <a:off x="126130" y="304186"/>
+            <a:off x="1650130" y="304186"/>
             <a:ext cx="5647864" cy="2231082"/>
           </a:xfrm>
           <a:prstGeom prst="rect">
@@ -22208,7 +23948,7 @@
         </p:blipFill>
         <p:spPr>
           <a:xfrm>
-            <a:off x="126130" y="2535268"/>
+            <a:off x="1650130" y="2535268"/>
             <a:ext cx="1924050" cy="819150"/>
           </a:xfrm>
           <a:prstGeom prst="rect">
@@ -22230,7 +23970,7 @@
         </p:nvSpPr>
         <p:spPr>
           <a:xfrm>
-            <a:off x="439226" y="3676402"/>
+            <a:off x="1963226" y="3676403"/>
             <a:ext cx="7878864" cy="646331"/>
           </a:xfrm>
           <a:prstGeom prst="rect">
@@ -22392,7 +24132,7 @@
         </p:blipFill>
         <p:spPr>
           <a:xfrm>
-            <a:off x="1253767" y="4413925"/>
+            <a:off x="2777767" y="4413926"/>
             <a:ext cx="5238750" cy="1171575"/>
           </a:xfrm>
           <a:prstGeom prst="rect">
@@ -22421,7 +24161,7 @@
           </p:nvPr>
         </p:nvGraphicFramePr>
         <p:xfrm>
-          <a:off x="5877233" y="5787508"/>
+          <a:off x="7401234" y="5787508"/>
           <a:ext cx="1570703" cy="297180"/>
         </p:xfrm>
         <a:graphic>
@@ -22520,7 +24260,7 @@
         </p:nvSpPr>
         <p:spPr bwMode="auto">
           <a:xfrm>
-            <a:off x="5877233" y="5463867"/>
+            <a:off x="7401233" y="5463868"/>
             <a:ext cx="1745226" cy="646331"/>
           </a:xfrm>
           <a:prstGeom prst="rect">
@@ -22569,44 +24309,10 @@
           </a:bodyPr>
           <a:lstStyle/>
           <a:p>
-            <a:pPr marL="0" marR="0" lvl="0" indent="0" algn="l" defTabSz="914400" rtl="0" eaLnBrk="0" fontAlgn="base" latinLnBrk="0" hangingPunct="0">
-              <a:lnSpc>
-                <a:spcPct val="100000"/>
-              </a:lnSpc>
-              <a:spcBef>
-                <a:spcPct val="0"/>
-              </a:spcBef>
-              <a:spcAft>
-                <a:spcPct val="0"/>
-              </a:spcAft>
-              <a:buClrTx/>
-              <a:buSzTx/>
-              <a:buFontTx/>
-              <a:buNone/>
-              <a:tabLst/>
-            </a:pPr>
             <a:br>
-              <a:rPr kumimoji="0" lang="en-US" altLang="en-US" sz="1800" b="0" i="0" u="none" strike="noStrike" cap="none" normalizeH="0" baseline="0">
-                <a:ln>
-                  <a:noFill/>
-                </a:ln>
-                <a:solidFill>
-                  <a:schemeClr val="tx1"/>
-                </a:solidFill>
-                <a:effectLst/>
-                <a:latin typeface="Arial" panose="020B0604020202020204" pitchFamily="34" charset="0"/>
-              </a:rPr>
+              <a:rPr lang="en-US" altLang="en-US"/>
             </a:br>
-            <a:endParaRPr kumimoji="0" lang="en-US" altLang="en-US" sz="1800" b="0" i="0" u="none" strike="noStrike" cap="none" normalizeH="0" baseline="0">
-              <a:ln>
-                <a:noFill/>
-              </a:ln>
-              <a:solidFill>
-                <a:schemeClr val="tx1"/>
-              </a:solidFill>
-              <a:effectLst/>
-              <a:latin typeface="Arial" panose="020B0604020202020204" pitchFamily="34" charset="0"/>
-            </a:endParaRPr>
+            <a:endParaRPr lang="en-US" altLang="en-US"/>
           </a:p>
         </p:txBody>
       </p:sp>
@@ -22985,88 +24691,144 @@
           <a:bodyPr/>
           <a:lstStyle/>
           <a:p>
-            <a:pPr marL="0" indent="0" eaLnBrk="1" hangingPunct="1">
-              <a:buFontTx/>
-              <a:buNone/>
-            </a:pPr>
-            <a:r>
-              <a:rPr lang="en-US" altLang="en-US" sz="2400" dirty="0" err="1"/>
+            <a:r>
+              <a:rPr lang="en-US" altLang="en-US" dirty="0" err="1">
+                <a:latin typeface="72" panose="020B0503030000000003" pitchFamily="34" charset="0"/>
+                <a:cs typeface="72" panose="020B0503030000000003" pitchFamily="34" charset="0"/>
+              </a:rPr>
               <a:t>Veamos</a:t>
             </a:r>
             <a:r>
-              <a:rPr lang="en-US" altLang="en-US" sz="2400" dirty="0"/>
+              <a:rPr lang="en-US" altLang="en-US" dirty="0">
+                <a:latin typeface="72" panose="020B0503030000000003" pitchFamily="34" charset="0"/>
+                <a:cs typeface="72" panose="020B0503030000000003" pitchFamily="34" charset="0"/>
+              </a:rPr>
               <a:t> la </a:t>
             </a:r>
             <a:r>
-              <a:rPr lang="en-US" altLang="en-US" sz="2400" dirty="0" err="1"/>
+              <a:rPr lang="en-US" altLang="en-US" dirty="0" err="1">
+                <a:latin typeface="72" panose="020B0503030000000003" pitchFamily="34" charset="0"/>
+                <a:cs typeface="72" panose="020B0503030000000003" pitchFamily="34" charset="0"/>
+              </a:rPr>
               <a:t>comparación</a:t>
             </a:r>
             <a:r>
-              <a:rPr lang="en-US" altLang="en-US" sz="2400" dirty="0"/>
+              <a:rPr lang="en-US" altLang="en-US" dirty="0">
+                <a:latin typeface="72" panose="020B0503030000000003" pitchFamily="34" charset="0"/>
+                <a:cs typeface="72" panose="020B0503030000000003" pitchFamily="34" charset="0"/>
+              </a:rPr>
               <a:t>, </a:t>
             </a:r>
             <a:r>
-              <a:rPr lang="en-US" altLang="en-US" sz="2400" dirty="0" err="1"/>
+              <a:rPr lang="en-US" altLang="en-US" dirty="0" err="1">
+                <a:latin typeface="72" panose="020B0503030000000003" pitchFamily="34" charset="0"/>
+                <a:cs typeface="72" panose="020B0503030000000003" pitchFamily="34" charset="0"/>
+              </a:rPr>
               <a:t>este</a:t>
             </a:r>
             <a:r>
-              <a:rPr lang="en-US" altLang="en-US" sz="2400" dirty="0"/>
+              <a:rPr lang="en-US" altLang="en-US" dirty="0">
+                <a:latin typeface="72" panose="020B0503030000000003" pitchFamily="34" charset="0"/>
+                <a:cs typeface="72" panose="020B0503030000000003" pitchFamily="34" charset="0"/>
+              </a:rPr>
               <a:t> </a:t>
             </a:r>
             <a:r>
-              <a:rPr lang="en-US" altLang="en-US" sz="2400" dirty="0" err="1"/>
+              <a:rPr lang="en-US" altLang="en-US" dirty="0" err="1">
+                <a:latin typeface="72" panose="020B0503030000000003" pitchFamily="34" charset="0"/>
+                <a:cs typeface="72" panose="020B0503030000000003" pitchFamily="34" charset="0"/>
+              </a:rPr>
               <a:t>archivo</a:t>
             </a:r>
             <a:r>
-              <a:rPr lang="en-US" altLang="en-US" sz="2400" dirty="0"/>
+              <a:rPr lang="en-US" altLang="en-US" dirty="0">
+                <a:latin typeface="72" panose="020B0503030000000003" pitchFamily="34" charset="0"/>
+                <a:cs typeface="72" panose="020B0503030000000003" pitchFamily="34" charset="0"/>
+              </a:rPr>
               <a:t> de </a:t>
             </a:r>
             <a:r>
-              <a:rPr lang="en-US" altLang="en-US" sz="2400" dirty="0" err="1"/>
+              <a:rPr lang="en-US" altLang="en-US" dirty="0" err="1">
+                <a:latin typeface="72" panose="020B0503030000000003" pitchFamily="34" charset="0"/>
+                <a:cs typeface="72" panose="020B0503030000000003" pitchFamily="34" charset="0"/>
+              </a:rPr>
               <a:t>texto</a:t>
             </a:r>
             <a:r>
-              <a:rPr lang="en-US" altLang="en-US" sz="2400" dirty="0"/>
+              <a:rPr lang="en-US" altLang="en-US" dirty="0">
+                <a:latin typeface="72" panose="020B0503030000000003" pitchFamily="34" charset="0"/>
+                <a:cs typeface="72" panose="020B0503030000000003" pitchFamily="34" charset="0"/>
+              </a:rPr>
               <a:t> y el </a:t>
             </a:r>
             <a:r>
-              <a:rPr lang="en-US" altLang="en-US" sz="2400" dirty="0" err="1"/>
+              <a:rPr lang="en-US" altLang="en-US" dirty="0" err="1">
+                <a:latin typeface="72" panose="020B0503030000000003" pitchFamily="34" charset="0"/>
+                <a:cs typeface="72" panose="020B0503030000000003" pitchFamily="34" charset="0"/>
+              </a:rPr>
               <a:t>archivo</a:t>
             </a:r>
             <a:r>
-              <a:rPr lang="en-US" altLang="en-US" sz="2400" dirty="0"/>
+              <a:rPr lang="en-US" altLang="en-US" dirty="0">
+                <a:latin typeface="72" panose="020B0503030000000003" pitchFamily="34" charset="0"/>
+                <a:cs typeface="72" panose="020B0503030000000003" pitchFamily="34" charset="0"/>
+              </a:rPr>
               <a:t> </a:t>
             </a:r>
             <a:r>
-              <a:rPr lang="en-US" altLang="en-US" sz="2400" dirty="0" err="1"/>
+              <a:rPr lang="en-US" altLang="en-US" dirty="0" err="1">
+                <a:latin typeface="72" panose="020B0503030000000003" pitchFamily="34" charset="0"/>
+                <a:cs typeface="72" panose="020B0503030000000003" pitchFamily="34" charset="0"/>
+              </a:rPr>
               <a:t>binario</a:t>
             </a:r>
             <a:r>
-              <a:rPr lang="en-US" altLang="en-US" sz="2400" dirty="0"/>
+              <a:rPr lang="en-US" altLang="en-US" dirty="0">
+                <a:latin typeface="72" panose="020B0503030000000003" pitchFamily="34" charset="0"/>
+                <a:cs typeface="72" panose="020B0503030000000003" pitchFamily="34" charset="0"/>
+              </a:rPr>
               <a:t> </a:t>
             </a:r>
             <a:r>
-              <a:rPr lang="en-US" altLang="en-US" sz="2400" dirty="0" err="1"/>
+              <a:rPr lang="en-US" altLang="en-US" dirty="0" err="1">
+                <a:latin typeface="72" panose="020B0503030000000003" pitchFamily="34" charset="0"/>
+                <a:cs typeface="72" panose="020B0503030000000003" pitchFamily="34" charset="0"/>
+              </a:rPr>
               <a:t>contienen</a:t>
             </a:r>
             <a:r>
-              <a:rPr lang="en-US" altLang="en-US" sz="2400" dirty="0"/>
+              <a:rPr lang="en-US" altLang="en-US" dirty="0">
+                <a:latin typeface="72" panose="020B0503030000000003" pitchFamily="34" charset="0"/>
+                <a:cs typeface="72" panose="020B0503030000000003" pitchFamily="34" charset="0"/>
+              </a:rPr>
               <a:t> la </a:t>
             </a:r>
             <a:r>
-              <a:rPr lang="en-US" altLang="en-US" sz="2400" dirty="0" err="1"/>
+              <a:rPr lang="en-US" altLang="en-US" dirty="0" err="1">
+                <a:latin typeface="72" panose="020B0503030000000003" pitchFamily="34" charset="0"/>
+                <a:cs typeface="72" panose="020B0503030000000003" pitchFamily="34" charset="0"/>
+              </a:rPr>
               <a:t>misma</a:t>
             </a:r>
             <a:r>
-              <a:rPr lang="en-US" altLang="en-US" sz="2400" dirty="0"/>
+              <a:rPr lang="en-US" altLang="en-US" dirty="0">
+                <a:latin typeface="72" panose="020B0503030000000003" pitchFamily="34" charset="0"/>
+                <a:cs typeface="72" panose="020B0503030000000003" pitchFamily="34" charset="0"/>
+              </a:rPr>
               <a:t> </a:t>
             </a:r>
             <a:r>
-              <a:rPr lang="en-US" altLang="en-US" sz="2400" dirty="0" err="1"/>
+              <a:rPr lang="en-US" altLang="en-US" dirty="0" err="1">
+                <a:latin typeface="72" panose="020B0503030000000003" pitchFamily="34" charset="0"/>
+                <a:cs typeface="72" panose="020B0503030000000003" pitchFamily="34" charset="0"/>
+              </a:rPr>
               <a:t>información</a:t>
             </a:r>
             <a:r>
-              <a:rPr lang="en-US" altLang="en-US" sz="2400" dirty="0"/>
+              <a:rPr lang="en-US" altLang="en-US" dirty="0">
+                <a:latin typeface="72" panose="020B0503030000000003" pitchFamily="34" charset="0"/>
+                <a:cs typeface="72" panose="020B0503030000000003" pitchFamily="34" charset="0"/>
+              </a:rPr>
               <a:t>…</a:t>
             </a:r>
           </a:p>
@@ -23101,7 +24863,7 @@
         </p:blipFill>
         <p:spPr bwMode="auto">
           <a:xfrm>
-            <a:off x="53163" y="2084761"/>
+            <a:off x="1577164" y="2084762"/>
             <a:ext cx="7261225" cy="2214563"/>
           </a:xfrm>
           <a:prstGeom prst="rect">
@@ -23150,7 +24912,7 @@
         </p:nvSpPr>
         <p:spPr bwMode="auto">
           <a:xfrm>
-            <a:off x="861237" y="4822481"/>
+            <a:off x="2385237" y="4822481"/>
             <a:ext cx="8229600" cy="1344612"/>
           </a:xfrm>
           <a:prstGeom prst="rect">
@@ -23325,7 +25087,6 @@
           </a:lstStyle>
           <a:p>
             <a:pPr marL="0" indent="0" eaLnBrk="1" hangingPunct="1">
-              <a:buFontTx/>
               <a:buNone/>
               <a:defRPr/>
             </a:pPr>
@@ -23356,7 +25117,6 @@
           </a:p>
           <a:p>
             <a:pPr marL="0" indent="0" eaLnBrk="1" hangingPunct="1">
-              <a:buFontTx/>
               <a:buNone/>
               <a:defRPr/>
             </a:pPr>
